--- a/資料/福祉ITコンサルの可能性について.pptx
+++ b/資料/福祉ITコンサルの可能性について.pptx
@@ -7,15 +7,25 @@
   <p:sldIdLst>
     <p:sldId id="256" r:id="rId2"/>
     <p:sldId id="257" r:id="rId3"/>
-    <p:sldId id="258" r:id="rId4"/>
-    <p:sldId id="259" r:id="rId5"/>
-    <p:sldId id="260" r:id="rId6"/>
-    <p:sldId id="261" r:id="rId7"/>
-    <p:sldId id="262" r:id="rId8"/>
-    <p:sldId id="263" r:id="rId9"/>
-    <p:sldId id="265" r:id="rId10"/>
-    <p:sldId id="267" r:id="rId11"/>
-    <p:sldId id="264" r:id="rId12"/>
+    <p:sldId id="272" r:id="rId4"/>
+    <p:sldId id="273" r:id="rId5"/>
+    <p:sldId id="268" r:id="rId6"/>
+    <p:sldId id="274" r:id="rId7"/>
+    <p:sldId id="258" r:id="rId8"/>
+    <p:sldId id="259" r:id="rId9"/>
+    <p:sldId id="260" r:id="rId10"/>
+    <p:sldId id="275" r:id="rId11"/>
+    <p:sldId id="261" r:id="rId12"/>
+    <p:sldId id="262" r:id="rId13"/>
+    <p:sldId id="263" r:id="rId14"/>
+    <p:sldId id="265" r:id="rId15"/>
+    <p:sldId id="267" r:id="rId16"/>
+    <p:sldId id="276" r:id="rId17"/>
+    <p:sldId id="270" r:id="rId18"/>
+    <p:sldId id="264" r:id="rId19"/>
+    <p:sldId id="269" r:id="rId20"/>
+    <p:sldId id="271" r:id="rId21"/>
+    <p:sldId id="277" r:id="rId22"/>
   </p:sldIdLst>
   <p:sldSz cx="9144000" cy="6858000" type="screen4x3"/>
   <p:notesSz cx="6858000" cy="9144000"/>
@@ -298,7 +308,8 @@
           <a:p>
             <a:fld id="{4214307A-2611-46AB-AAA1-4646070AE98B}" type="datetimeFigureOut">
               <a:rPr kumimoji="1" lang="ja-JP" altLang="en-US" smtClean="0"/>
-              <a:t>2017/7/7</a:t>
+              <a:pPr/>
+              <a:t>2017/7/10</a:t>
             </a:fld>
             <a:endParaRPr kumimoji="1" lang="ja-JP" altLang="en-US"/>
           </a:p>
@@ -340,6 +351,7 @@
           <a:p>
             <a:fld id="{63F39803-1540-48EC-A3E5-8CD23A0AD28E}" type="slidenum">
               <a:rPr kumimoji="1" lang="ja-JP" altLang="en-US" smtClean="0"/>
+              <a:pPr/>
               <a:t>&lt;#&gt;</a:t>
             </a:fld>
             <a:endParaRPr kumimoji="1" lang="ja-JP" altLang="en-US"/>
@@ -495,7 +507,8 @@
           <a:p>
             <a:fld id="{4214307A-2611-46AB-AAA1-4646070AE98B}" type="datetimeFigureOut">
               <a:rPr kumimoji="1" lang="ja-JP" altLang="en-US" smtClean="0"/>
-              <a:t>2017/7/7</a:t>
+              <a:pPr/>
+              <a:t>2017/7/10</a:t>
             </a:fld>
             <a:endParaRPr kumimoji="1" lang="ja-JP" altLang="en-US"/>
           </a:p>
@@ -537,6 +550,7 @@
           <a:p>
             <a:fld id="{63F39803-1540-48EC-A3E5-8CD23A0AD28E}" type="slidenum">
               <a:rPr kumimoji="1" lang="ja-JP" altLang="en-US" smtClean="0"/>
+              <a:pPr/>
               <a:t>&lt;#&gt;</a:t>
             </a:fld>
             <a:endParaRPr kumimoji="1" lang="ja-JP" altLang="en-US"/>
@@ -702,7 +716,8 @@
           <a:p>
             <a:fld id="{4214307A-2611-46AB-AAA1-4646070AE98B}" type="datetimeFigureOut">
               <a:rPr kumimoji="1" lang="ja-JP" altLang="en-US" smtClean="0"/>
-              <a:t>2017/7/7</a:t>
+              <a:pPr/>
+              <a:t>2017/7/10</a:t>
             </a:fld>
             <a:endParaRPr kumimoji="1" lang="ja-JP" altLang="en-US"/>
           </a:p>
@@ -744,6 +759,7 @@
           <a:p>
             <a:fld id="{63F39803-1540-48EC-A3E5-8CD23A0AD28E}" type="slidenum">
               <a:rPr kumimoji="1" lang="ja-JP" altLang="en-US" smtClean="0"/>
+              <a:pPr/>
               <a:t>&lt;#&gt;</a:t>
             </a:fld>
             <a:endParaRPr kumimoji="1" lang="ja-JP" altLang="en-US"/>
@@ -899,7 +915,8 @@
           <a:p>
             <a:fld id="{4214307A-2611-46AB-AAA1-4646070AE98B}" type="datetimeFigureOut">
               <a:rPr kumimoji="1" lang="ja-JP" altLang="en-US" smtClean="0"/>
-              <a:t>2017/7/7</a:t>
+              <a:pPr/>
+              <a:t>2017/7/10</a:t>
             </a:fld>
             <a:endParaRPr kumimoji="1" lang="ja-JP" altLang="en-US"/>
           </a:p>
@@ -941,6 +958,7 @@
           <a:p>
             <a:fld id="{63F39803-1540-48EC-A3E5-8CD23A0AD28E}" type="slidenum">
               <a:rPr kumimoji="1" lang="ja-JP" altLang="en-US" smtClean="0"/>
+              <a:pPr/>
               <a:t>&lt;#&gt;</a:t>
             </a:fld>
             <a:endParaRPr kumimoji="1" lang="ja-JP" altLang="en-US"/>
@@ -1140,7 +1158,8 @@
           <a:p>
             <a:fld id="{4214307A-2611-46AB-AAA1-4646070AE98B}" type="datetimeFigureOut">
               <a:rPr kumimoji="1" lang="ja-JP" altLang="en-US" smtClean="0"/>
-              <a:t>2017/7/7</a:t>
+              <a:pPr/>
+              <a:t>2017/7/10</a:t>
             </a:fld>
             <a:endParaRPr kumimoji="1" lang="ja-JP" altLang="en-US"/>
           </a:p>
@@ -1182,6 +1201,7 @@
           <a:p>
             <a:fld id="{63F39803-1540-48EC-A3E5-8CD23A0AD28E}" type="slidenum">
               <a:rPr kumimoji="1" lang="ja-JP" altLang="en-US" smtClean="0"/>
+              <a:pPr/>
               <a:t>&lt;#&gt;</a:t>
             </a:fld>
             <a:endParaRPr kumimoji="1" lang="ja-JP" altLang="en-US"/>
@@ -1487,7 +1507,8 @@
           <a:p>
             <a:fld id="{4214307A-2611-46AB-AAA1-4646070AE98B}" type="datetimeFigureOut">
               <a:rPr kumimoji="1" lang="ja-JP" altLang="en-US" smtClean="0"/>
-              <a:t>2017/7/7</a:t>
+              <a:pPr/>
+              <a:t>2017/7/10</a:t>
             </a:fld>
             <a:endParaRPr kumimoji="1" lang="ja-JP" altLang="en-US"/>
           </a:p>
@@ -1529,6 +1550,7 @@
           <a:p>
             <a:fld id="{63F39803-1540-48EC-A3E5-8CD23A0AD28E}" type="slidenum">
               <a:rPr kumimoji="1" lang="ja-JP" altLang="en-US" smtClean="0"/>
+              <a:pPr/>
               <a:t>&lt;#&gt;</a:t>
             </a:fld>
             <a:endParaRPr kumimoji="1" lang="ja-JP" altLang="en-US"/>
@@ -1968,7 +1990,8 @@
           <a:p>
             <a:fld id="{4214307A-2611-46AB-AAA1-4646070AE98B}" type="datetimeFigureOut">
               <a:rPr kumimoji="1" lang="ja-JP" altLang="en-US" smtClean="0"/>
-              <a:t>2017/7/7</a:t>
+              <a:pPr/>
+              <a:t>2017/7/10</a:t>
             </a:fld>
             <a:endParaRPr kumimoji="1" lang="ja-JP" altLang="en-US"/>
           </a:p>
@@ -2010,6 +2033,7 @@
           <a:p>
             <a:fld id="{63F39803-1540-48EC-A3E5-8CD23A0AD28E}" type="slidenum">
               <a:rPr kumimoji="1" lang="ja-JP" altLang="en-US" smtClean="0"/>
+              <a:pPr/>
               <a:t>&lt;#&gt;</a:t>
             </a:fld>
             <a:endParaRPr kumimoji="1" lang="ja-JP" altLang="en-US"/>
@@ -2081,7 +2105,8 @@
           <a:p>
             <a:fld id="{4214307A-2611-46AB-AAA1-4646070AE98B}" type="datetimeFigureOut">
               <a:rPr kumimoji="1" lang="ja-JP" altLang="en-US" smtClean="0"/>
-              <a:t>2017/7/7</a:t>
+              <a:pPr/>
+              <a:t>2017/7/10</a:t>
             </a:fld>
             <a:endParaRPr kumimoji="1" lang="ja-JP" altLang="en-US"/>
           </a:p>
@@ -2123,6 +2148,7 @@
           <a:p>
             <a:fld id="{63F39803-1540-48EC-A3E5-8CD23A0AD28E}" type="slidenum">
               <a:rPr kumimoji="1" lang="ja-JP" altLang="en-US" smtClean="0"/>
+              <a:pPr/>
               <a:t>&lt;#&gt;</a:t>
             </a:fld>
             <a:endParaRPr kumimoji="1" lang="ja-JP" altLang="en-US"/>
@@ -2171,7 +2197,8 @@
           <a:p>
             <a:fld id="{4214307A-2611-46AB-AAA1-4646070AE98B}" type="datetimeFigureOut">
               <a:rPr kumimoji="1" lang="ja-JP" altLang="en-US" smtClean="0"/>
-              <a:t>2017/7/7</a:t>
+              <a:pPr/>
+              <a:t>2017/7/10</a:t>
             </a:fld>
             <a:endParaRPr kumimoji="1" lang="ja-JP" altLang="en-US"/>
           </a:p>
@@ -2213,6 +2240,7 @@
           <a:p>
             <a:fld id="{63F39803-1540-48EC-A3E5-8CD23A0AD28E}" type="slidenum">
               <a:rPr kumimoji="1" lang="ja-JP" altLang="en-US" smtClean="0"/>
+              <a:pPr/>
               <a:t>&lt;#&gt;</a:t>
             </a:fld>
             <a:endParaRPr kumimoji="1" lang="ja-JP" altLang="en-US"/>
@@ -2475,7 +2503,8 @@
           <a:p>
             <a:fld id="{4214307A-2611-46AB-AAA1-4646070AE98B}" type="datetimeFigureOut">
               <a:rPr kumimoji="1" lang="ja-JP" altLang="en-US" smtClean="0"/>
-              <a:t>2017/7/7</a:t>
+              <a:pPr/>
+              <a:t>2017/7/10</a:t>
             </a:fld>
             <a:endParaRPr kumimoji="1" lang="ja-JP" altLang="en-US"/>
           </a:p>
@@ -2517,6 +2546,7 @@
           <a:p>
             <a:fld id="{63F39803-1540-48EC-A3E5-8CD23A0AD28E}" type="slidenum">
               <a:rPr kumimoji="1" lang="ja-JP" altLang="en-US" smtClean="0"/>
+              <a:pPr/>
               <a:t>&lt;#&gt;</a:t>
             </a:fld>
             <a:endParaRPr kumimoji="1" lang="ja-JP" altLang="en-US"/>
@@ -2723,7 +2753,8 @@
           <a:p>
             <a:fld id="{4214307A-2611-46AB-AAA1-4646070AE98B}" type="datetimeFigureOut">
               <a:rPr kumimoji="1" lang="ja-JP" altLang="en-US" smtClean="0"/>
-              <a:t>2017/7/7</a:t>
+              <a:pPr/>
+              <a:t>2017/7/10</a:t>
             </a:fld>
             <a:endParaRPr kumimoji="1" lang="ja-JP" altLang="en-US"/>
           </a:p>
@@ -2765,6 +2796,7 @@
           <a:p>
             <a:fld id="{63F39803-1540-48EC-A3E5-8CD23A0AD28E}" type="slidenum">
               <a:rPr kumimoji="1" lang="ja-JP" altLang="en-US" smtClean="0"/>
+              <a:pPr/>
               <a:t>&lt;#&gt;</a:t>
             </a:fld>
             <a:endParaRPr kumimoji="1" lang="ja-JP" altLang="en-US"/>
@@ -2963,7 +2995,8 @@
           <a:p>
             <a:fld id="{4214307A-2611-46AB-AAA1-4646070AE98B}" type="datetimeFigureOut">
               <a:rPr kumimoji="1" lang="ja-JP" altLang="en-US" smtClean="0"/>
-              <a:t>2017/7/7</a:t>
+              <a:pPr/>
+              <a:t>2017/7/10</a:t>
             </a:fld>
             <a:endParaRPr kumimoji="1" lang="ja-JP" altLang="en-US"/>
           </a:p>
@@ -3041,6 +3074,7 @@
           <a:p>
             <a:fld id="{63F39803-1540-48EC-A3E5-8CD23A0AD28E}" type="slidenum">
               <a:rPr kumimoji="1" lang="ja-JP" altLang="en-US" smtClean="0"/>
+              <a:pPr/>
               <a:t>&lt;#&gt;</a:t>
             </a:fld>
             <a:endParaRPr kumimoji="1" lang="ja-JP" altLang="en-US"/>
@@ -3399,7 +3433,31 @@
             </a:r>
             <a:r>
               <a:rPr kumimoji="1" lang="ja-JP" altLang="en-US" dirty="0" smtClean="0"/>
-              <a:t>サービス導入のサポートを行い、間接的に人手不足解消への一助とするために</a:t>
+              <a:t>サービス導入のサポートを行い</a:t>
+            </a:r>
+            <a:r>
+              <a:rPr kumimoji="1" lang="ja-JP" altLang="en-US" dirty="0" smtClean="0"/>
+              <a:t>、人手</a:t>
+            </a:r>
+            <a:r>
+              <a:rPr kumimoji="1" lang="ja-JP" altLang="en-US" dirty="0" smtClean="0"/>
+              <a:t>不足解消へ</a:t>
+            </a:r>
+            <a:r>
+              <a:rPr kumimoji="1" lang="ja-JP" altLang="en-US" dirty="0" smtClean="0"/>
+              <a:t>の</a:t>
+            </a:r>
+            <a:r>
+              <a:rPr lang="ja-JP" altLang="en-US" dirty="0" smtClean="0"/>
+              <a:t>助け</a:t>
+            </a:r>
+            <a:r>
+              <a:rPr kumimoji="1" lang="ja-JP" altLang="en-US" dirty="0" smtClean="0"/>
+              <a:t>と</a:t>
+            </a:r>
+            <a:r>
+              <a:rPr kumimoji="1" lang="ja-JP" altLang="en-US" dirty="0" smtClean="0"/>
+              <a:t>するために</a:t>
             </a:r>
             <a:endParaRPr kumimoji="1" lang="ja-JP" altLang="en-US" dirty="0"/>
           </a:p>
@@ -3432,6 +3490,377 @@
       </p:grpSpPr>
       <p:sp>
         <p:nvSpPr>
+          <p:cNvPr id="2" name="タイトル 1"/>
+          <p:cNvSpPr>
+            <a:spLocks noGrp="1"/>
+          </p:cNvSpPr>
+          <p:nvPr>
+            <p:ph type="title"/>
+          </p:nvPr>
+        </p:nvSpPr>
+        <p:spPr>
+          <a:xfrm>
+            <a:off x="467544" y="2420888"/>
+            <a:ext cx="8229600" cy="1143000"/>
+          </a:xfrm>
+        </p:spPr>
+        <p:txBody>
+          <a:bodyPr/>
+          <a:lstStyle/>
+          <a:p>
+            <a:r>
+              <a:rPr kumimoji="1" lang="ja-JP" altLang="en-US" b="1" dirty="0" smtClean="0"/>
+              <a:t>結論と売り込み</a:t>
+            </a:r>
+            <a:endParaRPr kumimoji="1" lang="ja-JP" altLang="en-US" b="1" dirty="0"/>
+          </a:p>
+        </p:txBody>
+      </p:sp>
+    </p:spTree>
+  </p:cSld>
+  <p:clrMapOvr>
+    <a:masterClrMapping/>
+  </p:clrMapOvr>
+</p:sld>
+</file>
+
+<file path=ppt/slides/slide11.xml><?xml version="1.0" encoding="utf-8"?>
+<p:sld xmlns:a="http://schemas.openxmlformats.org/drawingml/2006/main" xmlns:r="http://schemas.openxmlformats.org/officeDocument/2006/relationships" xmlns:p="http://schemas.openxmlformats.org/presentationml/2006/main">
+  <p:cSld>
+    <p:spTree>
+      <p:nvGrpSpPr>
+        <p:cNvPr id="1" name=""/>
+        <p:cNvGrpSpPr/>
+        <p:nvPr/>
+      </p:nvGrpSpPr>
+      <p:grpSpPr>
+        <a:xfrm>
+          <a:off x="0" y="0"/>
+          <a:ext cx="0" cy="0"/>
+          <a:chOff x="0" y="0"/>
+          <a:chExt cx="0" cy="0"/>
+        </a:xfrm>
+      </p:grpSpPr>
+      <p:sp>
+        <p:nvSpPr>
+          <p:cNvPr id="2" name="タイトル 1"/>
+          <p:cNvSpPr>
+            <a:spLocks noGrp="1"/>
+          </p:cNvSpPr>
+          <p:nvPr>
+            <p:ph type="title"/>
+          </p:nvPr>
+        </p:nvSpPr>
+        <p:spPr/>
+        <p:txBody>
+          <a:bodyPr/>
+          <a:lstStyle/>
+          <a:p>
+            <a:r>
+              <a:rPr kumimoji="1" lang="ja-JP" altLang="en-US" dirty="0" smtClean="0"/>
+              <a:t>表向きの結論</a:t>
+            </a:r>
+            <a:endParaRPr kumimoji="1" lang="ja-JP" altLang="en-US" dirty="0"/>
+          </a:p>
+        </p:txBody>
+      </p:sp>
+      <p:sp>
+        <p:nvSpPr>
+          <p:cNvPr id="3" name="コンテンツ プレースホルダ 2"/>
+          <p:cNvSpPr>
+            <a:spLocks noGrp="1"/>
+          </p:cNvSpPr>
+          <p:nvPr>
+            <p:ph idx="1"/>
+          </p:nvPr>
+        </p:nvSpPr>
+        <p:spPr/>
+        <p:txBody>
+          <a:bodyPr>
+            <a:normAutofit lnSpcReduction="10000"/>
+          </a:bodyPr>
+          <a:lstStyle/>
+          <a:p>
+            <a:pPr>
+              <a:buNone/>
+            </a:pPr>
+            <a:r>
+              <a:rPr lang="ja-JP" altLang="en-US" dirty="0" smtClean="0"/>
+              <a:t>そうはいっても、突然</a:t>
+            </a:r>
+            <a:r>
+              <a:rPr lang="en-US" altLang="ja-JP" dirty="0" smtClean="0"/>
+              <a:t>1</a:t>
+            </a:r>
+            <a:r>
+              <a:rPr lang="ja-JP" altLang="en-US" dirty="0" smtClean="0"/>
+              <a:t>施設に一人、</a:t>
+            </a:r>
+            <a:r>
+              <a:rPr lang="en-US" altLang="ja-JP" dirty="0" smtClean="0"/>
+              <a:t>IT</a:t>
+            </a:r>
+            <a:r>
+              <a:rPr lang="ja-JP" altLang="en-US" dirty="0" smtClean="0"/>
+              <a:t>専用者を配置するのは難しいと思われる。</a:t>
+            </a:r>
+            <a:endParaRPr lang="en-US" altLang="ja-JP" dirty="0" smtClean="0"/>
+          </a:p>
+          <a:p>
+            <a:pPr>
+              <a:buNone/>
+            </a:pPr>
+            <a:r>
+              <a:rPr lang="ja-JP" altLang="en-US" dirty="0"/>
+              <a:t>そこ</a:t>
+            </a:r>
+            <a:r>
+              <a:rPr lang="ja-JP" altLang="en-US" dirty="0" smtClean="0"/>
+              <a:t>で、</a:t>
+            </a:r>
+            <a:r>
+              <a:rPr lang="en-US" altLang="ja-JP" dirty="0" smtClean="0"/>
+              <a:t>IT</a:t>
+            </a:r>
+            <a:r>
+              <a:rPr lang="ja-JP" altLang="en-US" dirty="0" smtClean="0"/>
+              <a:t>コンサルという形で常駐ではなく、しかし常に</a:t>
+            </a:r>
+            <a:r>
+              <a:rPr lang="ja-JP" altLang="en-US" dirty="0"/>
+              <a:t>相談</a:t>
+            </a:r>
+            <a:r>
+              <a:rPr lang="ja-JP" altLang="en-US" dirty="0" smtClean="0"/>
+              <a:t>できる相手を取り入れてどうか？</a:t>
+            </a:r>
+            <a:endParaRPr lang="en-US" altLang="ja-JP" dirty="0" smtClean="0"/>
+          </a:p>
+          <a:p>
+            <a:pPr>
+              <a:buNone/>
+            </a:pPr>
+            <a:r>
+              <a:rPr lang="ja-JP" altLang="en-US" dirty="0" smtClean="0"/>
+              <a:t>人員の不足の対応、さらに最新技術などの相談、提案などを受けることができることを考えると、決して</a:t>
+            </a:r>
+            <a:r>
+              <a:rPr lang="ja-JP" altLang="en-US" dirty="0"/>
+              <a:t>無駄では</a:t>
+            </a:r>
+            <a:r>
+              <a:rPr lang="ja-JP" altLang="en-US" dirty="0" smtClean="0"/>
+              <a:t>なく、高いだけの投資には</a:t>
+            </a:r>
+            <a:r>
+              <a:rPr lang="ja-JP" altLang="en-US" dirty="0" smtClean="0"/>
+              <a:t>ならないはず。</a:t>
+            </a:r>
+            <a:endParaRPr lang="ja-JP" altLang="en-US" dirty="0"/>
+          </a:p>
+          <a:p>
+            <a:pPr>
+              <a:buNone/>
+            </a:pPr>
+            <a:endParaRPr kumimoji="1" lang="ja-JP" altLang="en-US" dirty="0"/>
+          </a:p>
+        </p:txBody>
+      </p:sp>
+    </p:spTree>
+  </p:cSld>
+  <p:clrMapOvr>
+    <a:masterClrMapping/>
+  </p:clrMapOvr>
+</p:sld>
+</file>
+
+<file path=ppt/slides/slide12.xml><?xml version="1.0" encoding="utf-8"?>
+<p:sld xmlns:a="http://schemas.openxmlformats.org/drawingml/2006/main" xmlns:r="http://schemas.openxmlformats.org/officeDocument/2006/relationships" xmlns:p="http://schemas.openxmlformats.org/presentationml/2006/main">
+  <p:cSld>
+    <p:spTree>
+      <p:nvGrpSpPr>
+        <p:cNvPr id="1" name=""/>
+        <p:cNvGrpSpPr/>
+        <p:nvPr/>
+      </p:nvGrpSpPr>
+      <p:grpSpPr>
+        <a:xfrm>
+          <a:off x="0" y="0"/>
+          <a:ext cx="0" cy="0"/>
+          <a:chOff x="0" y="0"/>
+          <a:chExt cx="0" cy="0"/>
+        </a:xfrm>
+      </p:grpSpPr>
+      <p:sp>
+        <p:nvSpPr>
+          <p:cNvPr id="2" name="タイトル 1"/>
+          <p:cNvSpPr>
+            <a:spLocks noGrp="1"/>
+          </p:cNvSpPr>
+          <p:nvPr>
+            <p:ph type="title"/>
+          </p:nvPr>
+        </p:nvSpPr>
+        <p:spPr>
+          <a:xfrm>
+            <a:off x="467544" y="0"/>
+            <a:ext cx="8229600" cy="1143000"/>
+          </a:xfrm>
+        </p:spPr>
+        <p:txBody>
+          <a:bodyPr>
+            <a:normAutofit fontScale="90000"/>
+          </a:bodyPr>
+          <a:lstStyle/>
+          <a:p>
+            <a:r>
+              <a:rPr lang="ja-JP" altLang="en-US" dirty="0"/>
+              <a:t>コンサルとして</a:t>
+            </a:r>
+            <a:r>
+              <a:rPr kumimoji="1" lang="ja-JP" altLang="en-US" dirty="0" smtClean="0"/>
+              <a:t>カワマタを使うメリット</a:t>
+            </a:r>
+            <a:endParaRPr kumimoji="1" lang="ja-JP" altLang="en-US" dirty="0"/>
+          </a:p>
+        </p:txBody>
+      </p:sp>
+      <p:sp>
+        <p:nvSpPr>
+          <p:cNvPr id="3" name="コンテンツ プレースホルダ 2"/>
+          <p:cNvSpPr>
+            <a:spLocks noGrp="1"/>
+          </p:cNvSpPr>
+          <p:nvPr>
+            <p:ph idx="1"/>
+          </p:nvPr>
+        </p:nvSpPr>
+        <p:spPr>
+          <a:xfrm>
+            <a:off x="539552" y="1052736"/>
+            <a:ext cx="8229600" cy="5472608"/>
+          </a:xfrm>
+        </p:spPr>
+        <p:txBody>
+          <a:bodyPr>
+            <a:normAutofit/>
+          </a:bodyPr>
+          <a:lstStyle/>
+          <a:p>
+            <a:r>
+              <a:rPr lang="ja-JP" altLang="en-US" sz="2800" dirty="0"/>
+              <a:t>社会</a:t>
+            </a:r>
+            <a:r>
+              <a:rPr kumimoji="1" lang="ja-JP" altLang="en-US" sz="2800" dirty="0" smtClean="0"/>
+              <a:t>福祉への理解 </a:t>
+            </a:r>
+            <a:r>
+              <a:rPr kumimoji="1" lang="en-US" altLang="ja-JP" sz="2800" dirty="0" smtClean="0"/>
+              <a:t>– </a:t>
+            </a:r>
+            <a:r>
+              <a:rPr kumimoji="1" lang="ja-JP" altLang="en-US" sz="2800" dirty="0" smtClean="0"/>
+              <a:t>社会福祉専攻の学士を持っているので、最低限以上の知識があり</a:t>
+            </a:r>
+            <a:r>
+              <a:rPr kumimoji="1" lang="ja-JP" altLang="en-US" sz="2800" dirty="0" smtClean="0"/>
+              <a:t>、一般的な</a:t>
+            </a:r>
+            <a:r>
+              <a:rPr lang="en-US" altLang="ja-JP" sz="2800" dirty="0" smtClean="0"/>
+              <a:t>IT</a:t>
+            </a:r>
+            <a:r>
+              <a:rPr lang="ja-JP" altLang="en-US" sz="2800" dirty="0" smtClean="0"/>
+              <a:t>技術者に比べると、</a:t>
+            </a:r>
+            <a:r>
+              <a:rPr kumimoji="1" lang="ja-JP" altLang="en-US" sz="2800" dirty="0" smtClean="0"/>
+              <a:t>それぞれ</a:t>
+            </a:r>
+            <a:r>
+              <a:rPr kumimoji="1" lang="ja-JP" altLang="en-US" sz="2800" dirty="0" smtClean="0"/>
+              <a:t>の施設の問題に柔軟に対応できる。</a:t>
+            </a:r>
+            <a:endParaRPr kumimoji="1" lang="en-US" altLang="ja-JP" sz="2800" dirty="0" smtClean="0"/>
+          </a:p>
+          <a:p>
+            <a:r>
+              <a:rPr kumimoji="1" lang="en-US" altLang="ja-JP" sz="2800" dirty="0" smtClean="0"/>
+              <a:t>IT</a:t>
+            </a:r>
+            <a:r>
+              <a:rPr kumimoji="1" lang="ja-JP" altLang="en-US" sz="2800" dirty="0" smtClean="0"/>
+              <a:t>技術者としての豊富な経験 </a:t>
+            </a:r>
+            <a:r>
+              <a:rPr kumimoji="1" lang="en-US" altLang="ja-JP" sz="2800" dirty="0" smtClean="0"/>
+              <a:t>– </a:t>
+            </a:r>
+            <a:r>
+              <a:rPr kumimoji="1" lang="ja-JP" altLang="en-US" sz="2800" dirty="0" smtClean="0"/>
+              <a:t>これまで</a:t>
+            </a:r>
+            <a:r>
+              <a:rPr kumimoji="1" lang="en-US" altLang="ja-JP" sz="2800" dirty="0" smtClean="0"/>
+              <a:t>20</a:t>
+            </a:r>
+            <a:r>
+              <a:rPr lang="ja-JP" altLang="en-US" sz="2800" dirty="0" smtClean="0"/>
+              <a:t>以上の現場での</a:t>
+            </a:r>
+            <a:r>
+              <a:rPr kumimoji="1" lang="ja-JP" altLang="en-US" sz="2800" dirty="0" smtClean="0"/>
+              <a:t>経験が</a:t>
+            </a:r>
+            <a:r>
+              <a:rPr kumimoji="1" lang="ja-JP" altLang="en-US" sz="2800" dirty="0" smtClean="0"/>
+              <a:t>ある</a:t>
+            </a:r>
+            <a:r>
+              <a:rPr lang="ja-JP" altLang="en-US" sz="2800" dirty="0" smtClean="0"/>
+              <a:t>。金融</a:t>
+            </a:r>
+            <a:r>
+              <a:rPr lang="ja-JP" altLang="en-US" sz="2800" dirty="0" smtClean="0"/>
+              <a:t>・保険・医療分野といった難しいユーザーも経験しており、要求を汲み取り、問題の具体化、解決への提案までを行うのに十分な場数を超えてきた、確かな説得力がある</a:t>
+            </a:r>
+            <a:r>
+              <a:rPr lang="ja-JP" altLang="en-US" sz="2800" dirty="0" smtClean="0"/>
+              <a:t>。また、パソコンのトラブルサポートなども行ってきているため、詳しく無い相手への操作方法の指導なども行える。</a:t>
+            </a:r>
+            <a:endParaRPr kumimoji="1" lang="en-US" altLang="ja-JP" sz="2800" dirty="0" smtClean="0"/>
+          </a:p>
+        </p:txBody>
+      </p:sp>
+    </p:spTree>
+  </p:cSld>
+  <p:clrMapOvr>
+    <a:masterClrMapping/>
+  </p:clrMapOvr>
+</p:sld>
+</file>
+
+<file path=ppt/slides/slide13.xml><?xml version="1.0" encoding="utf-8"?>
+<p:sld xmlns:a="http://schemas.openxmlformats.org/drawingml/2006/main" xmlns:r="http://schemas.openxmlformats.org/officeDocument/2006/relationships" xmlns:p="http://schemas.openxmlformats.org/presentationml/2006/main">
+  <p:cSld>
+    <p:spTree>
+      <p:nvGrpSpPr>
+        <p:cNvPr id="1" name=""/>
+        <p:cNvGrpSpPr/>
+        <p:nvPr/>
+      </p:nvGrpSpPr>
+      <p:grpSpPr>
+        <a:xfrm>
+          <a:off x="0" y="0"/>
+          <a:ext cx="0" cy="0"/>
+          <a:chOff x="0" y="0"/>
+          <a:chExt cx="0" cy="0"/>
+        </a:xfrm>
+      </p:grpSpPr>
+      <p:sp>
+        <p:nvSpPr>
           <p:cNvPr id="3" name="コンテンツ プレースホルダ 2"/>
           <p:cNvSpPr>
             <a:spLocks noGrp="1"/>
@@ -3443,11 +3872,13 @@
         <p:spPr>
           <a:xfrm>
             <a:off x="467544" y="908720"/>
-            <a:ext cx="3744416" cy="648072"/>
+            <a:ext cx="4536504" cy="648072"/>
           </a:xfrm>
         </p:spPr>
         <p:txBody>
-          <a:bodyPr/>
+          <a:bodyPr>
+            <a:normAutofit fontScale="85000" lnSpcReduction="10000"/>
+          </a:bodyPr>
           <a:lstStyle/>
           <a:p>
             <a:pPr>
@@ -3455,7 +3886,7 @@
             </a:pPr>
             <a:r>
               <a:rPr kumimoji="1" lang="ja-JP" altLang="en-US" dirty="0" smtClean="0"/>
-              <a:t>カワマタいる場合</a:t>
+              <a:t>従来で開発を依頼する場合</a:t>
             </a:r>
             <a:endParaRPr kumimoji="1" lang="en-US" altLang="ja-JP" dirty="0" smtClean="0"/>
           </a:p>
@@ -3621,7 +4052,7 @@
                   <a:schemeClr val="tx1"/>
                 </a:solidFill>
               </a:rPr>
-              <a:t>カワマタ</a:t>
+              <a:t>施設側</a:t>
             </a:r>
             <a:endParaRPr kumimoji="1" lang="ja-JP" altLang="en-US" dirty="0">
               <a:solidFill>
@@ -3639,7 +4070,1387 @@
         </p:nvSpPr>
         <p:spPr>
           <a:xfrm>
-            <a:off x="7380312" y="1484784"/>
+            <a:off x="7596336" y="1484784"/>
+            <a:ext cx="1368152" cy="576064"/>
+          </a:xfrm>
+          <a:prstGeom prst="roundRect">
+            <a:avLst/>
+          </a:prstGeom>
+          <a:solidFill>
+            <a:schemeClr val="bg1"/>
+          </a:solidFill>
+          <a:ln>
+            <a:solidFill>
+              <a:srgbClr val="FF0000"/>
+            </a:solidFill>
+          </a:ln>
+        </p:spPr>
+        <p:style>
+          <a:lnRef idx="2">
+            <a:schemeClr val="accent1">
+              <a:shade val="50000"/>
+            </a:schemeClr>
+          </a:lnRef>
+          <a:fillRef idx="1">
+            <a:schemeClr val="accent1"/>
+          </a:fillRef>
+          <a:effectRef idx="0">
+            <a:schemeClr val="accent1"/>
+          </a:effectRef>
+          <a:fontRef idx="minor">
+            <a:schemeClr val="lt1"/>
+          </a:fontRef>
+        </p:style>
+        <p:txBody>
+          <a:bodyPr rtlCol="0" anchor="ctr"/>
+          <a:lstStyle/>
+          <a:p>
+            <a:pPr algn="ctr"/>
+            <a:r>
+              <a:rPr lang="ja-JP" altLang="en-US" dirty="0" smtClean="0">
+                <a:solidFill>
+                  <a:schemeClr val="tx1"/>
+                </a:solidFill>
+              </a:rPr>
+              <a:t>システム会社</a:t>
+            </a:r>
+            <a:endParaRPr kumimoji="1" lang="ja-JP" altLang="en-US" dirty="0">
+              <a:solidFill>
+                <a:schemeClr val="tx1"/>
+              </a:solidFill>
+            </a:endParaRPr>
+          </a:p>
+        </p:txBody>
+      </p:sp>
+      <p:sp>
+        <p:nvSpPr>
+          <p:cNvPr id="9" name="右矢印 8"/>
+          <p:cNvSpPr/>
+          <p:nvPr/>
+        </p:nvSpPr>
+        <p:spPr>
+          <a:xfrm>
+            <a:off x="1763688" y="1916832"/>
+            <a:ext cx="5760640" cy="792088"/>
+          </a:xfrm>
+          <a:prstGeom prst="rightArrow">
+            <a:avLst/>
+          </a:prstGeom>
+          <a:solidFill>
+            <a:schemeClr val="accent5"/>
+          </a:solidFill>
+          <a:ln>
+            <a:solidFill>
+              <a:schemeClr val="tx1">
+                <a:lumMod val="75000"/>
+                <a:lumOff val="25000"/>
+              </a:schemeClr>
+            </a:solidFill>
+          </a:ln>
+        </p:spPr>
+        <p:style>
+          <a:lnRef idx="2">
+            <a:schemeClr val="accent1">
+              <a:shade val="50000"/>
+            </a:schemeClr>
+          </a:lnRef>
+          <a:fillRef idx="1">
+            <a:schemeClr val="accent1"/>
+          </a:fillRef>
+          <a:effectRef idx="0">
+            <a:schemeClr val="accent1"/>
+          </a:effectRef>
+          <a:fontRef idx="minor">
+            <a:schemeClr val="lt1"/>
+          </a:fontRef>
+        </p:style>
+        <p:txBody>
+          <a:bodyPr rtlCol="0" anchor="ctr"/>
+          <a:lstStyle/>
+          <a:p>
+            <a:pPr algn="ctr"/>
+            <a:r>
+              <a:rPr kumimoji="1" lang="en-US" altLang="ja-JP" dirty="0" smtClean="0"/>
+              <a:t>1.</a:t>
+            </a:r>
+            <a:r>
+              <a:rPr kumimoji="1" lang="ja-JP" altLang="en-US" dirty="0" smtClean="0"/>
+              <a:t>最新</a:t>
+            </a:r>
+            <a:r>
+              <a:rPr lang="ja-JP" altLang="en-US" dirty="0" smtClean="0"/>
+              <a:t>技術を使いたい</a:t>
+            </a:r>
+            <a:endParaRPr kumimoji="1" lang="ja-JP" altLang="en-US" dirty="0"/>
+          </a:p>
+        </p:txBody>
+      </p:sp>
+      <p:sp>
+        <p:nvSpPr>
+          <p:cNvPr id="12" name="左矢印 11"/>
+          <p:cNvSpPr/>
+          <p:nvPr/>
+        </p:nvSpPr>
+        <p:spPr>
+          <a:xfrm>
+            <a:off x="1619672" y="2564904"/>
+            <a:ext cx="5904656" cy="720080"/>
+          </a:xfrm>
+          <a:prstGeom prst="leftArrow">
+            <a:avLst/>
+          </a:prstGeom>
+          <a:solidFill>
+            <a:schemeClr val="accent6">
+              <a:lumMod val="75000"/>
+            </a:schemeClr>
+          </a:solidFill>
+        </p:spPr>
+        <p:style>
+          <a:lnRef idx="2">
+            <a:schemeClr val="accent1">
+              <a:shade val="50000"/>
+            </a:schemeClr>
+          </a:lnRef>
+          <a:fillRef idx="1">
+            <a:schemeClr val="accent1"/>
+          </a:fillRef>
+          <a:effectRef idx="0">
+            <a:schemeClr val="accent1"/>
+          </a:effectRef>
+          <a:fontRef idx="minor">
+            <a:schemeClr val="lt1"/>
+          </a:fontRef>
+        </p:style>
+        <p:txBody>
+          <a:bodyPr rtlCol="0" anchor="ctr"/>
+          <a:lstStyle/>
+          <a:p>
+            <a:pPr algn="ctr"/>
+            <a:r>
+              <a:rPr kumimoji="1" lang="en-US" altLang="ja-JP" dirty="0" smtClean="0"/>
+              <a:t>2.</a:t>
+            </a:r>
+            <a:r>
+              <a:rPr kumimoji="1" lang="ja-JP" altLang="en-US" dirty="0" smtClean="0"/>
+              <a:t>何をどんなふうに？利用条件は？予算は？</a:t>
+            </a:r>
+            <a:endParaRPr kumimoji="1" lang="ja-JP" altLang="en-US" dirty="0"/>
+          </a:p>
+        </p:txBody>
+      </p:sp>
+      <p:sp>
+        <p:nvSpPr>
+          <p:cNvPr id="13" name="右矢印 12"/>
+          <p:cNvSpPr/>
+          <p:nvPr/>
+        </p:nvSpPr>
+        <p:spPr>
+          <a:xfrm>
+            <a:off x="1763688" y="3212976"/>
+            <a:ext cx="5760640" cy="792088"/>
+          </a:xfrm>
+          <a:prstGeom prst="rightArrow">
+            <a:avLst/>
+          </a:prstGeom>
+          <a:solidFill>
+            <a:schemeClr val="accent5"/>
+          </a:solidFill>
+          <a:ln>
+            <a:solidFill>
+              <a:schemeClr val="tx1">
+                <a:lumMod val="75000"/>
+                <a:lumOff val="25000"/>
+              </a:schemeClr>
+            </a:solidFill>
+          </a:ln>
+        </p:spPr>
+        <p:style>
+          <a:lnRef idx="2">
+            <a:schemeClr val="accent1">
+              <a:shade val="50000"/>
+            </a:schemeClr>
+          </a:lnRef>
+          <a:fillRef idx="1">
+            <a:schemeClr val="accent1"/>
+          </a:fillRef>
+          <a:effectRef idx="0">
+            <a:schemeClr val="accent1"/>
+          </a:effectRef>
+          <a:fontRef idx="minor">
+            <a:schemeClr val="lt1"/>
+          </a:fontRef>
+        </p:style>
+        <p:txBody>
+          <a:bodyPr rtlCol="0" anchor="ctr"/>
+          <a:lstStyle/>
+          <a:p>
+            <a:pPr algn="ctr"/>
+            <a:r>
+              <a:rPr kumimoji="1" lang="en-US" altLang="ja-JP" dirty="0" smtClean="0"/>
+              <a:t>3.(</a:t>
+            </a:r>
+            <a:r>
+              <a:rPr kumimoji="1" lang="ja-JP" altLang="en-US" dirty="0" smtClean="0"/>
+              <a:t>例えば</a:t>
+            </a:r>
+            <a:r>
+              <a:rPr kumimoji="1" lang="en-US" altLang="ja-JP" dirty="0" smtClean="0"/>
+              <a:t>)AI</a:t>
+            </a:r>
+            <a:r>
+              <a:rPr kumimoji="1" lang="ja-JP" altLang="en-US" dirty="0" smtClean="0"/>
+              <a:t>を使ってうまいこと適正値段で</a:t>
+            </a:r>
+            <a:endParaRPr kumimoji="1" lang="ja-JP" altLang="en-US" dirty="0"/>
+          </a:p>
+        </p:txBody>
+      </p:sp>
+      <p:sp>
+        <p:nvSpPr>
+          <p:cNvPr id="15" name="角丸四角形吹き出し 14"/>
+          <p:cNvSpPr/>
+          <p:nvPr/>
+        </p:nvSpPr>
+        <p:spPr>
+          <a:xfrm>
+            <a:off x="1835696" y="4077072"/>
+            <a:ext cx="5328592" cy="936104"/>
+          </a:xfrm>
+          <a:prstGeom prst="wedgeRoundRectCallout">
+            <a:avLst>
+              <a:gd name="adj1" fmla="val 61545"/>
+              <a:gd name="adj2" fmla="val 8900"/>
+              <a:gd name="adj3" fmla="val 16667"/>
+            </a:avLst>
+          </a:prstGeom>
+          <a:solidFill>
+            <a:schemeClr val="accent6">
+              <a:lumMod val="75000"/>
+            </a:schemeClr>
+          </a:solidFill>
+        </p:spPr>
+        <p:style>
+          <a:lnRef idx="2">
+            <a:schemeClr val="accent1">
+              <a:shade val="50000"/>
+            </a:schemeClr>
+          </a:lnRef>
+          <a:fillRef idx="1">
+            <a:schemeClr val="accent1"/>
+          </a:fillRef>
+          <a:effectRef idx="0">
+            <a:schemeClr val="accent1"/>
+          </a:effectRef>
+          <a:fontRef idx="minor">
+            <a:schemeClr val="lt1"/>
+          </a:fontRef>
+        </p:style>
+        <p:txBody>
+          <a:bodyPr rtlCol="0" anchor="ctr"/>
+          <a:lstStyle/>
+          <a:p>
+            <a:pPr algn="ctr"/>
+            <a:r>
+              <a:rPr kumimoji="1" lang="en-US" altLang="ja-JP" dirty="0" smtClean="0"/>
+              <a:t>4.</a:t>
+            </a:r>
+            <a:r>
+              <a:rPr lang="ja-JP" altLang="en-US" dirty="0" smtClean="0"/>
+              <a:t>機能の使用条件がよくわからないから、いろい</a:t>
+            </a:r>
+            <a:r>
+              <a:rPr lang="ja-JP" altLang="en-US" dirty="0"/>
+              <a:t>ろ</a:t>
+            </a:r>
+            <a:r>
+              <a:rPr lang="ja-JP" altLang="en-US" dirty="0" smtClean="0"/>
+              <a:t>盛り込んだ形でいいか。時間もかかりそうだ。</a:t>
+            </a:r>
+            <a:endParaRPr lang="en-US" altLang="ja-JP" dirty="0" smtClean="0"/>
+          </a:p>
+          <a:p>
+            <a:pPr algn="ctr"/>
+            <a:r>
+              <a:rPr lang="ja-JP" altLang="en-US" dirty="0" smtClean="0"/>
+              <a:t>値段もいろいろ盛り込んだ分の価格にしよう！</a:t>
+            </a:r>
+            <a:endParaRPr kumimoji="1" lang="ja-JP" altLang="en-US" dirty="0"/>
+          </a:p>
+        </p:txBody>
+      </p:sp>
+      <p:sp>
+        <p:nvSpPr>
+          <p:cNvPr id="16" name="左矢印 15"/>
+          <p:cNvSpPr/>
+          <p:nvPr/>
+        </p:nvSpPr>
+        <p:spPr>
+          <a:xfrm>
+            <a:off x="1619672" y="5085184"/>
+            <a:ext cx="5904656" cy="720080"/>
+          </a:xfrm>
+          <a:prstGeom prst="leftArrow">
+            <a:avLst/>
+          </a:prstGeom>
+          <a:solidFill>
+            <a:schemeClr val="accent6">
+              <a:lumMod val="75000"/>
+            </a:schemeClr>
+          </a:solidFill>
+        </p:spPr>
+        <p:style>
+          <a:lnRef idx="2">
+            <a:schemeClr val="accent1">
+              <a:shade val="50000"/>
+            </a:schemeClr>
+          </a:lnRef>
+          <a:fillRef idx="1">
+            <a:schemeClr val="accent1"/>
+          </a:fillRef>
+          <a:effectRef idx="0">
+            <a:schemeClr val="accent1"/>
+          </a:effectRef>
+          <a:fontRef idx="minor">
+            <a:schemeClr val="lt1"/>
+          </a:fontRef>
+        </p:style>
+        <p:txBody>
+          <a:bodyPr rtlCol="0" anchor="ctr"/>
+          <a:lstStyle/>
+          <a:p>
+            <a:pPr algn="ctr"/>
+            <a:r>
+              <a:rPr kumimoji="1" lang="en-US" altLang="ja-JP" dirty="0" smtClean="0"/>
+              <a:t>5.</a:t>
+            </a:r>
+            <a:r>
+              <a:rPr kumimoji="1" lang="ja-JP" altLang="en-US" dirty="0" smtClean="0"/>
+              <a:t>こんな価格</a:t>
+            </a:r>
+            <a:r>
+              <a:rPr kumimoji="1" lang="en-US" altLang="ja-JP" b="1" dirty="0" smtClean="0"/>
+              <a:t>(</a:t>
+            </a:r>
+            <a:r>
+              <a:rPr kumimoji="1" lang="ja-JP" altLang="en-US" b="1" dirty="0" smtClean="0"/>
+              <a:t>高い値段</a:t>
+            </a:r>
+            <a:r>
+              <a:rPr kumimoji="1" lang="en-US" altLang="ja-JP" b="1" dirty="0" smtClean="0"/>
+              <a:t>)</a:t>
+            </a:r>
+            <a:r>
+              <a:rPr kumimoji="1" lang="ja-JP" altLang="en-US" dirty="0" smtClean="0"/>
+              <a:t>でこれくらいの期間</a:t>
+            </a:r>
+            <a:r>
+              <a:rPr kumimoji="1" lang="en-US" altLang="ja-JP" b="1" dirty="0" smtClean="0"/>
+              <a:t>(</a:t>
+            </a:r>
+            <a:r>
+              <a:rPr kumimoji="1" lang="ja-JP" altLang="en-US" b="1" dirty="0" smtClean="0"/>
+              <a:t>長い</a:t>
+            </a:r>
+            <a:r>
+              <a:rPr kumimoji="1" lang="en-US" altLang="ja-JP" dirty="0" smtClean="0"/>
+              <a:t>)</a:t>
+            </a:r>
+            <a:r>
+              <a:rPr kumimoji="1" lang="ja-JP" altLang="en-US" dirty="0" smtClean="0"/>
+              <a:t>です。</a:t>
+            </a:r>
+            <a:endParaRPr kumimoji="1" lang="ja-JP" altLang="en-US" dirty="0"/>
+          </a:p>
+        </p:txBody>
+      </p:sp>
+      <p:sp>
+        <p:nvSpPr>
+          <p:cNvPr id="18" name="角丸四角形吹き出し 17"/>
+          <p:cNvSpPr/>
+          <p:nvPr/>
+        </p:nvSpPr>
+        <p:spPr>
+          <a:xfrm>
+            <a:off x="1763688" y="5877272"/>
+            <a:ext cx="5616624" cy="792088"/>
+          </a:xfrm>
+          <a:prstGeom prst="wedgeRoundRectCallout">
+            <a:avLst>
+              <a:gd name="adj1" fmla="val -60161"/>
+              <a:gd name="adj2" fmla="val 1386"/>
+              <a:gd name="adj3" fmla="val 16667"/>
+            </a:avLst>
+          </a:prstGeom>
+        </p:spPr>
+        <p:style>
+          <a:lnRef idx="2">
+            <a:schemeClr val="accent1">
+              <a:shade val="50000"/>
+            </a:schemeClr>
+          </a:lnRef>
+          <a:fillRef idx="1">
+            <a:schemeClr val="accent1"/>
+          </a:fillRef>
+          <a:effectRef idx="0">
+            <a:schemeClr val="accent1"/>
+          </a:effectRef>
+          <a:fontRef idx="minor">
+            <a:schemeClr val="lt1"/>
+          </a:fontRef>
+        </p:style>
+        <p:txBody>
+          <a:bodyPr rtlCol="0" anchor="ctr"/>
+          <a:lstStyle/>
+          <a:p>
+            <a:pPr algn="ctr"/>
+            <a:r>
+              <a:rPr kumimoji="1" lang="en-US" altLang="ja-JP" dirty="0" smtClean="0"/>
+              <a:t>6.</a:t>
+            </a:r>
+            <a:r>
+              <a:rPr kumimoji="1" lang="ja-JP" altLang="en-US" dirty="0" smtClean="0"/>
+              <a:t>高いし、使えるようになるまでこんなにかかるのか！だったらそんなに無理してまでやる必要無い</a:t>
+            </a:r>
+            <a:endParaRPr kumimoji="1" lang="ja-JP" altLang="en-US" dirty="0"/>
+          </a:p>
+        </p:txBody>
+      </p:sp>
+    </p:spTree>
+  </p:cSld>
+  <p:clrMapOvr>
+    <a:masterClrMapping/>
+  </p:clrMapOvr>
+</p:sld>
+</file>
+
+<file path=ppt/slides/slide14.xml><?xml version="1.0" encoding="utf-8"?>
+<p:sld xmlns:a="http://schemas.openxmlformats.org/drawingml/2006/main" xmlns:r="http://schemas.openxmlformats.org/officeDocument/2006/relationships" xmlns:p="http://schemas.openxmlformats.org/presentationml/2006/main">
+  <p:cSld>
+    <p:spTree>
+      <p:nvGrpSpPr>
+        <p:cNvPr id="1" name=""/>
+        <p:cNvGrpSpPr/>
+        <p:nvPr/>
+      </p:nvGrpSpPr>
+      <p:grpSpPr>
+        <a:xfrm>
+          <a:off x="0" y="0"/>
+          <a:ext cx="0" cy="0"/>
+          <a:chOff x="0" y="0"/>
+          <a:chExt cx="0" cy="0"/>
+        </a:xfrm>
+      </p:grpSpPr>
+      <p:sp>
+        <p:nvSpPr>
+          <p:cNvPr id="3" name="コンテンツ プレースホルダ 2"/>
+          <p:cNvSpPr>
+            <a:spLocks noGrp="1"/>
+          </p:cNvSpPr>
+          <p:nvPr>
+            <p:ph idx="1"/>
+          </p:nvPr>
+        </p:nvSpPr>
+        <p:spPr>
+          <a:xfrm>
+            <a:off x="467544" y="908720"/>
+            <a:ext cx="3744416" cy="648072"/>
+          </a:xfrm>
+        </p:spPr>
+        <p:txBody>
+          <a:bodyPr>
+            <a:normAutofit fontScale="77500" lnSpcReduction="20000"/>
+          </a:bodyPr>
+          <a:lstStyle/>
+          <a:p>
+            <a:pPr>
+              <a:buNone/>
+            </a:pPr>
+            <a:r>
+              <a:rPr lang="ja-JP" altLang="en-US" dirty="0" smtClean="0"/>
+              <a:t>コンサル対応有りの場合</a:t>
+            </a:r>
+            <a:endParaRPr kumimoji="1" lang="en-US" altLang="ja-JP" dirty="0" smtClean="0"/>
+          </a:p>
+        </p:txBody>
+      </p:sp>
+      <p:sp>
+        <p:nvSpPr>
+          <p:cNvPr id="4" name="タイトル 3"/>
+          <p:cNvSpPr>
+            <a:spLocks noGrp="1"/>
+          </p:cNvSpPr>
+          <p:nvPr>
+            <p:ph type="title"/>
+          </p:nvPr>
+        </p:nvSpPr>
+        <p:spPr>
+          <a:xfrm>
+            <a:off x="467544" y="0"/>
+            <a:ext cx="8229600" cy="1143000"/>
+          </a:xfrm>
+        </p:spPr>
+        <p:txBody>
+          <a:bodyPr>
+            <a:normAutofit/>
+          </a:bodyPr>
+          <a:lstStyle/>
+          <a:p>
+            <a:r>
+              <a:rPr lang="ja-JP" altLang="en-US" dirty="0" smtClean="0"/>
+              <a:t>最新技術を使いたい場合の絵図</a:t>
+            </a:r>
+            <a:endParaRPr kumimoji="1" lang="ja-JP" altLang="en-US" dirty="0"/>
+          </a:p>
+        </p:txBody>
+      </p:sp>
+      <p:sp>
+        <p:nvSpPr>
+          <p:cNvPr id="5" name="正方形/長方形 4"/>
+          <p:cNvSpPr/>
+          <p:nvPr/>
+        </p:nvSpPr>
+        <p:spPr>
+          <a:xfrm>
+            <a:off x="611560" y="2060848"/>
+            <a:ext cx="576064" cy="4464496"/>
+          </a:xfrm>
+          <a:prstGeom prst="rect">
+            <a:avLst/>
+          </a:prstGeom>
+        </p:spPr>
+        <p:style>
+          <a:lnRef idx="2">
+            <a:schemeClr val="accent1">
+              <a:shade val="50000"/>
+            </a:schemeClr>
+          </a:lnRef>
+          <a:fillRef idx="1">
+            <a:schemeClr val="accent1"/>
+          </a:fillRef>
+          <a:effectRef idx="0">
+            <a:schemeClr val="accent1"/>
+          </a:effectRef>
+          <a:fontRef idx="minor">
+            <a:schemeClr val="lt1"/>
+          </a:fontRef>
+        </p:style>
+        <p:txBody>
+          <a:bodyPr rtlCol="0" anchor="ctr"/>
+          <a:lstStyle/>
+          <a:p>
+            <a:pPr algn="ctr"/>
+            <a:endParaRPr kumimoji="1" lang="ja-JP" altLang="en-US"/>
+          </a:p>
+        </p:txBody>
+      </p:sp>
+      <p:sp>
+        <p:nvSpPr>
+          <p:cNvPr id="6" name="正方形/長方形 5"/>
+          <p:cNvSpPr/>
+          <p:nvPr/>
+        </p:nvSpPr>
+        <p:spPr>
+          <a:xfrm>
+            <a:off x="8100392" y="2132856"/>
+            <a:ext cx="432048" cy="4464496"/>
+          </a:xfrm>
+          <a:prstGeom prst="rect">
+            <a:avLst/>
+          </a:prstGeom>
+        </p:spPr>
+        <p:style>
+          <a:lnRef idx="2">
+            <a:schemeClr val="accent1">
+              <a:shade val="50000"/>
+            </a:schemeClr>
+          </a:lnRef>
+          <a:fillRef idx="1">
+            <a:schemeClr val="accent1"/>
+          </a:fillRef>
+          <a:effectRef idx="0">
+            <a:schemeClr val="accent1"/>
+          </a:effectRef>
+          <a:fontRef idx="minor">
+            <a:schemeClr val="lt1"/>
+          </a:fontRef>
+        </p:style>
+        <p:txBody>
+          <a:bodyPr rtlCol="0" anchor="ctr"/>
+          <a:lstStyle/>
+          <a:p>
+            <a:pPr algn="ctr"/>
+            <a:endParaRPr kumimoji="1" lang="ja-JP" altLang="en-US"/>
+          </a:p>
+        </p:txBody>
+      </p:sp>
+      <p:sp>
+        <p:nvSpPr>
+          <p:cNvPr id="7" name="角丸四角形 6"/>
+          <p:cNvSpPr/>
+          <p:nvPr/>
+        </p:nvSpPr>
+        <p:spPr>
+          <a:xfrm>
+            <a:off x="179512" y="1412776"/>
+            <a:ext cx="1440160" cy="576064"/>
+          </a:xfrm>
+          <a:prstGeom prst="roundRect">
+            <a:avLst/>
+          </a:prstGeom>
+          <a:solidFill>
+            <a:schemeClr val="bg1"/>
+          </a:solidFill>
+          <a:ln>
+            <a:solidFill>
+              <a:srgbClr val="FF0000"/>
+            </a:solidFill>
+          </a:ln>
+        </p:spPr>
+        <p:style>
+          <a:lnRef idx="2">
+            <a:schemeClr val="accent1">
+              <a:shade val="50000"/>
+            </a:schemeClr>
+          </a:lnRef>
+          <a:fillRef idx="1">
+            <a:schemeClr val="accent1"/>
+          </a:fillRef>
+          <a:effectRef idx="0">
+            <a:schemeClr val="accent1"/>
+          </a:effectRef>
+          <a:fontRef idx="minor">
+            <a:schemeClr val="lt1"/>
+          </a:fontRef>
+        </p:style>
+        <p:txBody>
+          <a:bodyPr rtlCol="0" anchor="ctr"/>
+          <a:lstStyle/>
+          <a:p>
+            <a:pPr algn="ctr"/>
+            <a:r>
+              <a:rPr kumimoji="1" lang="ja-JP" altLang="en-US" dirty="0" smtClean="0">
+                <a:solidFill>
+                  <a:schemeClr val="tx1"/>
+                </a:solidFill>
+              </a:rPr>
+              <a:t>施設側</a:t>
+            </a:r>
+            <a:endParaRPr kumimoji="1" lang="ja-JP" altLang="en-US" dirty="0">
+              <a:solidFill>
+                <a:schemeClr val="tx1"/>
+              </a:solidFill>
+            </a:endParaRPr>
+          </a:p>
+        </p:txBody>
+      </p:sp>
+      <p:sp>
+        <p:nvSpPr>
+          <p:cNvPr id="8" name="角丸四角形 7"/>
+          <p:cNvSpPr/>
+          <p:nvPr/>
+        </p:nvSpPr>
+        <p:spPr>
+          <a:xfrm>
+            <a:off x="7596336" y="1484784"/>
+            <a:ext cx="1368152" cy="576064"/>
+          </a:xfrm>
+          <a:prstGeom prst="roundRect">
+            <a:avLst/>
+          </a:prstGeom>
+          <a:solidFill>
+            <a:schemeClr val="bg1"/>
+          </a:solidFill>
+          <a:ln>
+            <a:solidFill>
+              <a:srgbClr val="FF0000"/>
+            </a:solidFill>
+          </a:ln>
+        </p:spPr>
+        <p:style>
+          <a:lnRef idx="2">
+            <a:schemeClr val="accent1">
+              <a:shade val="50000"/>
+            </a:schemeClr>
+          </a:lnRef>
+          <a:fillRef idx="1">
+            <a:schemeClr val="accent1"/>
+          </a:fillRef>
+          <a:effectRef idx="0">
+            <a:schemeClr val="accent1"/>
+          </a:effectRef>
+          <a:fontRef idx="minor">
+            <a:schemeClr val="lt1"/>
+          </a:fontRef>
+        </p:style>
+        <p:txBody>
+          <a:bodyPr rtlCol="0" anchor="ctr"/>
+          <a:lstStyle/>
+          <a:p>
+            <a:pPr algn="ctr"/>
+            <a:r>
+              <a:rPr kumimoji="1" lang="ja-JP" altLang="en-US" dirty="0" smtClean="0">
+                <a:solidFill>
+                  <a:schemeClr val="tx1"/>
+                </a:solidFill>
+              </a:rPr>
+              <a:t>カワマタ</a:t>
+            </a:r>
+            <a:endParaRPr kumimoji="1" lang="ja-JP" altLang="en-US" dirty="0">
+              <a:solidFill>
+                <a:schemeClr val="tx1"/>
+              </a:solidFill>
+            </a:endParaRPr>
+          </a:p>
+        </p:txBody>
+      </p:sp>
+      <p:sp>
+        <p:nvSpPr>
+          <p:cNvPr id="9" name="右矢印 8"/>
+          <p:cNvSpPr/>
+          <p:nvPr/>
+        </p:nvSpPr>
+        <p:spPr>
+          <a:xfrm>
+            <a:off x="1763688" y="1700808"/>
+            <a:ext cx="5760640" cy="792088"/>
+          </a:xfrm>
+          <a:prstGeom prst="rightArrow">
+            <a:avLst/>
+          </a:prstGeom>
+          <a:solidFill>
+            <a:schemeClr val="accent5"/>
+          </a:solidFill>
+          <a:ln>
+            <a:solidFill>
+              <a:schemeClr val="tx1">
+                <a:lumMod val="75000"/>
+                <a:lumOff val="25000"/>
+              </a:schemeClr>
+            </a:solidFill>
+          </a:ln>
+        </p:spPr>
+        <p:style>
+          <a:lnRef idx="2">
+            <a:schemeClr val="accent1">
+              <a:shade val="50000"/>
+            </a:schemeClr>
+          </a:lnRef>
+          <a:fillRef idx="1">
+            <a:schemeClr val="accent1"/>
+          </a:fillRef>
+          <a:effectRef idx="0">
+            <a:schemeClr val="accent1"/>
+          </a:effectRef>
+          <a:fontRef idx="minor">
+            <a:schemeClr val="lt1"/>
+          </a:fontRef>
+        </p:style>
+        <p:txBody>
+          <a:bodyPr rtlCol="0" anchor="ctr"/>
+          <a:lstStyle/>
+          <a:p>
+            <a:pPr algn="ctr"/>
+            <a:r>
+              <a:rPr kumimoji="1" lang="ja-JP" altLang="en-US" dirty="0" smtClean="0"/>
+              <a:t>最新</a:t>
+            </a:r>
+            <a:r>
+              <a:rPr lang="ja-JP" altLang="en-US" dirty="0" smtClean="0"/>
+              <a:t>技術を使いたい</a:t>
+            </a:r>
+            <a:endParaRPr kumimoji="1" lang="ja-JP" altLang="en-US" dirty="0"/>
+          </a:p>
+        </p:txBody>
+      </p:sp>
+      <p:sp>
+        <p:nvSpPr>
+          <p:cNvPr id="12" name="左矢印 11"/>
+          <p:cNvSpPr/>
+          <p:nvPr/>
+        </p:nvSpPr>
+        <p:spPr>
+          <a:xfrm>
+            <a:off x="1619672" y="2348880"/>
+            <a:ext cx="5904656" cy="720080"/>
+          </a:xfrm>
+          <a:prstGeom prst="leftArrow">
+            <a:avLst/>
+          </a:prstGeom>
+          <a:solidFill>
+            <a:schemeClr val="accent2">
+              <a:lumMod val="60000"/>
+              <a:lumOff val="40000"/>
+            </a:schemeClr>
+          </a:solidFill>
+        </p:spPr>
+        <p:style>
+          <a:lnRef idx="2">
+            <a:schemeClr val="accent1">
+              <a:shade val="50000"/>
+            </a:schemeClr>
+          </a:lnRef>
+          <a:fillRef idx="1">
+            <a:schemeClr val="accent1"/>
+          </a:fillRef>
+          <a:effectRef idx="0">
+            <a:schemeClr val="accent1"/>
+          </a:effectRef>
+          <a:fontRef idx="minor">
+            <a:schemeClr val="lt1"/>
+          </a:fontRef>
+        </p:style>
+        <p:txBody>
+          <a:bodyPr rtlCol="0" anchor="ctr"/>
+          <a:lstStyle/>
+          <a:p>
+            <a:pPr algn="ctr"/>
+            <a:r>
+              <a:rPr kumimoji="1" lang="ja-JP" altLang="en-US" dirty="0" smtClean="0"/>
+              <a:t>何</a:t>
+            </a:r>
+            <a:r>
+              <a:rPr kumimoji="1" lang="ja-JP" altLang="en-US" dirty="0" smtClean="0"/>
+              <a:t>をどんなふうに？利用条件は？予算は？</a:t>
+            </a:r>
+            <a:endParaRPr kumimoji="1" lang="ja-JP" altLang="en-US" dirty="0"/>
+          </a:p>
+        </p:txBody>
+      </p:sp>
+      <p:sp>
+        <p:nvSpPr>
+          <p:cNvPr id="13" name="右矢印 12"/>
+          <p:cNvSpPr/>
+          <p:nvPr/>
+        </p:nvSpPr>
+        <p:spPr>
+          <a:xfrm>
+            <a:off x="1763688" y="2996952"/>
+            <a:ext cx="5760640" cy="792088"/>
+          </a:xfrm>
+          <a:prstGeom prst="rightArrow">
+            <a:avLst/>
+          </a:prstGeom>
+          <a:solidFill>
+            <a:schemeClr val="accent5"/>
+          </a:solidFill>
+          <a:ln>
+            <a:solidFill>
+              <a:schemeClr val="tx1">
+                <a:lumMod val="75000"/>
+                <a:lumOff val="25000"/>
+              </a:schemeClr>
+            </a:solidFill>
+          </a:ln>
+        </p:spPr>
+        <p:style>
+          <a:lnRef idx="2">
+            <a:schemeClr val="accent1">
+              <a:shade val="50000"/>
+            </a:schemeClr>
+          </a:lnRef>
+          <a:fillRef idx="1">
+            <a:schemeClr val="accent1"/>
+          </a:fillRef>
+          <a:effectRef idx="0">
+            <a:schemeClr val="accent1"/>
+          </a:effectRef>
+          <a:fontRef idx="minor">
+            <a:schemeClr val="lt1"/>
+          </a:fontRef>
+        </p:style>
+        <p:txBody>
+          <a:bodyPr rtlCol="0" anchor="ctr"/>
+          <a:lstStyle/>
+          <a:p>
+            <a:pPr algn="ctr"/>
+            <a:r>
+              <a:rPr kumimoji="1" lang="en-US" altLang="ja-JP" dirty="0" smtClean="0"/>
+              <a:t>(</a:t>
+            </a:r>
+            <a:r>
+              <a:rPr kumimoji="1" lang="ja-JP" altLang="en-US" dirty="0" smtClean="0"/>
+              <a:t>例えば</a:t>
+            </a:r>
+            <a:r>
+              <a:rPr kumimoji="1" lang="en-US" altLang="ja-JP" dirty="0" smtClean="0"/>
+              <a:t>)AI</a:t>
+            </a:r>
+            <a:r>
+              <a:rPr kumimoji="1" lang="ja-JP" altLang="en-US" dirty="0" smtClean="0"/>
+              <a:t>を使ってうまいこと適正値段で</a:t>
+            </a:r>
+            <a:endParaRPr kumimoji="1" lang="ja-JP" altLang="en-US" dirty="0"/>
+          </a:p>
+        </p:txBody>
+      </p:sp>
+      <p:sp>
+        <p:nvSpPr>
+          <p:cNvPr id="15" name="角丸四角形吹き出し 14"/>
+          <p:cNvSpPr/>
+          <p:nvPr/>
+        </p:nvSpPr>
+        <p:spPr>
+          <a:xfrm>
+            <a:off x="1835696" y="3789040"/>
+            <a:ext cx="5328592" cy="936104"/>
+          </a:xfrm>
+          <a:prstGeom prst="wedgeRoundRectCallout">
+            <a:avLst>
+              <a:gd name="adj1" fmla="val 61545"/>
+              <a:gd name="adj2" fmla="val 8900"/>
+              <a:gd name="adj3" fmla="val 16667"/>
+            </a:avLst>
+          </a:prstGeom>
+        </p:spPr>
+        <p:style>
+          <a:lnRef idx="2">
+            <a:schemeClr val="accent1">
+              <a:shade val="50000"/>
+            </a:schemeClr>
+          </a:lnRef>
+          <a:fillRef idx="1">
+            <a:schemeClr val="accent1"/>
+          </a:fillRef>
+          <a:effectRef idx="0">
+            <a:schemeClr val="accent1"/>
+          </a:effectRef>
+          <a:fontRef idx="minor">
+            <a:schemeClr val="lt1"/>
+          </a:fontRef>
+        </p:style>
+        <p:txBody>
+          <a:bodyPr rtlCol="0" anchor="ctr"/>
+          <a:lstStyle/>
+          <a:p>
+            <a:pPr algn="ctr"/>
+            <a:r>
+              <a:rPr kumimoji="1" lang="ja-JP" altLang="en-US" dirty="0" smtClean="0"/>
+              <a:t>この</a:t>
+            </a:r>
+            <a:r>
+              <a:rPr kumimoji="1" lang="ja-JP" altLang="en-US" dirty="0" smtClean="0"/>
+              <a:t>施設に本当に必要な機能は</a:t>
+            </a:r>
+            <a:r>
+              <a:rPr kumimoji="1" lang="en-US" altLang="ja-JP" dirty="0" smtClean="0"/>
+              <a:t>XX</a:t>
+            </a:r>
+            <a:r>
+              <a:rPr kumimoji="1" lang="ja-JP" altLang="en-US" dirty="0" smtClean="0"/>
+              <a:t>かな？いくつかのシステム会社にあたってみて、どれくらいでできるかの見積もりとっておこう。</a:t>
+            </a:r>
+            <a:endParaRPr kumimoji="1" lang="ja-JP" altLang="en-US" dirty="0"/>
+          </a:p>
+        </p:txBody>
+      </p:sp>
+      <p:sp>
+        <p:nvSpPr>
+          <p:cNvPr id="16" name="左矢印 15"/>
+          <p:cNvSpPr/>
+          <p:nvPr/>
+        </p:nvSpPr>
+        <p:spPr>
+          <a:xfrm>
+            <a:off x="1475656" y="5229200"/>
+            <a:ext cx="5904656" cy="864096"/>
+          </a:xfrm>
+          <a:prstGeom prst="leftArrow">
+            <a:avLst/>
+          </a:prstGeom>
+          <a:solidFill>
+            <a:schemeClr val="accent2">
+              <a:lumMod val="60000"/>
+              <a:lumOff val="40000"/>
+            </a:schemeClr>
+          </a:solidFill>
+        </p:spPr>
+        <p:style>
+          <a:lnRef idx="2">
+            <a:schemeClr val="accent1">
+              <a:shade val="50000"/>
+            </a:schemeClr>
+          </a:lnRef>
+          <a:fillRef idx="1">
+            <a:schemeClr val="accent1"/>
+          </a:fillRef>
+          <a:effectRef idx="0">
+            <a:schemeClr val="accent1"/>
+          </a:effectRef>
+          <a:fontRef idx="minor">
+            <a:schemeClr val="lt1"/>
+          </a:fontRef>
+        </p:style>
+        <p:txBody>
+          <a:bodyPr rtlCol="0" anchor="ctr"/>
+          <a:lstStyle/>
+          <a:p>
+            <a:pPr algn="ctr"/>
+            <a:r>
+              <a:rPr kumimoji="1" lang="ja-JP" altLang="en-US" dirty="0" smtClean="0"/>
+              <a:t>まず</a:t>
+            </a:r>
+            <a:r>
+              <a:rPr kumimoji="1" lang="ja-JP" altLang="en-US" dirty="0" smtClean="0"/>
+              <a:t>は</a:t>
+            </a:r>
+            <a:r>
+              <a:rPr kumimoji="1" lang="en-US" altLang="ja-JP" dirty="0" smtClean="0"/>
+              <a:t>XX</a:t>
+            </a:r>
+            <a:r>
+              <a:rPr kumimoji="1" lang="ja-JP" altLang="en-US" dirty="0" smtClean="0"/>
+              <a:t>という機能でしたら、</a:t>
+            </a:r>
+            <a:r>
+              <a:rPr kumimoji="1" lang="en-US" altLang="ja-JP" dirty="0" smtClean="0"/>
+              <a:t>YY</a:t>
+            </a:r>
+            <a:r>
+              <a:rPr kumimoji="1" lang="ja-JP" altLang="en-US" dirty="0" smtClean="0"/>
+              <a:t>円くらいでできそうです。</a:t>
+            </a:r>
+            <a:endParaRPr kumimoji="1" lang="ja-JP" altLang="en-US" dirty="0"/>
+          </a:p>
+        </p:txBody>
+      </p:sp>
+      <p:sp>
+        <p:nvSpPr>
+          <p:cNvPr id="17" name="角丸四角形吹き出し 16"/>
+          <p:cNvSpPr/>
+          <p:nvPr/>
+        </p:nvSpPr>
+        <p:spPr>
+          <a:xfrm>
+            <a:off x="1763688" y="6093296"/>
+            <a:ext cx="5328592" cy="720080"/>
+          </a:xfrm>
+          <a:prstGeom prst="wedgeRoundRectCallout">
+            <a:avLst>
+              <a:gd name="adj1" fmla="val -58049"/>
+              <a:gd name="adj2" fmla="val 14911"/>
+              <a:gd name="adj3" fmla="val 16667"/>
+            </a:avLst>
+          </a:prstGeom>
+        </p:spPr>
+        <p:style>
+          <a:lnRef idx="2">
+            <a:schemeClr val="accent1">
+              <a:shade val="50000"/>
+            </a:schemeClr>
+          </a:lnRef>
+          <a:fillRef idx="1">
+            <a:schemeClr val="accent1"/>
+          </a:fillRef>
+          <a:effectRef idx="0">
+            <a:schemeClr val="accent1"/>
+          </a:effectRef>
+          <a:fontRef idx="minor">
+            <a:schemeClr val="lt1"/>
+          </a:fontRef>
+        </p:style>
+        <p:txBody>
+          <a:bodyPr rtlCol="0" anchor="ctr"/>
+          <a:lstStyle/>
+          <a:p>
+            <a:pPr algn="ctr"/>
+            <a:r>
+              <a:rPr lang="ja-JP" altLang="en-US" dirty="0" smtClean="0"/>
+              <a:t>意外</a:t>
+            </a:r>
+            <a:r>
+              <a:rPr lang="ja-JP" altLang="en-US" dirty="0" smtClean="0"/>
+              <a:t>と安くできるのか。この値段を受けて導入するか考えてみよう！</a:t>
+            </a:r>
+            <a:endParaRPr kumimoji="1" lang="ja-JP" altLang="en-US" dirty="0"/>
+          </a:p>
+        </p:txBody>
+      </p:sp>
+      <p:sp>
+        <p:nvSpPr>
+          <p:cNvPr id="19" name="下矢印 18"/>
+          <p:cNvSpPr/>
+          <p:nvPr/>
+        </p:nvSpPr>
+        <p:spPr>
+          <a:xfrm>
+            <a:off x="2339752" y="4797152"/>
+            <a:ext cx="4536504" cy="576064"/>
+          </a:xfrm>
+          <a:prstGeom prst="downArrow">
+            <a:avLst/>
+          </a:prstGeom>
+          <a:solidFill>
+            <a:schemeClr val="bg2">
+              <a:lumMod val="10000"/>
+            </a:schemeClr>
+          </a:solidFill>
+        </p:spPr>
+        <p:style>
+          <a:lnRef idx="2">
+            <a:schemeClr val="accent1">
+              <a:shade val="50000"/>
+            </a:schemeClr>
+          </a:lnRef>
+          <a:fillRef idx="1">
+            <a:schemeClr val="accent1"/>
+          </a:fillRef>
+          <a:effectRef idx="0">
+            <a:schemeClr val="accent1"/>
+          </a:effectRef>
+          <a:fontRef idx="minor">
+            <a:schemeClr val="lt1"/>
+          </a:fontRef>
+        </p:style>
+        <p:txBody>
+          <a:bodyPr rtlCol="0" anchor="ctr"/>
+          <a:lstStyle/>
+          <a:p>
+            <a:pPr algn="ctr"/>
+            <a:r>
+              <a:rPr kumimoji="1" lang="ja-JP" altLang="en-US" dirty="0" smtClean="0"/>
+              <a:t>見積後</a:t>
+            </a:r>
+            <a:endParaRPr kumimoji="1" lang="ja-JP" altLang="en-US" dirty="0"/>
+          </a:p>
+        </p:txBody>
+      </p:sp>
+    </p:spTree>
+  </p:cSld>
+  <p:clrMapOvr>
+    <a:masterClrMapping/>
+  </p:clrMapOvr>
+</p:sld>
+</file>
+
+<file path=ppt/slides/slide15.xml><?xml version="1.0" encoding="utf-8"?>
+<p:sld xmlns:a="http://schemas.openxmlformats.org/drawingml/2006/main" xmlns:r="http://schemas.openxmlformats.org/officeDocument/2006/relationships" xmlns:p="http://schemas.openxmlformats.org/presentationml/2006/main">
+  <p:cSld>
+    <p:spTree>
+      <p:nvGrpSpPr>
+        <p:cNvPr id="1" name=""/>
+        <p:cNvGrpSpPr/>
+        <p:nvPr/>
+      </p:nvGrpSpPr>
+      <p:grpSpPr>
+        <a:xfrm>
+          <a:off x="0" y="0"/>
+          <a:ext cx="0" cy="0"/>
+          <a:chOff x="0" y="0"/>
+          <a:chExt cx="0" cy="0"/>
+        </a:xfrm>
+      </p:grpSpPr>
+      <p:sp>
+        <p:nvSpPr>
+          <p:cNvPr id="3" name="コンテンツ プレースホルダ 2"/>
+          <p:cNvSpPr>
+            <a:spLocks noGrp="1"/>
+          </p:cNvSpPr>
+          <p:nvPr>
+            <p:ph idx="1"/>
+          </p:nvPr>
+        </p:nvSpPr>
+        <p:spPr>
+          <a:xfrm>
+            <a:off x="467544" y="908720"/>
+            <a:ext cx="7488832" cy="648072"/>
+          </a:xfrm>
+        </p:spPr>
+        <p:txBody>
+          <a:bodyPr>
+            <a:normAutofit fontScale="77500" lnSpcReduction="20000"/>
+          </a:bodyPr>
+          <a:lstStyle/>
+          <a:p>
+            <a:pPr>
+              <a:buNone/>
+            </a:pPr>
+            <a:r>
+              <a:rPr kumimoji="1" lang="ja-JP" altLang="en-US" dirty="0" smtClean="0"/>
+              <a:t>コンサル対応有りの場合：開発会社とのやり取り想定</a:t>
+            </a:r>
+            <a:endParaRPr kumimoji="1" lang="en-US" altLang="ja-JP" dirty="0" smtClean="0"/>
+          </a:p>
+        </p:txBody>
+      </p:sp>
+      <p:sp>
+        <p:nvSpPr>
+          <p:cNvPr id="4" name="タイトル 3"/>
+          <p:cNvSpPr>
+            <a:spLocks noGrp="1"/>
+          </p:cNvSpPr>
+          <p:nvPr>
+            <p:ph type="title"/>
+          </p:nvPr>
+        </p:nvSpPr>
+        <p:spPr>
+          <a:xfrm>
+            <a:off x="467544" y="0"/>
+            <a:ext cx="8229600" cy="1143000"/>
+          </a:xfrm>
+        </p:spPr>
+        <p:txBody>
+          <a:bodyPr>
+            <a:normAutofit/>
+          </a:bodyPr>
+          <a:lstStyle/>
+          <a:p>
+            <a:r>
+              <a:rPr lang="ja-JP" altLang="en-US" dirty="0" smtClean="0"/>
+              <a:t>最新技術を使いたい場合の絵図</a:t>
+            </a:r>
+            <a:endParaRPr kumimoji="1" lang="ja-JP" altLang="en-US" dirty="0"/>
+          </a:p>
+        </p:txBody>
+      </p:sp>
+      <p:sp>
+        <p:nvSpPr>
+          <p:cNvPr id="5" name="正方形/長方形 4"/>
+          <p:cNvSpPr/>
+          <p:nvPr/>
+        </p:nvSpPr>
+        <p:spPr>
+          <a:xfrm>
+            <a:off x="611560" y="2060848"/>
+            <a:ext cx="576064" cy="4464496"/>
+          </a:xfrm>
+          <a:prstGeom prst="rect">
+            <a:avLst/>
+          </a:prstGeom>
+        </p:spPr>
+        <p:style>
+          <a:lnRef idx="2">
+            <a:schemeClr val="accent1">
+              <a:shade val="50000"/>
+            </a:schemeClr>
+          </a:lnRef>
+          <a:fillRef idx="1">
+            <a:schemeClr val="accent1"/>
+          </a:fillRef>
+          <a:effectRef idx="0">
+            <a:schemeClr val="accent1"/>
+          </a:effectRef>
+          <a:fontRef idx="minor">
+            <a:schemeClr val="lt1"/>
+          </a:fontRef>
+        </p:style>
+        <p:txBody>
+          <a:bodyPr rtlCol="0" anchor="ctr"/>
+          <a:lstStyle/>
+          <a:p>
+            <a:pPr algn="ctr"/>
+            <a:endParaRPr kumimoji="1" lang="ja-JP" altLang="en-US"/>
+          </a:p>
+        </p:txBody>
+      </p:sp>
+      <p:sp>
+        <p:nvSpPr>
+          <p:cNvPr id="6" name="正方形/長方形 5"/>
+          <p:cNvSpPr/>
+          <p:nvPr/>
+        </p:nvSpPr>
+        <p:spPr>
+          <a:xfrm>
+            <a:off x="8100392" y="2132856"/>
+            <a:ext cx="432048" cy="4464496"/>
+          </a:xfrm>
+          <a:prstGeom prst="rect">
+            <a:avLst/>
+          </a:prstGeom>
+        </p:spPr>
+        <p:style>
+          <a:lnRef idx="2">
+            <a:schemeClr val="accent1">
+              <a:shade val="50000"/>
+            </a:schemeClr>
+          </a:lnRef>
+          <a:fillRef idx="1">
+            <a:schemeClr val="accent1"/>
+          </a:fillRef>
+          <a:effectRef idx="0">
+            <a:schemeClr val="accent1"/>
+          </a:effectRef>
+          <a:fontRef idx="minor">
+            <a:schemeClr val="lt1"/>
+          </a:fontRef>
+        </p:style>
+        <p:txBody>
+          <a:bodyPr rtlCol="0" anchor="ctr"/>
+          <a:lstStyle/>
+          <a:p>
+            <a:pPr algn="ctr"/>
+            <a:endParaRPr kumimoji="1" lang="ja-JP" altLang="en-US"/>
+          </a:p>
+        </p:txBody>
+      </p:sp>
+      <p:sp>
+        <p:nvSpPr>
+          <p:cNvPr id="7" name="角丸四角形 6"/>
+          <p:cNvSpPr/>
+          <p:nvPr/>
+        </p:nvSpPr>
+        <p:spPr>
+          <a:xfrm>
+            <a:off x="179512" y="1340768"/>
+            <a:ext cx="1440160" cy="576064"/>
+          </a:xfrm>
+          <a:prstGeom prst="roundRect">
+            <a:avLst/>
+          </a:prstGeom>
+          <a:solidFill>
+            <a:schemeClr val="bg1"/>
+          </a:solidFill>
+          <a:ln>
+            <a:solidFill>
+              <a:srgbClr val="FF0000"/>
+            </a:solidFill>
+          </a:ln>
+        </p:spPr>
+        <p:style>
+          <a:lnRef idx="2">
+            <a:schemeClr val="accent1">
+              <a:shade val="50000"/>
+            </a:schemeClr>
+          </a:lnRef>
+          <a:fillRef idx="1">
+            <a:schemeClr val="accent1"/>
+          </a:fillRef>
+          <a:effectRef idx="0">
+            <a:schemeClr val="accent1"/>
+          </a:effectRef>
+          <a:fontRef idx="minor">
+            <a:schemeClr val="lt1"/>
+          </a:fontRef>
+        </p:style>
+        <p:txBody>
+          <a:bodyPr rtlCol="0" anchor="ctr"/>
+          <a:lstStyle/>
+          <a:p>
+            <a:pPr algn="ctr"/>
+            <a:r>
+              <a:rPr lang="ja-JP" altLang="en-US" dirty="0" smtClean="0">
+                <a:solidFill>
+                  <a:schemeClr val="tx1"/>
+                </a:solidFill>
+              </a:rPr>
+              <a:t>コンサル</a:t>
+            </a:r>
+            <a:endParaRPr kumimoji="1" lang="ja-JP" altLang="en-US" dirty="0">
+              <a:solidFill>
+                <a:schemeClr val="tx1"/>
+              </a:solidFill>
+            </a:endParaRPr>
+          </a:p>
+        </p:txBody>
+      </p:sp>
+      <p:sp>
+        <p:nvSpPr>
+          <p:cNvPr id="8" name="角丸四角形 7"/>
+          <p:cNvSpPr/>
+          <p:nvPr/>
+        </p:nvSpPr>
+        <p:spPr>
+          <a:xfrm>
+            <a:off x="7380312" y="1340768"/>
             <a:ext cx="1584176" cy="576064"/>
           </a:xfrm>
           <a:prstGeom prst="roundRect">
@@ -4041,7 +5852,7 @@
 </p:sld>
 </file>
 
-<file path=ppt/slides/slide11.xml><?xml version="1.0" encoding="utf-8"?>
+<file path=ppt/slides/slide16.xml><?xml version="1.0" encoding="utf-8"?>
 <p:sld xmlns:a="http://schemas.openxmlformats.org/drawingml/2006/main" xmlns:r="http://schemas.openxmlformats.org/officeDocument/2006/relationships" xmlns:p="http://schemas.openxmlformats.org/presentationml/2006/main">
   <p:cSld>
     <p:spTree>
@@ -4068,12 +5879,74 @@
             <p:ph type="title"/>
           </p:nvPr>
         </p:nvSpPr>
-        <p:spPr/>
+        <p:spPr>
+          <a:xfrm>
+            <a:off x="395536" y="2564904"/>
+            <a:ext cx="8229600" cy="1143000"/>
+          </a:xfrm>
+        </p:spPr>
         <p:txBody>
           <a:bodyPr/>
           <a:lstStyle/>
           <a:p>
-            <a:endParaRPr kumimoji="1" lang="ja-JP" altLang="en-US"/>
+            <a:r>
+              <a:rPr kumimoji="1" lang="ja-JP" altLang="en-US" b="1" dirty="0" smtClean="0"/>
+              <a:t>価格設定</a:t>
+            </a:r>
+            <a:endParaRPr kumimoji="1" lang="ja-JP" altLang="en-US" b="1" dirty="0"/>
+          </a:p>
+        </p:txBody>
+      </p:sp>
+    </p:spTree>
+  </p:cSld>
+  <p:clrMapOvr>
+    <a:masterClrMapping/>
+  </p:clrMapOvr>
+</p:sld>
+</file>
+
+<file path=ppt/slides/slide17.xml><?xml version="1.0" encoding="utf-8"?>
+<p:sld xmlns:a="http://schemas.openxmlformats.org/drawingml/2006/main" xmlns:r="http://schemas.openxmlformats.org/officeDocument/2006/relationships" xmlns:p="http://schemas.openxmlformats.org/presentationml/2006/main">
+  <p:cSld>
+    <p:spTree>
+      <p:nvGrpSpPr>
+        <p:cNvPr id="1" name=""/>
+        <p:cNvGrpSpPr/>
+        <p:nvPr/>
+      </p:nvGrpSpPr>
+      <p:grpSpPr>
+        <a:xfrm>
+          <a:off x="0" y="0"/>
+          <a:ext cx="0" cy="0"/>
+          <a:chOff x="0" y="0"/>
+          <a:chExt cx="0" cy="0"/>
+        </a:xfrm>
+      </p:grpSpPr>
+      <p:sp>
+        <p:nvSpPr>
+          <p:cNvPr id="2" name="タイトル 1"/>
+          <p:cNvSpPr>
+            <a:spLocks noGrp="1"/>
+          </p:cNvSpPr>
+          <p:nvPr>
+            <p:ph type="title"/>
+          </p:nvPr>
+        </p:nvSpPr>
+        <p:spPr>
+          <a:xfrm>
+            <a:off x="395536" y="0"/>
+            <a:ext cx="8229600" cy="1143000"/>
+          </a:xfrm>
+        </p:spPr>
+        <p:txBody>
+          <a:bodyPr/>
+          <a:lstStyle/>
+          <a:p>
+            <a:r>
+              <a:rPr kumimoji="1" lang="ja-JP" altLang="en-US" dirty="0" smtClean="0"/>
+              <a:t>価格案の前提</a:t>
+            </a:r>
+            <a:endParaRPr kumimoji="1" lang="ja-JP" altLang="en-US" dirty="0"/>
           </a:p>
         </p:txBody>
       </p:sp>
@@ -4087,12 +5960,527 @@
             <p:ph idx="1"/>
           </p:nvPr>
         </p:nvSpPr>
-        <p:spPr/>
+        <p:spPr>
+          <a:xfrm>
+            <a:off x="251520" y="1052736"/>
+            <a:ext cx="8568952" cy="5616624"/>
+          </a:xfrm>
+        </p:spPr>
+        <p:txBody>
+          <a:bodyPr>
+            <a:normAutofit lnSpcReduction="10000"/>
+          </a:bodyPr>
+          <a:lstStyle/>
+          <a:p>
+            <a:r>
+              <a:rPr kumimoji="1" lang="ja-JP" altLang="en-US" dirty="0" smtClean="0"/>
+              <a:t>基本料金は月ごと固定</a:t>
+            </a:r>
+            <a:endParaRPr kumimoji="1" lang="en-US" altLang="ja-JP" dirty="0" smtClean="0"/>
+          </a:p>
+          <a:p>
+            <a:r>
+              <a:rPr lang="ja-JP" altLang="en-US" dirty="0" smtClean="0"/>
+              <a:t>メールでの相談や訪問日に向けての認識あわせ、電話での軽微な確認などは基本料金に含む。</a:t>
+            </a:r>
+            <a:endParaRPr lang="en-US" altLang="ja-JP" dirty="0" smtClean="0"/>
+          </a:p>
+          <a:p>
+            <a:r>
+              <a:rPr kumimoji="1" lang="ja-JP" altLang="en-US" dirty="0" smtClean="0"/>
+              <a:t>訪問は開発を伴わない全ての訪問作業。</a:t>
+            </a:r>
+            <a:endParaRPr kumimoji="1" lang="en-US" altLang="ja-JP" dirty="0" smtClean="0"/>
+          </a:p>
+          <a:p>
+            <a:pPr>
+              <a:buNone/>
+            </a:pPr>
+            <a:r>
+              <a:rPr lang="en-US" altLang="ja-JP" dirty="0" smtClean="0"/>
+              <a:t>PC</a:t>
+            </a:r>
+            <a:r>
+              <a:rPr lang="ja-JP" altLang="en-US" dirty="0" smtClean="0"/>
+              <a:t>操作・</a:t>
+            </a:r>
+            <a:r>
+              <a:rPr lang="en-US" altLang="ja-JP" dirty="0" smtClean="0"/>
+              <a:t>PC</a:t>
+            </a:r>
+            <a:r>
+              <a:rPr lang="ja-JP" altLang="en-US" dirty="0" smtClean="0"/>
+              <a:t>教室・</a:t>
+            </a:r>
+            <a:r>
+              <a:rPr lang="en-US" altLang="ja-JP" dirty="0" smtClean="0"/>
+              <a:t>IT</a:t>
+            </a:r>
+            <a:r>
+              <a:rPr lang="ja-JP" altLang="en-US" dirty="0" smtClean="0"/>
+              <a:t>機器確認など</a:t>
+            </a:r>
+            <a:endParaRPr lang="en-US" altLang="ja-JP" dirty="0" smtClean="0"/>
+          </a:p>
+          <a:p>
+            <a:pPr>
+              <a:buNone/>
+            </a:pPr>
+            <a:r>
+              <a:rPr lang="ja-JP" altLang="en-US" dirty="0" smtClean="0"/>
+              <a:t>基本</a:t>
+            </a:r>
+            <a:r>
+              <a:rPr lang="en-US" altLang="ja-JP" dirty="0" smtClean="0"/>
+              <a:t>4</a:t>
+            </a:r>
+            <a:r>
+              <a:rPr lang="ja-JP" altLang="en-US" dirty="0" smtClean="0"/>
+              <a:t>時間で</a:t>
+            </a:r>
+            <a:r>
+              <a:rPr lang="en-US" altLang="ja-JP" dirty="0" smtClean="0"/>
+              <a:t>1</a:t>
+            </a:r>
+            <a:r>
+              <a:rPr lang="ja-JP" altLang="en-US" dirty="0" smtClean="0"/>
+              <a:t>日の場合は</a:t>
+            </a:r>
+            <a:r>
+              <a:rPr lang="en-US" altLang="ja-JP" dirty="0" smtClean="0"/>
+              <a:t>8</a:t>
+            </a:r>
+            <a:r>
+              <a:rPr lang="ja-JP" altLang="en-US" dirty="0" smtClean="0"/>
+              <a:t>時間。それ以上は時間計算で追加</a:t>
+            </a:r>
+            <a:endParaRPr lang="en-US" altLang="ja-JP" dirty="0" smtClean="0"/>
+          </a:p>
+          <a:p>
+            <a:pPr>
+              <a:buNone/>
+            </a:pPr>
+            <a:endParaRPr lang="en-US" altLang="ja-JP" dirty="0" smtClean="0"/>
+          </a:p>
+          <a:p>
+            <a:pPr>
+              <a:buNone/>
+            </a:pPr>
+            <a:r>
+              <a:rPr lang="ja-JP" altLang="en-US" dirty="0" smtClean="0"/>
+              <a:t>価格の根拠は通常の開発案件を行った場合の単金を目途に設定</a:t>
+            </a:r>
+            <a:endParaRPr lang="en-US" altLang="ja-JP" dirty="0" smtClean="0"/>
+          </a:p>
+          <a:p>
+            <a:pPr>
+              <a:buNone/>
+            </a:pPr>
+            <a:endParaRPr kumimoji="1" lang="en-US" altLang="ja-JP" dirty="0" smtClean="0"/>
+          </a:p>
+          <a:p>
+            <a:pPr>
+              <a:buNone/>
+            </a:pPr>
+            <a:endParaRPr kumimoji="1" lang="ja-JP" altLang="en-US" dirty="0"/>
+          </a:p>
+        </p:txBody>
+      </p:sp>
+    </p:spTree>
+  </p:cSld>
+  <p:clrMapOvr>
+    <a:masterClrMapping/>
+  </p:clrMapOvr>
+</p:sld>
+</file>
+
+<file path=ppt/slides/slide18.xml><?xml version="1.0" encoding="utf-8"?>
+<p:sld xmlns:a="http://schemas.openxmlformats.org/drawingml/2006/main" xmlns:r="http://schemas.openxmlformats.org/officeDocument/2006/relationships" xmlns:p="http://schemas.openxmlformats.org/presentationml/2006/main">
+  <p:cSld>
+    <p:spTree>
+      <p:nvGrpSpPr>
+        <p:cNvPr id="1" name=""/>
+        <p:cNvGrpSpPr/>
+        <p:nvPr/>
+      </p:nvGrpSpPr>
+      <p:grpSpPr>
+        <a:xfrm>
+          <a:off x="0" y="0"/>
+          <a:ext cx="0" cy="0"/>
+          <a:chOff x="0" y="0"/>
+          <a:chExt cx="0" cy="0"/>
+        </a:xfrm>
+      </p:grpSpPr>
+      <p:sp>
+        <p:nvSpPr>
+          <p:cNvPr id="2" name="タイトル 1"/>
+          <p:cNvSpPr>
+            <a:spLocks noGrp="1"/>
+          </p:cNvSpPr>
+          <p:nvPr>
+            <p:ph type="title"/>
+          </p:nvPr>
+        </p:nvSpPr>
+        <p:spPr>
+          <a:xfrm>
+            <a:off x="179512" y="44624"/>
+            <a:ext cx="8784976" cy="1143000"/>
+          </a:xfrm>
+        </p:spPr>
         <p:txBody>
           <a:bodyPr/>
           <a:lstStyle/>
           <a:p>
-            <a:endParaRPr kumimoji="1" lang="ja-JP" altLang="en-US"/>
+            <a:r>
+              <a:rPr lang="ja-JP" altLang="en-US" dirty="0" smtClean="0"/>
+              <a:t>価格</a:t>
+            </a:r>
+            <a:r>
+              <a:rPr lang="ja-JP" altLang="en-US" dirty="0" smtClean="0"/>
+              <a:t>案</a:t>
+            </a:r>
+            <a:r>
+              <a:rPr lang="en-US" altLang="ja-JP" dirty="0" smtClean="0"/>
+              <a:t>A</a:t>
+            </a:r>
+            <a:endParaRPr kumimoji="1" lang="ja-JP" altLang="en-US" dirty="0"/>
+          </a:p>
+        </p:txBody>
+      </p:sp>
+      <p:sp>
+        <p:nvSpPr>
+          <p:cNvPr id="3" name="コンテンツ プレースホルダ 2"/>
+          <p:cNvSpPr>
+            <a:spLocks noGrp="1"/>
+          </p:cNvSpPr>
+          <p:nvPr>
+            <p:ph idx="1"/>
+          </p:nvPr>
+        </p:nvSpPr>
+        <p:spPr>
+          <a:xfrm>
+            <a:off x="251520" y="1124744"/>
+            <a:ext cx="8712968" cy="5328592"/>
+          </a:xfrm>
+        </p:spPr>
+        <p:txBody>
+          <a:bodyPr/>
+          <a:lstStyle/>
+          <a:p>
+            <a:r>
+              <a:rPr kumimoji="1" lang="ja-JP" altLang="en-US" dirty="0" smtClean="0"/>
+              <a:t>月額基本料金 </a:t>
+            </a:r>
+            <a:r>
+              <a:rPr kumimoji="1" lang="en-US" altLang="ja-JP" dirty="0" smtClean="0"/>
+              <a:t>– 400,000</a:t>
+            </a:r>
+            <a:r>
+              <a:rPr kumimoji="1" lang="ja-JP" altLang="en-US" dirty="0" smtClean="0"/>
+              <a:t>円</a:t>
+            </a:r>
+            <a:r>
+              <a:rPr kumimoji="1" lang="en-US" altLang="ja-JP" dirty="0" smtClean="0"/>
+              <a:t>/</a:t>
+            </a:r>
+            <a:r>
+              <a:rPr kumimoji="1" lang="ja-JP" altLang="en-US" dirty="0" smtClean="0"/>
+              <a:t>月</a:t>
+            </a:r>
+            <a:endParaRPr kumimoji="1" lang="en-US" altLang="ja-JP" dirty="0" smtClean="0"/>
+          </a:p>
+          <a:p>
+            <a:r>
+              <a:rPr lang="ja-JP" altLang="en-US" dirty="0" smtClean="0"/>
+              <a:t>訪問料金 </a:t>
+            </a:r>
+            <a:r>
+              <a:rPr lang="en-US" altLang="ja-JP" dirty="0" smtClean="0"/>
+              <a:t>–</a:t>
+            </a:r>
+            <a:r>
+              <a:rPr lang="en-US" altLang="ja-JP" dirty="0" smtClean="0"/>
+              <a:t> </a:t>
+            </a:r>
+            <a:r>
+              <a:rPr lang="en-US" altLang="ja-JP" dirty="0" smtClean="0"/>
+              <a:t>15,000</a:t>
+            </a:r>
+            <a:r>
+              <a:rPr lang="ja-JP" altLang="en-US" dirty="0" smtClean="0"/>
+              <a:t>円</a:t>
+            </a:r>
+            <a:r>
+              <a:rPr lang="en-US" altLang="ja-JP" dirty="0" smtClean="0"/>
+              <a:t>/0.5</a:t>
+            </a:r>
+            <a:r>
+              <a:rPr lang="ja-JP" altLang="en-US" dirty="0" smtClean="0"/>
+              <a:t>日</a:t>
+            </a:r>
+            <a:endParaRPr lang="en-US" altLang="ja-JP" dirty="0" smtClean="0"/>
+          </a:p>
+          <a:p>
+            <a:r>
+              <a:rPr lang="ja-JP" altLang="en-US" dirty="0" smtClean="0"/>
+              <a:t>各種調査・開発料金 </a:t>
+            </a:r>
+            <a:r>
+              <a:rPr lang="en-US" altLang="ja-JP" dirty="0" smtClean="0"/>
+              <a:t>– </a:t>
+            </a:r>
+            <a:r>
+              <a:rPr lang="ja-JP" altLang="en-US" dirty="0" smtClean="0"/>
+              <a:t>都度見積り</a:t>
+            </a:r>
+            <a:endParaRPr lang="en-US" altLang="ja-JP" dirty="0" smtClean="0"/>
+          </a:p>
+          <a:p>
+            <a:pPr>
+              <a:buNone/>
+            </a:pPr>
+            <a:r>
+              <a:rPr lang="en-US" altLang="ja-JP" dirty="0" smtClean="0"/>
+              <a:t>※</a:t>
+            </a:r>
+            <a:r>
+              <a:rPr lang="ja-JP" altLang="en-US" dirty="0" smtClean="0"/>
+              <a:t>実費は別途</a:t>
+            </a:r>
+            <a:endParaRPr lang="en-US" altLang="ja-JP" dirty="0" smtClean="0"/>
+          </a:p>
+          <a:p>
+            <a:pPr>
+              <a:buNone/>
+            </a:pPr>
+            <a:endParaRPr lang="en-US" altLang="ja-JP" dirty="0" smtClean="0"/>
+          </a:p>
+          <a:p>
+            <a:pPr>
+              <a:buNone/>
+            </a:pPr>
+            <a:r>
+              <a:rPr lang="ja-JP" altLang="en-US" dirty="0" smtClean="0"/>
+              <a:t>★訪問が多くなると想定される施設のプラン</a:t>
+            </a:r>
+            <a:endParaRPr lang="en-US" altLang="ja-JP" dirty="0" smtClean="0"/>
+          </a:p>
+          <a:p>
+            <a:pPr>
+              <a:buNone/>
+            </a:pPr>
+            <a:endParaRPr lang="en-US" altLang="ja-JP" dirty="0" smtClean="0"/>
+          </a:p>
+          <a:p>
+            <a:pPr>
+              <a:buNone/>
+            </a:pPr>
+            <a:r>
+              <a:rPr lang="en-US" altLang="ja-JP" dirty="0" smtClean="0"/>
+              <a:t> </a:t>
+            </a:r>
+            <a:endParaRPr lang="en-US" altLang="ja-JP" dirty="0" smtClean="0"/>
+          </a:p>
+          <a:p>
+            <a:endParaRPr kumimoji="1" lang="ja-JP" altLang="en-US" dirty="0"/>
+          </a:p>
+        </p:txBody>
+      </p:sp>
+    </p:spTree>
+  </p:cSld>
+  <p:clrMapOvr>
+    <a:masterClrMapping/>
+  </p:clrMapOvr>
+</p:sld>
+</file>
+
+<file path=ppt/slides/slide19.xml><?xml version="1.0" encoding="utf-8"?>
+<p:sld xmlns:a="http://schemas.openxmlformats.org/drawingml/2006/main" xmlns:r="http://schemas.openxmlformats.org/officeDocument/2006/relationships" xmlns:p="http://schemas.openxmlformats.org/presentationml/2006/main">
+  <p:cSld>
+    <p:spTree>
+      <p:nvGrpSpPr>
+        <p:cNvPr id="1" name=""/>
+        <p:cNvGrpSpPr/>
+        <p:nvPr/>
+      </p:nvGrpSpPr>
+      <p:grpSpPr>
+        <a:xfrm>
+          <a:off x="0" y="0"/>
+          <a:ext cx="0" cy="0"/>
+          <a:chOff x="0" y="0"/>
+          <a:chExt cx="0" cy="0"/>
+        </a:xfrm>
+      </p:grpSpPr>
+      <p:sp>
+        <p:nvSpPr>
+          <p:cNvPr id="2" name="タイトル 1"/>
+          <p:cNvSpPr>
+            <a:spLocks noGrp="1"/>
+          </p:cNvSpPr>
+          <p:nvPr>
+            <p:ph type="title"/>
+          </p:nvPr>
+        </p:nvSpPr>
+        <p:spPr>
+          <a:xfrm>
+            <a:off x="179512" y="44624"/>
+            <a:ext cx="8784976" cy="1143000"/>
+          </a:xfrm>
+        </p:spPr>
+        <p:txBody>
+          <a:bodyPr/>
+          <a:lstStyle/>
+          <a:p>
+            <a:r>
+              <a:rPr lang="ja-JP" altLang="en-US" dirty="0" smtClean="0"/>
+              <a:t>価格</a:t>
+            </a:r>
+            <a:r>
+              <a:rPr lang="ja-JP" altLang="en-US" dirty="0" smtClean="0"/>
+              <a:t>案</a:t>
+            </a:r>
+            <a:r>
+              <a:rPr lang="en-US" altLang="ja-JP" dirty="0" smtClean="0"/>
+              <a:t>B</a:t>
+            </a:r>
+            <a:endParaRPr kumimoji="1" lang="ja-JP" altLang="en-US" dirty="0"/>
+          </a:p>
+        </p:txBody>
+      </p:sp>
+      <p:sp>
+        <p:nvSpPr>
+          <p:cNvPr id="3" name="コンテンツ プレースホルダ 2"/>
+          <p:cNvSpPr>
+            <a:spLocks noGrp="1"/>
+          </p:cNvSpPr>
+          <p:nvPr>
+            <p:ph idx="1"/>
+          </p:nvPr>
+        </p:nvSpPr>
+        <p:spPr>
+          <a:xfrm>
+            <a:off x="251520" y="1124744"/>
+            <a:ext cx="8712968" cy="5328592"/>
+          </a:xfrm>
+        </p:spPr>
+        <p:txBody>
+          <a:bodyPr/>
+          <a:lstStyle/>
+          <a:p>
+            <a:r>
+              <a:rPr kumimoji="1" lang="ja-JP" altLang="en-US" dirty="0" smtClean="0"/>
+              <a:t>月額基本料金 </a:t>
+            </a:r>
+            <a:r>
+              <a:rPr kumimoji="1" lang="en-US" altLang="ja-JP" dirty="0" smtClean="0"/>
+              <a:t>– 100,000</a:t>
+            </a:r>
+            <a:r>
+              <a:rPr kumimoji="1" lang="ja-JP" altLang="en-US" dirty="0" smtClean="0"/>
+              <a:t>円</a:t>
+            </a:r>
+            <a:r>
+              <a:rPr kumimoji="1" lang="en-US" altLang="ja-JP" dirty="0" smtClean="0"/>
+              <a:t>/</a:t>
+            </a:r>
+            <a:r>
+              <a:rPr kumimoji="1" lang="ja-JP" altLang="en-US" dirty="0" smtClean="0"/>
+              <a:t>月</a:t>
+            </a:r>
+            <a:endParaRPr kumimoji="1" lang="en-US" altLang="ja-JP" dirty="0" smtClean="0"/>
+          </a:p>
+          <a:p>
+            <a:r>
+              <a:rPr lang="ja-JP" altLang="en-US" dirty="0" smtClean="0"/>
+              <a:t>訪問料金 </a:t>
+            </a:r>
+            <a:r>
+              <a:rPr lang="en-US" altLang="ja-JP" dirty="0" smtClean="0"/>
+              <a:t>–</a:t>
+            </a:r>
+            <a:r>
+              <a:rPr lang="en-US" altLang="ja-JP" dirty="0" smtClean="0"/>
+              <a:t> </a:t>
+            </a:r>
+            <a:r>
+              <a:rPr lang="en-US" altLang="ja-JP" dirty="0" smtClean="0"/>
+              <a:t>30,000</a:t>
+            </a:r>
+            <a:r>
+              <a:rPr lang="ja-JP" altLang="en-US" dirty="0" smtClean="0"/>
+              <a:t>円</a:t>
+            </a:r>
+            <a:r>
+              <a:rPr lang="en-US" altLang="ja-JP" dirty="0" smtClean="0"/>
+              <a:t>/</a:t>
+            </a:r>
+            <a:r>
+              <a:rPr lang="en-US" altLang="ja-JP" dirty="0" smtClean="0"/>
+              <a:t> 0.5</a:t>
+            </a:r>
+            <a:r>
+              <a:rPr lang="ja-JP" altLang="en-US" dirty="0" smtClean="0"/>
+              <a:t>日</a:t>
+            </a:r>
+            <a:endParaRPr lang="en-US" altLang="ja-JP" dirty="0" smtClean="0"/>
+          </a:p>
+          <a:p>
+            <a:r>
+              <a:rPr lang="ja-JP" altLang="en-US" dirty="0" smtClean="0"/>
+              <a:t>各種調査・開発料金 </a:t>
+            </a:r>
+            <a:r>
+              <a:rPr lang="en-US" altLang="ja-JP" dirty="0" smtClean="0"/>
+              <a:t>– </a:t>
+            </a:r>
+            <a:r>
+              <a:rPr lang="ja-JP" altLang="en-US" dirty="0" smtClean="0"/>
+              <a:t>都度</a:t>
+            </a:r>
+            <a:r>
+              <a:rPr lang="ja-JP" altLang="en-US" dirty="0" smtClean="0"/>
+              <a:t>見積り</a:t>
+            </a:r>
+            <a:endParaRPr lang="en-US" altLang="ja-JP" dirty="0" smtClean="0"/>
+          </a:p>
+          <a:p>
+            <a:pPr>
+              <a:buNone/>
+            </a:pPr>
+            <a:r>
+              <a:rPr lang="en-US" altLang="ja-JP" dirty="0" smtClean="0"/>
+              <a:t>※</a:t>
+            </a:r>
+            <a:r>
+              <a:rPr lang="ja-JP" altLang="en-US" dirty="0" smtClean="0"/>
+              <a:t>実費は別途</a:t>
+            </a:r>
+            <a:endParaRPr lang="en-US" altLang="ja-JP" dirty="0" smtClean="0"/>
+          </a:p>
+          <a:p>
+            <a:endParaRPr kumimoji="1" lang="en-US" altLang="ja-JP" dirty="0" smtClean="0"/>
+          </a:p>
+          <a:p>
+            <a:pPr>
+              <a:buNone/>
+            </a:pPr>
+            <a:r>
+              <a:rPr lang="ja-JP" altLang="en-US" dirty="0" smtClean="0"/>
+              <a:t>★訪問が少ないと思われる施設用のプラン</a:t>
+            </a:r>
+            <a:endParaRPr lang="en-US" altLang="ja-JP" dirty="0" smtClean="0"/>
+          </a:p>
+          <a:p>
+            <a:pPr>
+              <a:buNone/>
+            </a:pPr>
+            <a:endParaRPr lang="en-US" altLang="ja-JP" dirty="0" smtClean="0"/>
+          </a:p>
+          <a:p>
+            <a:pPr>
+              <a:buNone/>
+            </a:pPr>
+            <a:endParaRPr kumimoji="1" lang="ja-JP" altLang="en-US" dirty="0"/>
           </a:p>
         </p:txBody>
       </p:sp>
@@ -4154,7 +6542,12 @@
             <p:ph idx="1"/>
           </p:nvPr>
         </p:nvSpPr>
-        <p:spPr/>
+        <p:spPr>
+          <a:xfrm>
+            <a:off x="179512" y="1600200"/>
+            <a:ext cx="8712968" cy="4525963"/>
+          </a:xfrm>
+        </p:spPr>
         <p:txBody>
           <a:bodyPr/>
           <a:lstStyle/>
@@ -4232,9 +6625,174 @@
             </a:r>
             <a:r>
               <a:rPr lang="ja-JP" altLang="en-US" dirty="0" smtClean="0"/>
-              <a:t>の活用をしていないとのことだった。</a:t>
-            </a:r>
+              <a:t>の活用をしていないとのことだった</a:t>
+            </a:r>
+            <a:r>
+              <a:rPr lang="ja-JP" altLang="en-US" dirty="0" smtClean="0"/>
+              <a:t>。</a:t>
+            </a:r>
+            <a:endParaRPr lang="en-US" altLang="ja-JP" dirty="0" smtClean="0"/>
+          </a:p>
+          <a:p>
             <a:endParaRPr kumimoji="1" lang="en-US" altLang="ja-JP" dirty="0" smtClean="0"/>
+          </a:p>
+        </p:txBody>
+      </p:sp>
+    </p:spTree>
+  </p:cSld>
+  <p:clrMapOvr>
+    <a:masterClrMapping/>
+  </p:clrMapOvr>
+</p:sld>
+</file>
+
+<file path=ppt/slides/slide20.xml><?xml version="1.0" encoding="utf-8"?>
+<p:sld xmlns:a="http://schemas.openxmlformats.org/drawingml/2006/main" xmlns:r="http://schemas.openxmlformats.org/officeDocument/2006/relationships" xmlns:p="http://schemas.openxmlformats.org/presentationml/2006/main">
+  <p:cSld>
+    <p:spTree>
+      <p:nvGrpSpPr>
+        <p:cNvPr id="1" name=""/>
+        <p:cNvGrpSpPr/>
+        <p:nvPr/>
+      </p:nvGrpSpPr>
+      <p:grpSpPr>
+        <a:xfrm>
+          <a:off x="0" y="0"/>
+          <a:ext cx="0" cy="0"/>
+          <a:chOff x="0" y="0"/>
+          <a:chExt cx="0" cy="0"/>
+        </a:xfrm>
+      </p:grpSpPr>
+      <p:sp>
+        <p:nvSpPr>
+          <p:cNvPr id="2" name="タイトル 1"/>
+          <p:cNvSpPr>
+            <a:spLocks noGrp="1"/>
+          </p:cNvSpPr>
+          <p:nvPr>
+            <p:ph type="title"/>
+          </p:nvPr>
+        </p:nvSpPr>
+        <p:spPr/>
+        <p:txBody>
+          <a:bodyPr/>
+          <a:lstStyle/>
+          <a:p>
+            <a:r>
+              <a:rPr lang="ja-JP" altLang="en-US" dirty="0" smtClean="0"/>
+              <a:t>価格</a:t>
+            </a:r>
+            <a:r>
+              <a:rPr lang="ja-JP" altLang="en-US" dirty="0" smtClean="0"/>
+              <a:t>案捕捉</a:t>
+            </a:r>
+            <a:endParaRPr kumimoji="1" lang="ja-JP" altLang="en-US" dirty="0"/>
+          </a:p>
+        </p:txBody>
+      </p:sp>
+      <p:sp>
+        <p:nvSpPr>
+          <p:cNvPr id="3" name="コンテンツ プレースホルダ 2"/>
+          <p:cNvSpPr>
+            <a:spLocks noGrp="1"/>
+          </p:cNvSpPr>
+          <p:nvPr>
+            <p:ph idx="1"/>
+          </p:nvPr>
+        </p:nvSpPr>
+        <p:spPr>
+          <a:xfrm>
+            <a:off x="251520" y="1196752"/>
+            <a:ext cx="8640960" cy="5184576"/>
+          </a:xfrm>
+        </p:spPr>
+        <p:txBody>
+          <a:bodyPr/>
+          <a:lstStyle/>
+          <a:p>
+            <a:r>
+              <a:rPr kumimoji="1" lang="ja-JP" altLang="en-US" dirty="0" smtClean="0"/>
+              <a:t>開発作業は別途見積り</a:t>
+            </a:r>
+            <a:endParaRPr kumimoji="1" lang="en-US" altLang="ja-JP" dirty="0" smtClean="0"/>
+          </a:p>
+          <a:p>
+            <a:r>
+              <a:rPr lang="ja-JP" altLang="en-US" dirty="0" smtClean="0"/>
+              <a:t>システム会社との打ち合わせ時の同席などは、訪問金額に含む</a:t>
+            </a:r>
+            <a:endParaRPr lang="en-US" altLang="ja-JP" dirty="0" smtClean="0"/>
+          </a:p>
+          <a:p>
+            <a:r>
+              <a:rPr kumimoji="1" lang="ja-JP" altLang="en-US" dirty="0" smtClean="0"/>
+              <a:t>訪問を時間計算ではなく</a:t>
+            </a:r>
+            <a:r>
+              <a:rPr kumimoji="1" lang="en-US" altLang="ja-JP" dirty="0" smtClean="0"/>
+              <a:t>0.5</a:t>
+            </a:r>
+            <a:r>
+              <a:rPr kumimoji="1" lang="ja-JP" altLang="en-US" dirty="0" smtClean="0"/>
+              <a:t>日単位としたのは、僅かに往訪時間が延びる、などの場合でも</a:t>
+            </a:r>
+            <a:r>
+              <a:rPr lang="en-US" altLang="ja-JP" dirty="0" smtClean="0"/>
+              <a:t>0.5</a:t>
+            </a:r>
+            <a:r>
+              <a:rPr lang="ja-JP" altLang="en-US" dirty="0" smtClean="0"/>
+              <a:t>日の範囲内に含めるため。</a:t>
+            </a:r>
+            <a:endParaRPr lang="en-US" altLang="ja-JP" dirty="0" smtClean="0"/>
+          </a:p>
+        </p:txBody>
+      </p:sp>
+    </p:spTree>
+  </p:cSld>
+  <p:clrMapOvr>
+    <a:masterClrMapping/>
+  </p:clrMapOvr>
+</p:sld>
+</file>
+
+<file path=ppt/slides/slide21.xml><?xml version="1.0" encoding="utf-8"?>
+<p:sld xmlns:a="http://schemas.openxmlformats.org/drawingml/2006/main" xmlns:r="http://schemas.openxmlformats.org/officeDocument/2006/relationships" xmlns:p="http://schemas.openxmlformats.org/presentationml/2006/main">
+  <p:cSld>
+    <p:spTree>
+      <p:nvGrpSpPr>
+        <p:cNvPr id="1" name=""/>
+        <p:cNvGrpSpPr/>
+        <p:nvPr/>
+      </p:nvGrpSpPr>
+      <p:grpSpPr>
+        <a:xfrm>
+          <a:off x="0" y="0"/>
+          <a:ext cx="0" cy="0"/>
+          <a:chOff x="0" y="0"/>
+          <a:chExt cx="0" cy="0"/>
+        </a:xfrm>
+      </p:grpSpPr>
+      <p:sp>
+        <p:nvSpPr>
+          <p:cNvPr id="2" name="タイトル 1"/>
+          <p:cNvSpPr>
+            <a:spLocks noGrp="1"/>
+          </p:cNvSpPr>
+          <p:nvPr>
+            <p:ph type="title"/>
+          </p:nvPr>
+        </p:nvSpPr>
+        <p:spPr/>
+        <p:txBody>
+          <a:bodyPr/>
+          <a:lstStyle/>
+          <a:p>
+            <a:r>
+              <a:rPr lang="ja-JP" altLang="en-US" b="1" dirty="0" smtClean="0"/>
+              <a:t>資料ここまで</a:t>
+            </a:r>
+            <a:endParaRPr kumimoji="1" lang="ja-JP" altLang="en-US" b="1" dirty="0"/>
           </a:p>
         </p:txBody>
       </p:sp>
@@ -4279,10 +6837,14 @@
           <a:lstStyle/>
           <a:p>
             <a:r>
-              <a:rPr kumimoji="1" lang="ja-JP" altLang="en-US" dirty="0" smtClean="0"/>
-              <a:t>少し考える</a:t>
-            </a:r>
-            <a:endParaRPr kumimoji="1" lang="ja-JP" altLang="en-US" dirty="0"/>
+              <a:rPr lang="ja-JP" altLang="en-US" dirty="0" smtClean="0"/>
+              <a:t>大きな</a:t>
+            </a:r>
+            <a:r>
+              <a:rPr lang="ja-JP" altLang="en-US" dirty="0" smtClean="0"/>
+              <a:t>メリット</a:t>
+            </a:r>
+            <a:endParaRPr lang="ja-JP" altLang="en-US" dirty="0"/>
           </a:p>
         </p:txBody>
       </p:sp>
@@ -4298,122 +6860,88 @@
         </p:nvSpPr>
         <p:spPr>
           <a:xfrm>
-            <a:off x="457200" y="1196752"/>
-            <a:ext cx="8229600" cy="5256584"/>
+            <a:off x="457200" y="1268760"/>
+            <a:ext cx="8229600" cy="5184576"/>
           </a:xfrm>
         </p:spPr>
         <p:txBody>
-          <a:bodyPr/>
-          <a:lstStyle/>
-          <a:p>
-            <a:r>
-              <a:rPr kumimoji="1" lang="ja-JP" altLang="en-US" dirty="0" smtClean="0"/>
-              <a:t>実際に福祉施設側はどんなところに</a:t>
-            </a:r>
-            <a:r>
-              <a:rPr kumimoji="1" lang="en-US" altLang="ja-JP" dirty="0" smtClean="0"/>
+          <a:bodyPr>
+            <a:normAutofit lnSpcReduction="10000"/>
+          </a:bodyPr>
+          <a:lstStyle/>
+          <a:p>
+            <a:r>
+              <a:rPr lang="ja-JP" altLang="en-US" dirty="0" smtClean="0"/>
+              <a:t>パソコン困りごと </a:t>
+            </a:r>
+            <a:r>
+              <a:rPr lang="en-US" altLang="ja-JP" dirty="0" smtClean="0"/>
+              <a:t>- </a:t>
+            </a:r>
+            <a:r>
+              <a:rPr lang="ja-JP" altLang="en-US" dirty="0" smtClean="0"/>
+              <a:t>現在</a:t>
+            </a:r>
+            <a:r>
+              <a:rPr lang="en-US" altLang="ja-JP" dirty="0" smtClean="0"/>
+              <a:t>PC</a:t>
+            </a:r>
+            <a:r>
+              <a:rPr lang="ja-JP" altLang="en-US" dirty="0" smtClean="0"/>
+              <a:t>で作業している中での困りごとの対応の相談・解決などを専任者を雇うこと無く行える。</a:t>
+            </a:r>
+            <a:endParaRPr lang="en-US" altLang="ja-JP" dirty="0" smtClean="0"/>
+          </a:p>
+          <a:p>
+            <a:r>
+              <a:rPr lang="en-US" altLang="ja-JP" dirty="0" smtClean="0"/>
               <a:t>IT</a:t>
             </a:r>
             <a:r>
-              <a:rPr kumimoji="1" lang="ja-JP" altLang="en-US" dirty="0" smtClean="0"/>
-              <a:t>サービスを取り入れられるだろうか？</a:t>
-            </a:r>
-            <a:endParaRPr kumimoji="1" lang="en-US" altLang="ja-JP" dirty="0" smtClean="0"/>
+              <a:rPr lang="ja-JP" altLang="en-US" dirty="0" smtClean="0"/>
+              <a:t>技術活用 </a:t>
+            </a:r>
+            <a:r>
+              <a:rPr lang="en-US" altLang="ja-JP" dirty="0" smtClean="0"/>
+              <a:t>- </a:t>
+            </a:r>
+            <a:r>
+              <a:rPr lang="ja-JP" altLang="en-US" dirty="0" smtClean="0"/>
+              <a:t>従来、負担となっている作業を簡単に行える機能の相談、提案などが受けられ、必要に応じて開発への段取りまで職員に負担無く行える。</a:t>
+            </a:r>
+            <a:endParaRPr lang="en-US" altLang="ja-JP" dirty="0" smtClean="0"/>
           </a:p>
           <a:p>
             <a:pPr>
-              <a:buFont typeface="Wingdings" pitchFamily="2" charset="2"/>
-              <a:buChar char="p"/>
+              <a:buNone/>
             </a:pPr>
             <a:r>
-              <a:rPr kumimoji="1" lang="ja-JP" altLang="en-US" dirty="0" smtClean="0"/>
-              <a:t>日報や申し送り資料の一元管理化</a:t>
-            </a:r>
-            <a:endParaRPr kumimoji="1" lang="en-US" altLang="ja-JP" dirty="0" smtClean="0"/>
+              <a:rPr lang="ja-JP" altLang="en-US" dirty="0" smtClean="0"/>
+              <a:t>⇒職員の事務作業などの負荷を軽減し、実作業へより集中できるようになる。</a:t>
+            </a:r>
+            <a:endParaRPr lang="en-US" altLang="ja-JP" dirty="0" smtClean="0"/>
           </a:p>
           <a:p>
             <a:pPr>
-              <a:buFont typeface="Wingdings" pitchFamily="2" charset="2"/>
-              <a:buChar char="p"/>
+              <a:buNone/>
             </a:pPr>
             <a:r>
               <a:rPr lang="ja-JP" altLang="en-US" dirty="0" smtClean="0"/>
-              <a:t>在宅ケア者向けの</a:t>
+              <a:t>★</a:t>
+            </a:r>
+            <a:r>
+              <a:rPr lang="ja-JP" altLang="en-US" dirty="0" smtClean="0"/>
+              <a:t>人員の不足を</a:t>
             </a:r>
             <a:r>
               <a:rPr lang="en-US" altLang="ja-JP" dirty="0" smtClean="0"/>
-              <a:t>Web</a:t>
+              <a:t>IT</a:t>
             </a:r>
             <a:r>
               <a:rPr lang="ja-JP" altLang="en-US" dirty="0" smtClean="0"/>
-              <a:t>カメラ導入や貸出</a:t>
+              <a:t>技術で解消</a:t>
             </a:r>
             <a:endParaRPr lang="en-US" altLang="ja-JP" dirty="0" smtClean="0"/>
-          </a:p>
-          <a:p>
-            <a:pPr>
-              <a:buFont typeface="Wingdings" pitchFamily="2" charset="2"/>
-              <a:buChar char="p"/>
-            </a:pPr>
-            <a:r>
-              <a:rPr kumimoji="1" lang="ja-JP" altLang="en-US" dirty="0" smtClean="0"/>
-              <a:t>利用者集合空間のカメラ映像から、挙動による状態変化確認</a:t>
-            </a:r>
-            <a:r>
-              <a:rPr kumimoji="1" lang="en-US" altLang="ja-JP" dirty="0" smtClean="0"/>
-              <a:t>(AI</a:t>
-            </a:r>
-            <a:r>
-              <a:rPr kumimoji="1" lang="ja-JP" altLang="en-US" dirty="0" smtClean="0"/>
-              <a:t>技術などにより</a:t>
-            </a:r>
-            <a:r>
-              <a:rPr kumimoji="1" lang="en-US" altLang="ja-JP" dirty="0" smtClean="0"/>
-              <a:t>)</a:t>
-            </a:r>
-          </a:p>
-          <a:p>
-            <a:pPr>
-              <a:buFont typeface="Wingdings" pitchFamily="2" charset="2"/>
-              <a:buChar char="p"/>
-            </a:pPr>
-            <a:r>
-              <a:rPr lang="ja-JP" altLang="en-US" dirty="0" smtClean="0"/>
-              <a:t>各居室の施錠確認など</a:t>
-            </a:r>
-            <a:endParaRPr lang="en-US" altLang="ja-JP" dirty="0" smtClean="0"/>
-          </a:p>
-          <a:p>
-            <a:pPr>
-              <a:buFont typeface="Wingdings" pitchFamily="2" charset="2"/>
-              <a:buChar char="p"/>
-            </a:pPr>
-            <a:r>
-              <a:rPr kumimoji="1" lang="ja-JP" altLang="en-US" dirty="0" smtClean="0"/>
-              <a:t>利用者家族への連絡簡易化</a:t>
-            </a:r>
-            <a:endParaRPr kumimoji="1" lang="en-US" altLang="ja-JP" dirty="0" smtClean="0"/>
-          </a:p>
-          <a:p>
-            <a:pPr>
-              <a:buNone/>
-            </a:pPr>
-            <a:r>
-              <a:rPr lang="ja-JP" altLang="en-US" dirty="0" err="1" smtClean="0"/>
-              <a:t>．．．</a:t>
-            </a:r>
-            <a:r>
-              <a:rPr lang="ja-JP" altLang="en-US" dirty="0" smtClean="0"/>
-              <a:t>個別の施設を考えるともっとあるはず</a:t>
-            </a:r>
-            <a:endParaRPr kumimoji="1" lang="en-US" altLang="ja-JP" dirty="0" smtClean="0"/>
-          </a:p>
-          <a:p>
-            <a:pPr>
-              <a:buFont typeface="Wingdings" pitchFamily="2" charset="2"/>
-              <a:buChar char="p"/>
-            </a:pPr>
-            <a:endParaRPr kumimoji="1" lang="ja-JP" altLang="en-US" dirty="0"/>
           </a:p>
         </p:txBody>
       </p:sp>
@@ -4452,33 +6980,10 @@
             <p:ph type="title"/>
           </p:nvPr>
         </p:nvSpPr>
-        <p:spPr/>
-        <p:txBody>
-          <a:bodyPr/>
-          <a:lstStyle/>
-          <a:p>
-            <a:r>
-              <a:rPr kumimoji="1" lang="ja-JP" altLang="en-US" dirty="0" smtClean="0"/>
-              <a:t>取り入れた際のメリット</a:t>
-            </a:r>
-            <a:endParaRPr kumimoji="1" lang="ja-JP" altLang="en-US" dirty="0"/>
-          </a:p>
-        </p:txBody>
-      </p:sp>
-      <p:sp>
-        <p:nvSpPr>
-          <p:cNvPr id="3" name="コンテンツ プレースホルダ 2"/>
-          <p:cNvSpPr>
-            <a:spLocks noGrp="1"/>
-          </p:cNvSpPr>
-          <p:nvPr>
-            <p:ph idx="1"/>
-          </p:nvPr>
-        </p:nvSpPr>
         <p:spPr>
           <a:xfrm>
-            <a:off x="467544" y="1268760"/>
-            <a:ext cx="8229600" cy="5040560"/>
+            <a:off x="395536" y="2564904"/>
+            <a:ext cx="8229600" cy="1143000"/>
           </a:xfrm>
         </p:spPr>
         <p:txBody>
@@ -4486,130 +6991,14 @@
           <a:lstStyle/>
           <a:p>
             <a:r>
-              <a:rPr kumimoji="1" lang="ja-JP" altLang="en-US" dirty="0" smtClean="0"/>
-              <a:t>大きく分けると、以下をあげ</a:t>
-            </a:r>
-            <a:r>
-              <a:rPr lang="ja-JP" altLang="en-US" dirty="0"/>
-              <a:t>られる</a:t>
-            </a:r>
-            <a:r>
-              <a:rPr kumimoji="1" lang="ja-JP" altLang="en-US" dirty="0" smtClean="0"/>
-              <a:t>。</a:t>
-            </a:r>
-            <a:endParaRPr kumimoji="1" lang="en-US" altLang="ja-JP" dirty="0" smtClean="0"/>
-          </a:p>
-          <a:p>
-            <a:pPr marL="514350" indent="-514350">
-              <a:buFont typeface="+mj-lt"/>
-              <a:buAutoNum type="arabicPeriod"/>
-            </a:pPr>
-            <a:r>
-              <a:rPr kumimoji="1" lang="ja-JP" altLang="en-US" sz="2800" dirty="0" smtClean="0"/>
-              <a:t>事務仕事</a:t>
-            </a:r>
-            <a:r>
-              <a:rPr lang="ja-JP" altLang="en-US" sz="2800" dirty="0"/>
-              <a:t>の</a:t>
-            </a:r>
-            <a:r>
-              <a:rPr lang="ja-JP" altLang="en-US" sz="2800" dirty="0" smtClean="0"/>
-              <a:t>簡略化 </a:t>
-            </a:r>
-            <a:r>
-              <a:rPr lang="en-US" altLang="ja-JP" sz="2800" dirty="0" smtClean="0"/>
-              <a:t>– </a:t>
-            </a:r>
-            <a:r>
-              <a:rPr lang="ja-JP" altLang="en-US" sz="2800" dirty="0" smtClean="0"/>
-              <a:t>日報の記載をフォーマットから記載できたり、利用者とその家族の連絡する時に、簡単に多くの連絡先</a:t>
-            </a:r>
-            <a:r>
-              <a:rPr lang="en-US" altLang="ja-JP" sz="2800" dirty="0" smtClean="0"/>
-              <a:t>(</a:t>
-            </a:r>
-            <a:r>
-              <a:rPr lang="ja-JP" altLang="en-US" sz="2800" dirty="0" smtClean="0"/>
-              <a:t>携帯電話・メール・</a:t>
-            </a:r>
-            <a:r>
-              <a:rPr lang="en-US" altLang="ja-JP" sz="2800" dirty="0" smtClean="0"/>
-              <a:t>line</a:t>
-            </a:r>
-            <a:r>
-              <a:rPr lang="ja-JP" altLang="en-US" sz="2800" dirty="0" smtClean="0"/>
-              <a:t>など</a:t>
-            </a:r>
-            <a:r>
-              <a:rPr lang="en-US" altLang="ja-JP" sz="2800" dirty="0" smtClean="0"/>
-              <a:t>)</a:t>
-            </a:r>
-            <a:r>
-              <a:rPr lang="ja-JP" altLang="en-US" sz="2800" dirty="0" smtClean="0"/>
-              <a:t>を一度に確認できる。</a:t>
-            </a:r>
-            <a:endParaRPr lang="en-US" altLang="ja-JP" sz="2800" dirty="0" smtClean="0"/>
-          </a:p>
-          <a:p>
-            <a:pPr marL="514350" indent="-514350">
-              <a:buFont typeface="+mj-lt"/>
-              <a:buAutoNum type="arabicPeriod"/>
-            </a:pPr>
-            <a:r>
-              <a:rPr kumimoji="1" lang="ja-JP" altLang="en-US" sz="2800" dirty="0" smtClean="0"/>
-              <a:t>確認作業等の負荷軽減 </a:t>
-            </a:r>
-            <a:r>
-              <a:rPr kumimoji="1" lang="en-US" altLang="ja-JP" sz="2800" dirty="0" smtClean="0"/>
-              <a:t>+ </a:t>
-            </a:r>
-            <a:r>
-              <a:rPr kumimoji="1" lang="ja-JP" altLang="en-US" sz="2800" dirty="0" smtClean="0"/>
-              <a:t>確実性の増加 </a:t>
-            </a:r>
-            <a:r>
-              <a:rPr kumimoji="1" lang="en-US" altLang="ja-JP" sz="2800" dirty="0" smtClean="0"/>
-              <a:t>– </a:t>
-            </a:r>
-            <a:r>
-              <a:rPr kumimoji="1" lang="ja-JP" altLang="en-US" sz="2800" dirty="0" smtClean="0"/>
-              <a:t>施錠の確認や、</a:t>
-            </a:r>
-            <a:r>
-              <a:rPr kumimoji="1" lang="en-US" altLang="ja-JP" sz="2800" dirty="0" smtClean="0"/>
-              <a:t>Web</a:t>
-            </a:r>
-            <a:r>
-              <a:rPr kumimoji="1" lang="ja-JP" altLang="en-US" sz="2800" dirty="0" smtClean="0"/>
-              <a:t>カメラの活用により、一目で職員が足を使</a:t>
-            </a:r>
-            <a:r>
-              <a:rPr lang="ja-JP" altLang="en-US" sz="2800" dirty="0"/>
-              <a:t>うより</a:t>
-            </a:r>
-            <a:r>
-              <a:rPr kumimoji="1" lang="ja-JP" altLang="en-US" sz="2800" dirty="0" smtClean="0"/>
-              <a:t>確実に、各確認作業を遂行できる。</a:t>
-            </a:r>
-            <a:endParaRPr kumimoji="1" lang="en-US" altLang="ja-JP" sz="2800" dirty="0" smtClean="0"/>
-          </a:p>
-          <a:p>
-            <a:pPr marL="514350" indent="-514350">
-              <a:buFont typeface="+mj-lt"/>
-              <a:buAutoNum type="arabicPeriod"/>
-            </a:pPr>
-            <a:r>
-              <a:rPr lang="ja-JP" altLang="en-US" sz="2800" dirty="0" smtClean="0"/>
-              <a:t>最先端技術の使用により、変化の予兆を人による確認より先にキャッチできる。</a:t>
-            </a:r>
-            <a:endParaRPr kumimoji="1" lang="en-US" altLang="ja-JP" sz="2800" dirty="0" smtClean="0"/>
-          </a:p>
-          <a:p>
-            <a:pPr marL="514350" indent="-514350">
-              <a:buFont typeface="+mj-lt"/>
-              <a:buAutoNum type="arabicPeriod"/>
-            </a:pPr>
-            <a:endParaRPr kumimoji="1" lang="ja-JP" altLang="en-US" sz="2800" dirty="0"/>
+              <a:rPr lang="ja-JP" altLang="en-US" b="1" dirty="0" smtClean="0"/>
+              <a:t>パソコン</a:t>
+            </a:r>
+            <a:r>
+              <a:rPr kumimoji="1" lang="ja-JP" altLang="en-US" b="1" dirty="0" smtClean="0"/>
+              <a:t>困りごとについて</a:t>
+            </a:r>
+            <a:endParaRPr kumimoji="1" lang="ja-JP" altLang="en-US" b="1" dirty="0"/>
           </a:p>
         </p:txBody>
       </p:sp>
@@ -4648,32 +7037,12 @@
             <p:ph type="title"/>
           </p:nvPr>
         </p:nvSpPr>
-        <p:spPr/>
-        <p:txBody>
-          <a:bodyPr>
-            <a:normAutofit fontScale="90000"/>
-          </a:bodyPr>
-          <a:lstStyle/>
-          <a:p>
-            <a:r>
-              <a:rPr lang="ja-JP" altLang="en-US" dirty="0" smtClean="0"/>
-              <a:t>できていない理由とさらなるメリット</a:t>
-            </a:r>
-            <a:endParaRPr kumimoji="1" lang="ja-JP" altLang="en-US" dirty="0"/>
-          </a:p>
-        </p:txBody>
-      </p:sp>
-      <p:sp>
-        <p:nvSpPr>
-          <p:cNvPr id="3" name="コンテンツ プレースホルダ 2"/>
-          <p:cNvSpPr>
-            <a:spLocks noGrp="1"/>
-          </p:cNvSpPr>
-          <p:nvPr>
-            <p:ph idx="1"/>
-          </p:nvPr>
-        </p:nvSpPr>
-        <p:spPr/>
+        <p:spPr>
+          <a:xfrm>
+            <a:off x="251520" y="0"/>
+            <a:ext cx="8568952" cy="796950"/>
+          </a:xfrm>
+        </p:spPr>
         <p:txBody>
           <a:bodyPr>
             <a:normAutofit/>
@@ -4681,49 +7050,207 @@
           <a:lstStyle/>
           <a:p>
             <a:r>
-              <a:rPr lang="ja-JP" altLang="en-US" sz="2800" dirty="0" smtClean="0"/>
-              <a:t>現在の福祉施設で問題なことは、前頁で記載したようなことを取り入れられないことではなく、そのようなことをできることが分か</a:t>
-            </a:r>
-            <a:r>
-              <a:rPr lang="ja-JP" altLang="en-US" sz="2800" dirty="0"/>
-              <a:t>る人がいない</a:t>
-            </a:r>
-            <a:r>
-              <a:rPr lang="ja-JP" altLang="en-US" sz="2800" dirty="0" smtClean="0"/>
-              <a:t>こと。さらに相談できる相手がいないこと。</a:t>
-            </a:r>
-            <a:endParaRPr lang="en-US" altLang="ja-JP" sz="2800" dirty="0" smtClean="0"/>
-          </a:p>
-          <a:p>
-            <a:r>
-              <a:rPr lang="ja-JP" altLang="en-US" sz="2800" dirty="0" smtClean="0"/>
-              <a:t>大きな機能の作成などまで行うかどうかはともかく、例えばパソコンの操作方法</a:t>
-            </a:r>
-            <a:r>
-              <a:rPr lang="en-US" altLang="ja-JP" sz="2800" dirty="0" smtClean="0"/>
+              <a:rPr lang="ja-JP" altLang="en-US" sz="3600" dirty="0" smtClean="0"/>
+              <a:t>想定と回答</a:t>
+            </a:r>
+            <a:endParaRPr kumimoji="1" lang="ja-JP" altLang="en-US" sz="3600" dirty="0"/>
+          </a:p>
+        </p:txBody>
+      </p:sp>
+      <p:sp>
+        <p:nvSpPr>
+          <p:cNvPr id="3" name="コンテンツ プレースホルダ 2"/>
+          <p:cNvSpPr>
+            <a:spLocks noGrp="1"/>
+          </p:cNvSpPr>
+          <p:nvPr>
+            <p:ph idx="1"/>
+          </p:nvPr>
+        </p:nvSpPr>
+        <p:spPr>
+          <a:xfrm>
+            <a:off x="0" y="720080"/>
+            <a:ext cx="9144000" cy="6309320"/>
+          </a:xfrm>
+        </p:spPr>
+        <p:txBody>
+          <a:bodyPr>
+            <a:normAutofit fontScale="92500" lnSpcReduction="10000"/>
+          </a:bodyPr>
+          <a:lstStyle/>
+          <a:p>
+            <a:pPr>
+              <a:buNone/>
+            </a:pPr>
+            <a:r>
+              <a:rPr kumimoji="1" lang="en-US" altLang="ja-JP" sz="2400" dirty="0" smtClean="0"/>
+              <a:t>IT</a:t>
+            </a:r>
+            <a:r>
+              <a:rPr kumimoji="1" lang="ja-JP" altLang="en-US" sz="2400" dirty="0" smtClean="0"/>
+              <a:t>関連</a:t>
+            </a:r>
+            <a:r>
+              <a:rPr lang="ja-JP" altLang="en-US" sz="2400" dirty="0" smtClean="0"/>
+              <a:t>専用の職員を雇うほどでは無い。</a:t>
+            </a:r>
+            <a:endParaRPr lang="en-US" altLang="ja-JP" sz="2400" dirty="0" smtClean="0"/>
+          </a:p>
+          <a:p>
+            <a:pPr>
+              <a:buNone/>
+            </a:pPr>
+            <a:r>
+              <a:rPr lang="ja-JP" altLang="en-US" sz="2400" dirty="0" smtClean="0"/>
+              <a:t>ただ、パソコンを使用することが多くなって、対応に苦慮することがある。</a:t>
+            </a:r>
+            <a:endParaRPr lang="en-US" altLang="ja-JP" sz="2400" dirty="0" smtClean="0"/>
+          </a:p>
+          <a:p>
+            <a:pPr>
+              <a:buNone/>
+            </a:pPr>
+            <a:r>
+              <a:rPr lang="ja-JP" altLang="en-US" sz="2400" dirty="0" smtClean="0"/>
+              <a:t>⇒メール・電話での相談、状況に応じて直接訪問など、必要な時に対応を行えます。</a:t>
+            </a:r>
+            <a:endParaRPr lang="en-US" altLang="ja-JP" sz="2400" dirty="0" smtClean="0"/>
+          </a:p>
+          <a:p>
+            <a:pPr>
+              <a:buNone/>
+            </a:pPr>
+            <a:r>
+              <a:rPr lang="en-US" altLang="ja-JP" sz="2400" dirty="0" smtClean="0"/>
               <a:t>(</a:t>
             </a:r>
             <a:r>
-              <a:rPr lang="ja-JP" altLang="en-US" sz="2800" dirty="0" smtClean="0"/>
-              <a:t>職員・利用者両方</a:t>
-            </a:r>
-            <a:r>
-              <a:rPr lang="en-US" altLang="ja-JP" sz="2800" dirty="0" smtClean="0"/>
+              <a:rPr lang="ja-JP" altLang="en-US" sz="2400" dirty="0" smtClean="0"/>
+              <a:t>不要時は</a:t>
+            </a:r>
+            <a:r>
+              <a:rPr lang="en-US" altLang="ja-JP" sz="2400" dirty="0" smtClean="0"/>
+              <a:t>【</a:t>
+            </a:r>
+            <a:r>
+              <a:rPr lang="ja-JP" altLang="en-US" sz="2400" dirty="0" smtClean="0"/>
+              <a:t>契約解除</a:t>
+            </a:r>
+            <a:r>
+              <a:rPr lang="en-US" altLang="ja-JP" sz="2400" dirty="0" smtClean="0"/>
+              <a:t>】</a:t>
+            </a:r>
+            <a:r>
+              <a:rPr lang="ja-JP" altLang="en-US" sz="2400" dirty="0" smtClean="0"/>
+              <a:t>のため専任者を雇って</a:t>
+            </a:r>
+            <a:r>
+              <a:rPr lang="en-US" altLang="ja-JP" sz="2400" dirty="0" smtClean="0"/>
+              <a:t>【</a:t>
+            </a:r>
+            <a:r>
+              <a:rPr lang="ja-JP" altLang="en-US" sz="2400" dirty="0" smtClean="0"/>
+              <a:t>解雇</a:t>
+            </a:r>
+            <a:r>
+              <a:rPr lang="en-US" altLang="ja-JP" sz="2400" dirty="0" smtClean="0"/>
+              <a:t>】</a:t>
+            </a:r>
+            <a:r>
+              <a:rPr lang="ja-JP" altLang="en-US" sz="2400" dirty="0" smtClean="0"/>
+              <a:t>より気安く可能</a:t>
+            </a:r>
+            <a:r>
+              <a:rPr lang="en-US" altLang="ja-JP" sz="2400" dirty="0" smtClean="0"/>
               <a:t>)</a:t>
             </a:r>
-            <a:r>
-              <a:rPr lang="ja-JP" altLang="en-US" sz="2800" dirty="0" smtClean="0"/>
-              <a:t>教室など、</a:t>
-            </a:r>
-            <a:r>
-              <a:rPr lang="en-US" altLang="ja-JP" sz="2800" dirty="0" smtClean="0"/>
-              <a:t>IT</a:t>
-            </a:r>
-            <a:r>
-              <a:rPr lang="ja-JP" altLang="en-US" sz="2800" dirty="0" smtClean="0"/>
-              <a:t>関係全般の知識啓蒙は需要があり、そのために投資しても、施設側に金額以上のメリットはあると思われる。</a:t>
-            </a:r>
-            <a:endParaRPr lang="en-US" altLang="ja-JP" sz="2800" dirty="0" smtClean="0"/>
+            <a:endParaRPr lang="en-US" altLang="ja-JP" sz="2400" dirty="0" smtClean="0"/>
+          </a:p>
+          <a:p>
+            <a:pPr>
+              <a:buNone/>
+            </a:pPr>
+            <a:endParaRPr lang="en-US" altLang="ja-JP" sz="2400" dirty="0" smtClean="0"/>
+          </a:p>
+          <a:p>
+            <a:pPr>
+              <a:buNone/>
+            </a:pPr>
+            <a:r>
+              <a:rPr lang="ja-JP" altLang="en-US" sz="2400" dirty="0" smtClean="0"/>
+              <a:t>難しいことではなく、単純にパソコンの使い方などを知れれば良い。</a:t>
+            </a:r>
+            <a:endParaRPr lang="en-US" altLang="ja-JP" sz="2400" dirty="0" smtClean="0"/>
+          </a:p>
+          <a:p>
+            <a:pPr>
+              <a:buNone/>
+            </a:pPr>
+            <a:r>
+              <a:rPr lang="ja-JP" altLang="en-US" sz="2400" dirty="0" smtClean="0"/>
+              <a:t>⇒パソコンで行いたいことを伺い、パソコン教室レベルの勉強会などを行えます。</a:t>
+            </a:r>
+            <a:endParaRPr lang="en-US" altLang="ja-JP" sz="2400" dirty="0" smtClean="0"/>
+          </a:p>
+          <a:p>
+            <a:pPr>
+              <a:buNone/>
+            </a:pPr>
+            <a:endParaRPr lang="en-US" altLang="ja-JP" sz="2400" dirty="0" smtClean="0"/>
+          </a:p>
+          <a:p>
+            <a:pPr>
+              <a:buNone/>
+            </a:pPr>
+            <a:r>
+              <a:rPr lang="ja-JP" altLang="en-US" sz="2400" dirty="0" smtClean="0"/>
+              <a:t>職員へ</a:t>
+            </a:r>
+            <a:r>
+              <a:rPr lang="en-US" altLang="ja-JP" sz="2400" dirty="0" smtClean="0"/>
+              <a:t>SNS</a:t>
+            </a:r>
+            <a:r>
+              <a:rPr lang="ja-JP" altLang="en-US" sz="2400" dirty="0" smtClean="0"/>
+              <a:t>などへの情報流出防止対応などを行いたい。</a:t>
+            </a:r>
+            <a:endParaRPr lang="en-US" altLang="ja-JP" sz="2400" dirty="0" smtClean="0"/>
+          </a:p>
+          <a:p>
+            <a:pPr>
+              <a:buNone/>
+            </a:pPr>
+            <a:r>
+              <a:rPr lang="ja-JP" altLang="en-US" sz="2400" dirty="0" smtClean="0"/>
+              <a:t>⇒金融・保険・通信などの業界経験で培った流出防止対応を、噛み砕いてご説明し、勉強会の開催や資料をお渡しいたします。</a:t>
+            </a:r>
+            <a:endParaRPr lang="en-US" altLang="ja-JP" sz="2400" dirty="0" smtClean="0"/>
+          </a:p>
+          <a:p>
+            <a:pPr>
+              <a:buNone/>
+            </a:pPr>
+            <a:endParaRPr lang="en-US" altLang="ja-JP" sz="2400" dirty="0" smtClean="0"/>
+          </a:p>
+          <a:p>
+            <a:pPr>
+              <a:buNone/>
+            </a:pPr>
+            <a:r>
+              <a:rPr lang="ja-JP" altLang="en-US" sz="2400" dirty="0" smtClean="0"/>
+              <a:t>最先端技術を使ってみたい。</a:t>
+            </a:r>
+            <a:endParaRPr lang="en-US" altLang="ja-JP" sz="2400" dirty="0" smtClean="0"/>
+          </a:p>
+          <a:p>
+            <a:pPr>
+              <a:buNone/>
+            </a:pPr>
+            <a:r>
+              <a:rPr lang="ja-JP" altLang="en-US" sz="2400" dirty="0" smtClean="0"/>
+              <a:t>⇒具体的に何を使いたいかをお聞きし、業務に即する形で実際どのように使用できるかを提案いたします。</a:t>
+            </a:r>
+            <a:endParaRPr lang="en-US" altLang="ja-JP" sz="2400" dirty="0" smtClean="0"/>
           </a:p>
         </p:txBody>
       </p:sp>
@@ -4762,130 +7289,25 @@
             <p:ph type="title"/>
           </p:nvPr>
         </p:nvSpPr>
-        <p:spPr/>
+        <p:spPr>
+          <a:xfrm>
+            <a:off x="395536" y="2564904"/>
+            <a:ext cx="8229600" cy="1143000"/>
+          </a:xfrm>
+        </p:spPr>
         <p:txBody>
           <a:bodyPr/>
           <a:lstStyle/>
           <a:p>
             <a:r>
-              <a:rPr kumimoji="1" lang="ja-JP" altLang="en-US" dirty="0" smtClean="0"/>
-              <a:t>表向きの結論</a:t>
-            </a:r>
-            <a:endParaRPr kumimoji="1" lang="ja-JP" altLang="en-US" dirty="0"/>
-          </a:p>
-        </p:txBody>
-      </p:sp>
-      <p:sp>
-        <p:nvSpPr>
-          <p:cNvPr id="3" name="コンテンツ プレースホルダ 2"/>
-          <p:cNvSpPr>
-            <a:spLocks noGrp="1"/>
-          </p:cNvSpPr>
-          <p:nvPr>
-            <p:ph idx="1"/>
-          </p:nvPr>
-        </p:nvSpPr>
-        <p:spPr/>
-        <p:txBody>
-          <a:bodyPr>
-            <a:normAutofit lnSpcReduction="10000"/>
-          </a:bodyPr>
-          <a:lstStyle/>
-          <a:p>
-            <a:pPr>
-              <a:buNone/>
-            </a:pPr>
-            <a:r>
-              <a:rPr lang="ja-JP" altLang="en-US" dirty="0" smtClean="0"/>
-              <a:t>そうはいっても、突然</a:t>
-            </a:r>
-            <a:r>
-              <a:rPr lang="en-US" altLang="ja-JP" dirty="0" smtClean="0"/>
-              <a:t>1</a:t>
-            </a:r>
-            <a:r>
-              <a:rPr lang="ja-JP" altLang="en-US" dirty="0" smtClean="0"/>
-              <a:t>施設に一人、</a:t>
-            </a:r>
-            <a:r>
-              <a:rPr lang="en-US" altLang="ja-JP" dirty="0" smtClean="0"/>
+              <a:rPr kumimoji="1" lang="en-US" altLang="ja-JP" b="1" dirty="0" smtClean="0"/>
               <a:t>IT</a:t>
             </a:r>
             <a:r>
-              <a:rPr lang="ja-JP" altLang="en-US" dirty="0" smtClean="0"/>
-              <a:t>専用者を配置するのは難しいと思われる。</a:t>
-            </a:r>
-            <a:endParaRPr lang="en-US" altLang="ja-JP" dirty="0" smtClean="0"/>
-          </a:p>
-          <a:p>
-            <a:pPr>
-              <a:buNone/>
-            </a:pPr>
-            <a:r>
-              <a:rPr lang="ja-JP" altLang="en-US" dirty="0"/>
-              <a:t>そこ</a:t>
-            </a:r>
-            <a:r>
-              <a:rPr lang="ja-JP" altLang="en-US" dirty="0" smtClean="0"/>
-              <a:t>で、</a:t>
-            </a:r>
-            <a:r>
-              <a:rPr lang="en-US" altLang="ja-JP" dirty="0" smtClean="0"/>
-              <a:t>IT</a:t>
-            </a:r>
-            <a:r>
-              <a:rPr lang="ja-JP" altLang="en-US" dirty="0" smtClean="0"/>
-              <a:t>コンサルという形で常駐ではなく、しかし常に</a:t>
-            </a:r>
-            <a:r>
-              <a:rPr lang="ja-JP" altLang="en-US" dirty="0"/>
-              <a:t>相談</a:t>
-            </a:r>
-            <a:r>
-              <a:rPr lang="ja-JP" altLang="en-US" dirty="0" smtClean="0"/>
-              <a:t>できる相手を取り入れてどうか？</a:t>
-            </a:r>
-            <a:endParaRPr lang="en-US" altLang="ja-JP" dirty="0" smtClean="0"/>
-          </a:p>
-          <a:p>
-            <a:pPr>
-              <a:buNone/>
-            </a:pPr>
-            <a:r>
-              <a:rPr lang="ja-JP" altLang="en-US" dirty="0" smtClean="0"/>
-              <a:t>人員の不足の対応、さらに最新技術などの相談、提案などを受けることができることを考えると、決して</a:t>
-            </a:r>
-            <a:r>
-              <a:rPr lang="ja-JP" altLang="en-US" dirty="0"/>
-              <a:t>無駄では</a:t>
-            </a:r>
-            <a:r>
-              <a:rPr lang="ja-JP" altLang="en-US" dirty="0" smtClean="0"/>
-              <a:t>なく、高いだけの投資にはならない</a:t>
-            </a:r>
-            <a:r>
-              <a:rPr lang="ja-JP" altLang="en-US" dirty="0"/>
-              <a:t>、</a:t>
-            </a:r>
-            <a:r>
-              <a:rPr lang="ja-JP" altLang="en-US" dirty="0" smtClean="0"/>
-              <a:t>と</a:t>
-            </a:r>
-            <a:r>
-              <a:rPr lang="ja-JP" altLang="en-US" dirty="0"/>
-              <a:t>ここは</a:t>
-            </a:r>
-            <a:r>
-              <a:rPr lang="ja-JP" altLang="en-US" dirty="0" smtClean="0"/>
-              <a:t>言い切る。</a:t>
-            </a:r>
-            <a:endParaRPr lang="ja-JP" altLang="en-US" dirty="0"/>
-          </a:p>
-          <a:p>
-            <a:pPr>
-              <a:buNone/>
-            </a:pPr>
-            <a:endParaRPr kumimoji="1" lang="ja-JP" altLang="en-US" dirty="0"/>
+              <a:rPr kumimoji="1" lang="ja-JP" altLang="en-US" b="1" dirty="0" smtClean="0"/>
+              <a:t>技術活用について</a:t>
+            </a:r>
+            <a:endParaRPr kumimoji="1" lang="ja-JP" altLang="en-US" b="1" dirty="0"/>
           </a:p>
         </p:txBody>
       </p:sp>
@@ -4926,23 +7348,29 @@
         </p:nvSpPr>
         <p:spPr>
           <a:xfrm>
-            <a:off x="467544" y="0"/>
+            <a:off x="457200" y="116632"/>
             <a:ext cx="8229600" cy="1143000"/>
           </a:xfrm>
         </p:spPr>
         <p:txBody>
-          <a:bodyPr>
-            <a:normAutofit fontScale="90000"/>
-          </a:bodyPr>
-          <a:lstStyle/>
-          <a:p>
-            <a:r>
-              <a:rPr lang="ja-JP" altLang="en-US" dirty="0"/>
-              <a:t>コンサルとして</a:t>
-            </a:r>
-            <a:r>
-              <a:rPr kumimoji="1" lang="ja-JP" altLang="en-US" dirty="0" smtClean="0"/>
-              <a:t>カワマタを使うメリット</a:t>
+          <a:bodyPr/>
+          <a:lstStyle/>
+          <a:p>
+            <a:r>
+              <a:rPr lang="en-US" altLang="ja-JP" dirty="0" smtClean="0"/>
+              <a:t>IT</a:t>
+            </a:r>
+            <a:r>
+              <a:rPr lang="ja-JP" altLang="en-US" dirty="0" smtClean="0"/>
+              <a:t>技術</a:t>
+            </a:r>
+            <a:r>
+              <a:rPr lang="ja-JP" altLang="en-US" dirty="0" smtClean="0"/>
+              <a:t>に</a:t>
+            </a:r>
+            <a:r>
+              <a:rPr lang="ja-JP" altLang="en-US" dirty="0" smtClean="0"/>
+              <a:t>よる機能の活用先</a:t>
             </a:r>
             <a:endParaRPr kumimoji="1" lang="ja-JP" altLang="en-US" dirty="0"/>
           </a:p>
@@ -4960,84 +7388,130 @@
         </p:nvSpPr>
         <p:spPr>
           <a:xfrm>
-            <a:off x="539552" y="1052736"/>
-            <a:ext cx="8229600" cy="5472608"/>
+            <a:off x="457200" y="1196752"/>
+            <a:ext cx="8229600" cy="5256584"/>
           </a:xfrm>
         </p:spPr>
         <p:txBody>
-          <a:bodyPr>
-            <a:normAutofit/>
-          </a:bodyPr>
-          <a:lstStyle/>
-          <a:p>
-            <a:r>
-              <a:rPr lang="ja-JP" altLang="en-US" sz="2800" dirty="0"/>
-              <a:t>社会</a:t>
-            </a:r>
-            <a:r>
-              <a:rPr kumimoji="1" lang="ja-JP" altLang="en-US" sz="2800" dirty="0" smtClean="0"/>
-              <a:t>福祉への理解 </a:t>
-            </a:r>
-            <a:r>
-              <a:rPr kumimoji="1" lang="en-US" altLang="ja-JP" sz="2800" dirty="0" smtClean="0"/>
-              <a:t>– </a:t>
-            </a:r>
-            <a:r>
-              <a:rPr kumimoji="1" lang="ja-JP" altLang="en-US" sz="2800" dirty="0" smtClean="0"/>
-              <a:t>社会福祉専攻の学士を持っているので、最低限以上の知識があり、それぞれの施設の問題に柔軟に対応できる。</a:t>
-            </a:r>
-            <a:endParaRPr kumimoji="1" lang="en-US" altLang="ja-JP" sz="2800" dirty="0" smtClean="0"/>
-          </a:p>
-          <a:p>
-            <a:r>
-              <a:rPr kumimoji="1" lang="en-US" altLang="ja-JP" sz="2800" dirty="0" smtClean="0"/>
+          <a:bodyPr/>
+          <a:lstStyle/>
+          <a:p>
+            <a:r>
+              <a:rPr kumimoji="1" lang="ja-JP" altLang="en-US" dirty="0" smtClean="0"/>
+              <a:t>施設側</a:t>
+            </a:r>
+            <a:r>
+              <a:rPr kumimoji="1" lang="ja-JP" altLang="en-US" dirty="0" smtClean="0"/>
+              <a:t>はどんなところに</a:t>
+            </a:r>
+            <a:r>
+              <a:rPr kumimoji="1" lang="en-US" altLang="ja-JP" dirty="0" smtClean="0"/>
               <a:t>IT</a:t>
             </a:r>
             <a:r>
-              <a:rPr kumimoji="1" lang="ja-JP" altLang="en-US" sz="2800" dirty="0" smtClean="0"/>
-              <a:t>技術者としての豊富な経験 </a:t>
-            </a:r>
-            <a:r>
-              <a:rPr kumimoji="1" lang="en-US" altLang="ja-JP" sz="2800" dirty="0" smtClean="0"/>
-              <a:t>– </a:t>
-            </a:r>
-            <a:r>
-              <a:rPr kumimoji="1" lang="ja-JP" altLang="en-US" sz="2800" dirty="0" smtClean="0"/>
-              <a:t>これまで</a:t>
-            </a:r>
-            <a:r>
-              <a:rPr kumimoji="1" lang="en-US" altLang="ja-JP" sz="2800" dirty="0" smtClean="0"/>
-              <a:t>20</a:t>
-            </a:r>
-            <a:r>
-              <a:rPr lang="ja-JP" altLang="en-US" sz="2800" dirty="0" smtClean="0"/>
-              <a:t>以上の現場での</a:t>
-            </a:r>
-            <a:r>
-              <a:rPr kumimoji="1" lang="ja-JP" altLang="en-US" sz="2800" dirty="0" smtClean="0"/>
-              <a:t>経験があり、ユーザーとのトラブル経験はなし</a:t>
-            </a:r>
-            <a:r>
-              <a:rPr lang="en-US" altLang="ja-JP" sz="2800" dirty="0" smtClean="0"/>
-              <a:t>(</a:t>
-            </a:r>
-            <a:r>
-              <a:rPr lang="ja-JP" altLang="en-US" sz="2800" dirty="0" smtClean="0"/>
-              <a:t>チーム内のトラブルはあり</a:t>
-            </a:r>
-            <a:r>
-              <a:rPr lang="en-US" altLang="ja-JP" sz="2800" dirty="0" smtClean="0"/>
+              <a:rPr kumimoji="1" lang="ja-JP" altLang="en-US" dirty="0" smtClean="0"/>
+              <a:t>サービスを取り入れられるだろうか？</a:t>
+            </a:r>
+            <a:endParaRPr kumimoji="1" lang="en-US" altLang="ja-JP" dirty="0" smtClean="0"/>
+          </a:p>
+          <a:p>
+            <a:pPr>
+              <a:buFont typeface="Wingdings" pitchFamily="2" charset="2"/>
+              <a:buChar char="p"/>
+            </a:pPr>
+            <a:r>
+              <a:rPr kumimoji="1" lang="ja-JP" altLang="en-US" dirty="0" smtClean="0"/>
+              <a:t>日報や申し送り資料の一元管理化</a:t>
+            </a:r>
+            <a:endParaRPr kumimoji="1" lang="en-US" altLang="ja-JP" dirty="0" smtClean="0"/>
+          </a:p>
+          <a:p>
+            <a:pPr>
+              <a:buFont typeface="Wingdings" pitchFamily="2" charset="2"/>
+              <a:buChar char="p"/>
+            </a:pPr>
+            <a:r>
+              <a:rPr lang="ja-JP" altLang="en-US" dirty="0" smtClean="0"/>
+              <a:t>在宅ケア者向けの</a:t>
+            </a:r>
+            <a:r>
+              <a:rPr lang="en-US" altLang="ja-JP" dirty="0" smtClean="0"/>
+              <a:t>Web</a:t>
+            </a:r>
+            <a:r>
+              <a:rPr lang="ja-JP" altLang="en-US" dirty="0" smtClean="0"/>
+              <a:t>カメラ導入や貸出</a:t>
+            </a:r>
+            <a:endParaRPr lang="en-US" altLang="ja-JP" dirty="0" smtClean="0"/>
+          </a:p>
+          <a:p>
+            <a:pPr>
+              <a:buFont typeface="Wingdings" pitchFamily="2" charset="2"/>
+              <a:buChar char="p"/>
+            </a:pPr>
+            <a:r>
+              <a:rPr kumimoji="1" lang="ja-JP" altLang="en-US" dirty="0" smtClean="0"/>
+              <a:t>利用者集合空間のカメラ映像から、挙動による状態変化確認</a:t>
+            </a:r>
+            <a:r>
+              <a:rPr kumimoji="1" lang="en-US" altLang="ja-JP" dirty="0" smtClean="0"/>
+              <a:t>(AI</a:t>
+            </a:r>
+            <a:r>
+              <a:rPr kumimoji="1" lang="ja-JP" altLang="en-US" dirty="0" smtClean="0"/>
+              <a:t>技術などにより</a:t>
+            </a:r>
+            <a:r>
+              <a:rPr kumimoji="1" lang="en-US" altLang="ja-JP" dirty="0" smtClean="0"/>
               <a:t>)</a:t>
             </a:r>
-            <a:r>
-              <a:rPr lang="ja-JP" altLang="en-US" sz="2800" dirty="0" err="1" smtClean="0"/>
-              <a:t>。</a:t>
-            </a:r>
-            <a:r>
-              <a:rPr lang="ja-JP" altLang="en-US" sz="2800" dirty="0" smtClean="0"/>
-              <a:t>金融・保険・医療分野といった難しいユーザーも経験しており、要求を汲み取り、問題の具体化、解決への提案までを行うのに十分な場数を超えてきた、確かな説得力がある。</a:t>
-            </a:r>
-            <a:endParaRPr kumimoji="1" lang="en-US" altLang="ja-JP" sz="2800" dirty="0" smtClean="0"/>
+          </a:p>
+          <a:p>
+            <a:pPr>
+              <a:buFont typeface="Wingdings" pitchFamily="2" charset="2"/>
+              <a:buChar char="p"/>
+            </a:pPr>
+            <a:r>
+              <a:rPr lang="ja-JP" altLang="en-US" dirty="0" smtClean="0"/>
+              <a:t>各居室の施錠確認など</a:t>
+            </a:r>
+            <a:endParaRPr lang="en-US" altLang="ja-JP" dirty="0" smtClean="0"/>
+          </a:p>
+          <a:p>
+            <a:pPr>
+              <a:buFont typeface="Wingdings" pitchFamily="2" charset="2"/>
+              <a:buChar char="p"/>
+            </a:pPr>
+            <a:r>
+              <a:rPr kumimoji="1" lang="ja-JP" altLang="en-US" dirty="0" smtClean="0"/>
+              <a:t>利用者家族への</a:t>
+            </a:r>
+            <a:r>
+              <a:rPr kumimoji="1" lang="ja-JP" altLang="en-US" dirty="0" smtClean="0"/>
+              <a:t>連絡先確認簡易化</a:t>
+            </a:r>
+            <a:endParaRPr kumimoji="1" lang="en-US" altLang="ja-JP" dirty="0" smtClean="0"/>
+          </a:p>
+          <a:p>
+            <a:pPr>
+              <a:buNone/>
+            </a:pPr>
+            <a:r>
+              <a:rPr lang="ja-JP" altLang="en-US" dirty="0" err="1" smtClean="0"/>
+              <a:t>．．．</a:t>
+            </a:r>
+            <a:r>
+              <a:rPr lang="ja-JP" altLang="en-US" dirty="0" smtClean="0"/>
+              <a:t>個別の施設を考えるともっとあるはず</a:t>
+            </a:r>
+            <a:endParaRPr kumimoji="1" lang="en-US" altLang="ja-JP" dirty="0" smtClean="0"/>
+          </a:p>
+          <a:p>
+            <a:pPr>
+              <a:buFont typeface="Wingdings" pitchFamily="2" charset="2"/>
+              <a:buChar char="p"/>
+            </a:pPr>
+            <a:endParaRPr kumimoji="1" lang="ja-JP" altLang="en-US" dirty="0"/>
           </a:p>
         </p:txBody>
       </p:sp>
@@ -5068,6 +7542,37 @@
       </p:grpSpPr>
       <p:sp>
         <p:nvSpPr>
+          <p:cNvPr id="2" name="タイトル 1"/>
+          <p:cNvSpPr>
+            <a:spLocks noGrp="1"/>
+          </p:cNvSpPr>
+          <p:nvPr>
+            <p:ph type="title"/>
+          </p:nvPr>
+        </p:nvSpPr>
+        <p:spPr/>
+        <p:txBody>
+          <a:bodyPr/>
+          <a:lstStyle/>
+          <a:p>
+            <a:r>
+              <a:rPr kumimoji="1" lang="en-US" altLang="ja-JP" dirty="0" smtClean="0"/>
+              <a:t>IT</a:t>
+            </a:r>
+            <a:r>
+              <a:rPr kumimoji="1" lang="ja-JP" altLang="en-US" dirty="0" smtClean="0"/>
+              <a:t>技術を取り入れた</a:t>
+            </a:r>
+            <a:r>
+              <a:rPr kumimoji="1" lang="ja-JP" altLang="en-US" dirty="0" smtClean="0"/>
+              <a:t>際のメリット</a:t>
+            </a:r>
+            <a:endParaRPr kumimoji="1" lang="ja-JP" altLang="en-US" dirty="0"/>
+          </a:p>
+        </p:txBody>
+      </p:sp>
+      <p:sp>
+        <p:nvSpPr>
           <p:cNvPr id="3" name="コンテンツ プレースホルダ 2"/>
           <p:cNvSpPr>
             <a:spLocks noGrp="1"/>
@@ -5078,645 +7583,147 @@
         </p:nvSpPr>
         <p:spPr>
           <a:xfrm>
-            <a:off x="467544" y="908720"/>
-            <a:ext cx="3744416" cy="648072"/>
+            <a:off x="467544" y="1268760"/>
+            <a:ext cx="8229600" cy="5040560"/>
           </a:xfrm>
         </p:spPr>
         <p:txBody>
           <a:bodyPr/>
           <a:lstStyle/>
           <a:p>
-            <a:pPr>
-              <a:buNone/>
+            <a:r>
+              <a:rPr kumimoji="1" lang="ja-JP" altLang="en-US" dirty="0" smtClean="0"/>
+              <a:t>大きく分けると、以下をあげ</a:t>
+            </a:r>
+            <a:r>
+              <a:rPr lang="ja-JP" altLang="en-US" dirty="0"/>
+              <a:t>られる</a:t>
+            </a:r>
+            <a:r>
+              <a:rPr kumimoji="1" lang="ja-JP" altLang="en-US" dirty="0" smtClean="0"/>
+              <a:t>。</a:t>
+            </a:r>
+            <a:endParaRPr kumimoji="1" lang="en-US" altLang="ja-JP" dirty="0" smtClean="0"/>
+          </a:p>
+          <a:p>
+            <a:pPr marL="514350" indent="-514350">
+              <a:buFont typeface="+mj-lt"/>
+              <a:buAutoNum type="arabicPeriod"/>
             </a:pPr>
             <a:r>
-              <a:rPr kumimoji="1" lang="ja-JP" altLang="en-US" dirty="0" smtClean="0"/>
-              <a:t>カワマタいない場合</a:t>
-            </a:r>
-            <a:endParaRPr kumimoji="1" lang="en-US" altLang="ja-JP" dirty="0" smtClean="0"/>
-          </a:p>
-        </p:txBody>
-      </p:sp>
-      <p:sp>
-        <p:nvSpPr>
-          <p:cNvPr id="4" name="タイトル 3"/>
-          <p:cNvSpPr>
-            <a:spLocks noGrp="1"/>
-          </p:cNvSpPr>
-          <p:nvPr>
-            <p:ph type="title"/>
-          </p:nvPr>
-        </p:nvSpPr>
-        <p:spPr>
-          <a:xfrm>
-            <a:off x="467544" y="0"/>
-            <a:ext cx="8229600" cy="1143000"/>
-          </a:xfrm>
-        </p:spPr>
-        <p:txBody>
-          <a:bodyPr>
-            <a:normAutofit/>
-          </a:bodyPr>
-          <a:lstStyle/>
-          <a:p>
-            <a:r>
-              <a:rPr lang="ja-JP" altLang="en-US" dirty="0" smtClean="0"/>
-              <a:t>最新技術を使いたい場合の絵図</a:t>
-            </a:r>
-            <a:endParaRPr kumimoji="1" lang="ja-JP" altLang="en-US" dirty="0"/>
-          </a:p>
-        </p:txBody>
-      </p:sp>
-      <p:sp>
-        <p:nvSpPr>
-          <p:cNvPr id="5" name="正方形/長方形 4"/>
-          <p:cNvSpPr/>
-          <p:nvPr/>
-        </p:nvSpPr>
-        <p:spPr>
-          <a:xfrm>
-            <a:off x="611560" y="2060848"/>
-            <a:ext cx="576064" cy="4464496"/>
-          </a:xfrm>
-          <a:prstGeom prst="rect">
-            <a:avLst/>
-          </a:prstGeom>
-        </p:spPr>
-        <p:style>
-          <a:lnRef idx="2">
-            <a:schemeClr val="accent1">
-              <a:shade val="50000"/>
-            </a:schemeClr>
-          </a:lnRef>
-          <a:fillRef idx="1">
-            <a:schemeClr val="accent1"/>
-          </a:fillRef>
-          <a:effectRef idx="0">
-            <a:schemeClr val="accent1"/>
-          </a:effectRef>
-          <a:fontRef idx="minor">
-            <a:schemeClr val="lt1"/>
-          </a:fontRef>
-        </p:style>
-        <p:txBody>
-          <a:bodyPr rtlCol="0" anchor="ctr"/>
-          <a:lstStyle/>
-          <a:p>
-            <a:pPr algn="ctr"/>
-            <a:endParaRPr kumimoji="1" lang="ja-JP" altLang="en-US"/>
-          </a:p>
-        </p:txBody>
-      </p:sp>
-      <p:sp>
-        <p:nvSpPr>
-          <p:cNvPr id="6" name="正方形/長方形 5"/>
-          <p:cNvSpPr/>
-          <p:nvPr/>
-        </p:nvSpPr>
-        <p:spPr>
-          <a:xfrm>
-            <a:off x="8100392" y="2132856"/>
-            <a:ext cx="432048" cy="4464496"/>
-          </a:xfrm>
-          <a:prstGeom prst="rect">
-            <a:avLst/>
-          </a:prstGeom>
-        </p:spPr>
-        <p:style>
-          <a:lnRef idx="2">
-            <a:schemeClr val="accent1">
-              <a:shade val="50000"/>
-            </a:schemeClr>
-          </a:lnRef>
-          <a:fillRef idx="1">
-            <a:schemeClr val="accent1"/>
-          </a:fillRef>
-          <a:effectRef idx="0">
-            <a:schemeClr val="accent1"/>
-          </a:effectRef>
-          <a:fontRef idx="minor">
-            <a:schemeClr val="lt1"/>
-          </a:fontRef>
-        </p:style>
-        <p:txBody>
-          <a:bodyPr rtlCol="0" anchor="ctr"/>
-          <a:lstStyle/>
-          <a:p>
-            <a:pPr algn="ctr"/>
-            <a:endParaRPr kumimoji="1" lang="ja-JP" altLang="en-US"/>
-          </a:p>
-        </p:txBody>
-      </p:sp>
-      <p:sp>
-        <p:nvSpPr>
-          <p:cNvPr id="7" name="角丸四角形 6"/>
-          <p:cNvSpPr/>
-          <p:nvPr/>
-        </p:nvSpPr>
-        <p:spPr>
-          <a:xfrm>
-            <a:off x="179512" y="1412776"/>
-            <a:ext cx="1440160" cy="576064"/>
-          </a:xfrm>
-          <a:prstGeom prst="roundRect">
-            <a:avLst/>
-          </a:prstGeom>
-          <a:solidFill>
-            <a:schemeClr val="bg1"/>
-          </a:solidFill>
-          <a:ln>
-            <a:solidFill>
-              <a:srgbClr val="FF0000"/>
-            </a:solidFill>
-          </a:ln>
-        </p:spPr>
-        <p:style>
-          <a:lnRef idx="2">
-            <a:schemeClr val="accent1">
-              <a:shade val="50000"/>
-            </a:schemeClr>
-          </a:lnRef>
-          <a:fillRef idx="1">
-            <a:schemeClr val="accent1"/>
-          </a:fillRef>
-          <a:effectRef idx="0">
-            <a:schemeClr val="accent1"/>
-          </a:effectRef>
-          <a:fontRef idx="minor">
-            <a:schemeClr val="lt1"/>
-          </a:fontRef>
-        </p:style>
-        <p:txBody>
-          <a:bodyPr rtlCol="0" anchor="ctr"/>
-          <a:lstStyle/>
-          <a:p>
-            <a:pPr algn="ctr"/>
-            <a:r>
-              <a:rPr kumimoji="1" lang="ja-JP" altLang="en-US" dirty="0" smtClean="0">
-                <a:solidFill>
-                  <a:schemeClr val="tx1"/>
-                </a:solidFill>
-              </a:rPr>
-              <a:t>施設側</a:t>
-            </a:r>
-            <a:endParaRPr kumimoji="1" lang="ja-JP" altLang="en-US" dirty="0">
-              <a:solidFill>
-                <a:schemeClr val="tx1"/>
-              </a:solidFill>
-            </a:endParaRPr>
-          </a:p>
-        </p:txBody>
-      </p:sp>
-      <p:sp>
-        <p:nvSpPr>
-          <p:cNvPr id="8" name="角丸四角形 7"/>
-          <p:cNvSpPr/>
-          <p:nvPr/>
-        </p:nvSpPr>
-        <p:spPr>
-          <a:xfrm>
-            <a:off x="7596336" y="1484784"/>
-            <a:ext cx="1368152" cy="576064"/>
-          </a:xfrm>
-          <a:prstGeom prst="roundRect">
-            <a:avLst/>
-          </a:prstGeom>
-          <a:solidFill>
-            <a:schemeClr val="bg1"/>
-          </a:solidFill>
-          <a:ln>
-            <a:solidFill>
-              <a:srgbClr val="FF0000"/>
-            </a:solidFill>
-          </a:ln>
-        </p:spPr>
-        <p:style>
-          <a:lnRef idx="2">
-            <a:schemeClr val="accent1">
-              <a:shade val="50000"/>
-            </a:schemeClr>
-          </a:lnRef>
-          <a:fillRef idx="1">
-            <a:schemeClr val="accent1"/>
-          </a:fillRef>
-          <a:effectRef idx="0">
-            <a:schemeClr val="accent1"/>
-          </a:effectRef>
-          <a:fontRef idx="minor">
-            <a:schemeClr val="lt1"/>
-          </a:fontRef>
-        </p:style>
-        <p:txBody>
-          <a:bodyPr rtlCol="0" anchor="ctr"/>
-          <a:lstStyle/>
-          <a:p>
-            <a:pPr algn="ctr"/>
-            <a:r>
-              <a:rPr lang="ja-JP" altLang="en-US" dirty="0" smtClean="0">
-                <a:solidFill>
-                  <a:schemeClr val="tx1"/>
-                </a:solidFill>
-              </a:rPr>
-              <a:t>システム会社</a:t>
-            </a:r>
-            <a:endParaRPr kumimoji="1" lang="ja-JP" altLang="en-US" dirty="0">
-              <a:solidFill>
-                <a:schemeClr val="tx1"/>
-              </a:solidFill>
-            </a:endParaRPr>
-          </a:p>
-        </p:txBody>
-      </p:sp>
-      <p:sp>
-        <p:nvSpPr>
-          <p:cNvPr id="9" name="右矢印 8"/>
-          <p:cNvSpPr/>
-          <p:nvPr/>
-        </p:nvSpPr>
-        <p:spPr>
-          <a:xfrm>
-            <a:off x="1763688" y="1916832"/>
-            <a:ext cx="5760640" cy="792088"/>
-          </a:xfrm>
-          <a:prstGeom prst="rightArrow">
-            <a:avLst/>
-          </a:prstGeom>
-          <a:solidFill>
-            <a:schemeClr val="accent5"/>
-          </a:solidFill>
-          <a:ln>
-            <a:solidFill>
-              <a:schemeClr val="tx1">
-                <a:lumMod val="75000"/>
-                <a:lumOff val="25000"/>
-              </a:schemeClr>
-            </a:solidFill>
-          </a:ln>
-        </p:spPr>
-        <p:style>
-          <a:lnRef idx="2">
-            <a:schemeClr val="accent1">
-              <a:shade val="50000"/>
-            </a:schemeClr>
-          </a:lnRef>
-          <a:fillRef idx="1">
-            <a:schemeClr val="accent1"/>
-          </a:fillRef>
-          <a:effectRef idx="0">
-            <a:schemeClr val="accent1"/>
-          </a:effectRef>
-          <a:fontRef idx="minor">
-            <a:schemeClr val="lt1"/>
-          </a:fontRef>
-        </p:style>
-        <p:txBody>
-          <a:bodyPr rtlCol="0" anchor="ctr"/>
-          <a:lstStyle/>
-          <a:p>
-            <a:pPr algn="ctr"/>
-            <a:r>
-              <a:rPr kumimoji="1" lang="en-US" altLang="ja-JP" dirty="0" smtClean="0"/>
-              <a:t>1.</a:t>
-            </a:r>
-            <a:r>
-              <a:rPr kumimoji="1" lang="ja-JP" altLang="en-US" dirty="0" smtClean="0"/>
-              <a:t>最新</a:t>
-            </a:r>
-            <a:r>
-              <a:rPr lang="ja-JP" altLang="en-US" dirty="0" smtClean="0"/>
-              <a:t>技術を使いたい</a:t>
-            </a:r>
-            <a:endParaRPr kumimoji="1" lang="ja-JP" altLang="en-US" dirty="0"/>
-          </a:p>
-        </p:txBody>
-      </p:sp>
-      <p:sp>
-        <p:nvSpPr>
-          <p:cNvPr id="12" name="左矢印 11"/>
-          <p:cNvSpPr/>
-          <p:nvPr/>
-        </p:nvSpPr>
-        <p:spPr>
-          <a:xfrm>
-            <a:off x="1619672" y="2564904"/>
-            <a:ext cx="5904656" cy="720080"/>
-          </a:xfrm>
-          <a:prstGeom prst="leftArrow">
-            <a:avLst/>
-          </a:prstGeom>
-          <a:solidFill>
-            <a:schemeClr val="accent6">
-              <a:lumMod val="75000"/>
-            </a:schemeClr>
-          </a:solidFill>
-        </p:spPr>
-        <p:style>
-          <a:lnRef idx="2">
-            <a:schemeClr val="accent1">
-              <a:shade val="50000"/>
-            </a:schemeClr>
-          </a:lnRef>
-          <a:fillRef idx="1">
-            <a:schemeClr val="accent1"/>
-          </a:fillRef>
-          <a:effectRef idx="0">
-            <a:schemeClr val="accent1"/>
-          </a:effectRef>
-          <a:fontRef idx="minor">
-            <a:schemeClr val="lt1"/>
-          </a:fontRef>
-        </p:style>
-        <p:txBody>
-          <a:bodyPr rtlCol="0" anchor="ctr"/>
-          <a:lstStyle/>
-          <a:p>
-            <a:pPr algn="ctr"/>
-            <a:r>
-              <a:rPr kumimoji="1" lang="en-US" altLang="ja-JP" dirty="0" smtClean="0"/>
-              <a:t>2.</a:t>
-            </a:r>
-            <a:r>
-              <a:rPr kumimoji="1" lang="ja-JP" altLang="en-US" dirty="0" smtClean="0"/>
-              <a:t>何をどんなふうに？利用条件は？予算は？</a:t>
-            </a:r>
-            <a:endParaRPr kumimoji="1" lang="ja-JP" altLang="en-US" dirty="0"/>
-          </a:p>
-        </p:txBody>
-      </p:sp>
-      <p:sp>
-        <p:nvSpPr>
-          <p:cNvPr id="13" name="右矢印 12"/>
-          <p:cNvSpPr/>
-          <p:nvPr/>
-        </p:nvSpPr>
-        <p:spPr>
-          <a:xfrm>
-            <a:off x="1763688" y="3212976"/>
-            <a:ext cx="5760640" cy="792088"/>
-          </a:xfrm>
-          <a:prstGeom prst="rightArrow">
-            <a:avLst/>
-          </a:prstGeom>
-          <a:solidFill>
-            <a:schemeClr val="accent5"/>
-          </a:solidFill>
-          <a:ln>
-            <a:solidFill>
-              <a:schemeClr val="tx1">
-                <a:lumMod val="75000"/>
-                <a:lumOff val="25000"/>
-              </a:schemeClr>
-            </a:solidFill>
-          </a:ln>
-        </p:spPr>
-        <p:style>
-          <a:lnRef idx="2">
-            <a:schemeClr val="accent1">
-              <a:shade val="50000"/>
-            </a:schemeClr>
-          </a:lnRef>
-          <a:fillRef idx="1">
-            <a:schemeClr val="accent1"/>
-          </a:fillRef>
-          <a:effectRef idx="0">
-            <a:schemeClr val="accent1"/>
-          </a:effectRef>
-          <a:fontRef idx="minor">
-            <a:schemeClr val="lt1"/>
-          </a:fontRef>
-        </p:style>
-        <p:txBody>
-          <a:bodyPr rtlCol="0" anchor="ctr"/>
-          <a:lstStyle/>
-          <a:p>
-            <a:pPr algn="ctr"/>
-            <a:r>
-              <a:rPr kumimoji="1" lang="en-US" altLang="ja-JP" dirty="0" smtClean="0"/>
-              <a:t>3.(</a:t>
-            </a:r>
-            <a:r>
-              <a:rPr kumimoji="1" lang="ja-JP" altLang="en-US" dirty="0" smtClean="0"/>
-              <a:t>例えば</a:t>
-            </a:r>
-            <a:r>
-              <a:rPr kumimoji="1" lang="en-US" altLang="ja-JP" dirty="0" smtClean="0"/>
-              <a:t>)AI</a:t>
-            </a:r>
-            <a:r>
-              <a:rPr kumimoji="1" lang="ja-JP" altLang="en-US" dirty="0" smtClean="0"/>
-              <a:t>を使ってうまいこと適正値段で</a:t>
-            </a:r>
-            <a:endParaRPr kumimoji="1" lang="ja-JP" altLang="en-US" dirty="0"/>
-          </a:p>
-        </p:txBody>
-      </p:sp>
-      <p:sp>
-        <p:nvSpPr>
-          <p:cNvPr id="15" name="角丸四角形吹き出し 14"/>
-          <p:cNvSpPr/>
-          <p:nvPr/>
-        </p:nvSpPr>
-        <p:spPr>
-          <a:xfrm>
-            <a:off x="1835696" y="4077072"/>
-            <a:ext cx="5328592" cy="936104"/>
-          </a:xfrm>
-          <a:prstGeom prst="wedgeRoundRectCallout">
-            <a:avLst>
-              <a:gd name="adj1" fmla="val 61545"/>
-              <a:gd name="adj2" fmla="val 8900"/>
-              <a:gd name="adj3" fmla="val 16667"/>
-            </a:avLst>
-          </a:prstGeom>
-          <a:solidFill>
-            <a:schemeClr val="accent6">
-              <a:lumMod val="75000"/>
-            </a:schemeClr>
-          </a:solidFill>
-        </p:spPr>
-        <p:style>
-          <a:lnRef idx="2">
-            <a:schemeClr val="accent1">
-              <a:shade val="50000"/>
-            </a:schemeClr>
-          </a:lnRef>
-          <a:fillRef idx="1">
-            <a:schemeClr val="accent1"/>
-          </a:fillRef>
-          <a:effectRef idx="0">
-            <a:schemeClr val="accent1"/>
-          </a:effectRef>
-          <a:fontRef idx="minor">
-            <a:schemeClr val="lt1"/>
-          </a:fontRef>
-        </p:style>
-        <p:txBody>
-          <a:bodyPr rtlCol="0" anchor="ctr"/>
-          <a:lstStyle/>
-          <a:p>
-            <a:pPr algn="ctr"/>
-            <a:r>
-              <a:rPr kumimoji="1" lang="en-US" altLang="ja-JP" dirty="0" smtClean="0"/>
-              <a:t>4.</a:t>
-            </a:r>
-            <a:r>
-              <a:rPr lang="ja-JP" altLang="en-US" dirty="0" smtClean="0"/>
-              <a:t>機能の使用条件がよくわからないから、いろい</a:t>
-            </a:r>
-            <a:r>
-              <a:rPr lang="ja-JP" altLang="en-US" dirty="0"/>
-              <a:t>ろ</a:t>
-            </a:r>
-            <a:r>
-              <a:rPr lang="ja-JP" altLang="en-US" dirty="0" smtClean="0"/>
-              <a:t>盛り込んだ形でいいか。時間もかかりそうだ。</a:t>
-            </a:r>
-            <a:endParaRPr lang="en-US" altLang="ja-JP" dirty="0" smtClean="0"/>
-          </a:p>
-          <a:p>
-            <a:pPr algn="ctr"/>
-            <a:r>
-              <a:rPr lang="ja-JP" altLang="en-US" dirty="0" smtClean="0"/>
-              <a:t>値段もいろいろ盛り込んだ分の価格にしよう！</a:t>
-            </a:r>
-            <a:endParaRPr kumimoji="1" lang="ja-JP" altLang="en-US" dirty="0"/>
-          </a:p>
-        </p:txBody>
-      </p:sp>
-      <p:sp>
-        <p:nvSpPr>
-          <p:cNvPr id="16" name="左矢印 15"/>
-          <p:cNvSpPr/>
-          <p:nvPr/>
-        </p:nvSpPr>
-        <p:spPr>
-          <a:xfrm>
-            <a:off x="1619672" y="5085184"/>
-            <a:ext cx="5904656" cy="720080"/>
-          </a:xfrm>
-          <a:prstGeom prst="leftArrow">
-            <a:avLst/>
-          </a:prstGeom>
-          <a:solidFill>
-            <a:schemeClr val="accent6">
-              <a:lumMod val="75000"/>
-            </a:schemeClr>
-          </a:solidFill>
-        </p:spPr>
-        <p:style>
-          <a:lnRef idx="2">
-            <a:schemeClr val="accent1">
-              <a:shade val="50000"/>
-            </a:schemeClr>
-          </a:lnRef>
-          <a:fillRef idx="1">
-            <a:schemeClr val="accent1"/>
-          </a:fillRef>
-          <a:effectRef idx="0">
-            <a:schemeClr val="accent1"/>
-          </a:effectRef>
-          <a:fontRef idx="minor">
-            <a:schemeClr val="lt1"/>
-          </a:fontRef>
-        </p:style>
-        <p:txBody>
-          <a:bodyPr rtlCol="0" anchor="ctr"/>
-          <a:lstStyle/>
-          <a:p>
-            <a:pPr algn="ctr"/>
-            <a:r>
-              <a:rPr kumimoji="1" lang="en-US" altLang="ja-JP" dirty="0" smtClean="0"/>
-              <a:t>5.</a:t>
-            </a:r>
-            <a:r>
-              <a:rPr kumimoji="1" lang="ja-JP" altLang="en-US" dirty="0" smtClean="0"/>
-              <a:t>こんな価格</a:t>
-            </a:r>
-            <a:r>
-              <a:rPr kumimoji="1" lang="en-US" altLang="ja-JP" b="1" dirty="0" smtClean="0"/>
+              <a:rPr kumimoji="1" lang="ja-JP" altLang="en-US" sz="2800" dirty="0" smtClean="0"/>
+              <a:t>事務仕事</a:t>
+            </a:r>
+            <a:r>
+              <a:rPr lang="ja-JP" altLang="en-US" sz="2800" dirty="0"/>
+              <a:t>の</a:t>
+            </a:r>
+            <a:r>
+              <a:rPr lang="ja-JP" altLang="en-US" sz="2800" dirty="0" smtClean="0"/>
+              <a:t>簡略化 </a:t>
+            </a:r>
+            <a:r>
+              <a:rPr lang="en-US" altLang="ja-JP" sz="2800" dirty="0" smtClean="0"/>
+              <a:t>– </a:t>
+            </a:r>
+            <a:r>
+              <a:rPr lang="ja-JP" altLang="en-US" sz="2800" dirty="0" smtClean="0"/>
+              <a:t>日報の記載をフォーマットから記載できたり、利用者とその家族の連絡する時に、簡単に多くの連絡先</a:t>
+            </a:r>
+            <a:r>
+              <a:rPr lang="en-US" altLang="ja-JP" sz="2800" dirty="0" smtClean="0"/>
               <a:t>(</a:t>
             </a:r>
             <a:r>
-              <a:rPr kumimoji="1" lang="ja-JP" altLang="en-US" b="1" dirty="0" smtClean="0"/>
-              <a:t>高い値段</a:t>
-            </a:r>
-            <a:r>
-              <a:rPr kumimoji="1" lang="en-US" altLang="ja-JP" b="1" dirty="0" smtClean="0"/>
+              <a:rPr lang="ja-JP" altLang="en-US" sz="2800" dirty="0" smtClean="0"/>
+              <a:t>携帯電話・メール・</a:t>
+            </a:r>
+            <a:r>
+              <a:rPr lang="en-US" altLang="ja-JP" sz="2800" dirty="0" smtClean="0"/>
+              <a:t>line</a:t>
+            </a:r>
+            <a:r>
+              <a:rPr lang="ja-JP" altLang="en-US" sz="2800" dirty="0" smtClean="0"/>
+              <a:t>など</a:t>
+            </a:r>
+            <a:r>
+              <a:rPr lang="en-US" altLang="ja-JP" sz="2800" dirty="0" smtClean="0"/>
               <a:t>)</a:t>
             </a:r>
             <a:r>
-              <a:rPr kumimoji="1" lang="ja-JP" altLang="en-US" dirty="0" smtClean="0"/>
-              <a:t>でこれくらいの期間</a:t>
-            </a:r>
-            <a:r>
-              <a:rPr kumimoji="1" lang="en-US" altLang="ja-JP" b="1" dirty="0" smtClean="0"/>
-              <a:t>(</a:t>
-            </a:r>
-            <a:r>
-              <a:rPr kumimoji="1" lang="ja-JP" altLang="en-US" b="1" dirty="0" smtClean="0"/>
-              <a:t>長い</a:t>
-            </a:r>
-            <a:r>
-              <a:rPr kumimoji="1" lang="en-US" altLang="ja-JP" dirty="0" smtClean="0"/>
-              <a:t>)</a:t>
-            </a:r>
-            <a:r>
-              <a:rPr kumimoji="1" lang="ja-JP" altLang="en-US" dirty="0" smtClean="0"/>
-              <a:t>です。</a:t>
-            </a:r>
-            <a:endParaRPr kumimoji="1" lang="ja-JP" altLang="en-US" dirty="0"/>
-          </a:p>
-        </p:txBody>
-      </p:sp>
-      <p:sp>
-        <p:nvSpPr>
-          <p:cNvPr id="18" name="角丸四角形吹き出し 17"/>
-          <p:cNvSpPr/>
-          <p:nvPr/>
-        </p:nvSpPr>
-        <p:spPr>
-          <a:xfrm>
-            <a:off x="1763688" y="5877272"/>
-            <a:ext cx="5616624" cy="792088"/>
-          </a:xfrm>
-          <a:prstGeom prst="wedgeRoundRectCallout">
-            <a:avLst>
-              <a:gd name="adj1" fmla="val -60161"/>
-              <a:gd name="adj2" fmla="val 1386"/>
-              <a:gd name="adj3" fmla="val 16667"/>
-            </a:avLst>
-          </a:prstGeom>
-        </p:spPr>
-        <p:style>
-          <a:lnRef idx="2">
-            <a:schemeClr val="accent1">
-              <a:shade val="50000"/>
-            </a:schemeClr>
-          </a:lnRef>
-          <a:fillRef idx="1">
-            <a:schemeClr val="accent1"/>
-          </a:fillRef>
-          <a:effectRef idx="0">
-            <a:schemeClr val="accent1"/>
-          </a:effectRef>
-          <a:fontRef idx="minor">
-            <a:schemeClr val="lt1"/>
-          </a:fontRef>
-        </p:style>
-        <p:txBody>
-          <a:bodyPr rtlCol="0" anchor="ctr"/>
-          <a:lstStyle/>
-          <a:p>
-            <a:pPr algn="ctr"/>
-            <a:r>
-              <a:rPr kumimoji="1" lang="en-US" altLang="ja-JP" dirty="0" smtClean="0"/>
-              <a:t>6.</a:t>
-            </a:r>
-            <a:r>
-              <a:rPr kumimoji="1" lang="ja-JP" altLang="en-US" dirty="0" smtClean="0"/>
-              <a:t>高いし、使えるようになるまでこんなにかかるのか！だったらそんなに無理してまでやる必要無い</a:t>
-            </a:r>
-            <a:endParaRPr kumimoji="1" lang="ja-JP" altLang="en-US" dirty="0"/>
+              <a:rPr lang="ja-JP" altLang="en-US" sz="2800" dirty="0" smtClean="0"/>
+              <a:t>を一度に確認できる。</a:t>
+            </a:r>
+            <a:endParaRPr lang="en-US" altLang="ja-JP" sz="2800" dirty="0" smtClean="0"/>
+          </a:p>
+          <a:p>
+            <a:pPr marL="514350" indent="-514350">
+              <a:buFont typeface="+mj-lt"/>
+              <a:buAutoNum type="arabicPeriod"/>
+            </a:pPr>
+            <a:r>
+              <a:rPr kumimoji="1" lang="ja-JP" altLang="en-US" sz="2800" dirty="0" smtClean="0"/>
+              <a:t>確認作業等の負荷軽減 </a:t>
+            </a:r>
+            <a:r>
+              <a:rPr kumimoji="1" lang="en-US" altLang="ja-JP" sz="2800" dirty="0" smtClean="0"/>
+              <a:t>+ </a:t>
+            </a:r>
+            <a:r>
+              <a:rPr kumimoji="1" lang="ja-JP" altLang="en-US" sz="2800" dirty="0" smtClean="0"/>
+              <a:t>確実性の増加 </a:t>
+            </a:r>
+            <a:r>
+              <a:rPr kumimoji="1" lang="en-US" altLang="ja-JP" sz="2800" dirty="0" smtClean="0"/>
+              <a:t>– </a:t>
+            </a:r>
+            <a:r>
+              <a:rPr kumimoji="1" lang="ja-JP" altLang="en-US" sz="2800" dirty="0" smtClean="0"/>
+              <a:t>施錠の確認や、</a:t>
+            </a:r>
+            <a:r>
+              <a:rPr kumimoji="1" lang="en-US" altLang="ja-JP" sz="2800" dirty="0" smtClean="0"/>
+              <a:t>Web</a:t>
+            </a:r>
+            <a:r>
+              <a:rPr kumimoji="1" lang="ja-JP" altLang="en-US" sz="2800" dirty="0" smtClean="0"/>
+              <a:t>カメラの活用により、一目で職員が足を使</a:t>
+            </a:r>
+            <a:r>
+              <a:rPr lang="ja-JP" altLang="en-US" sz="2800" dirty="0"/>
+              <a:t>うより</a:t>
+            </a:r>
+            <a:r>
+              <a:rPr kumimoji="1" lang="ja-JP" altLang="en-US" sz="2800" dirty="0" smtClean="0"/>
+              <a:t>確実に</a:t>
+            </a:r>
+            <a:r>
+              <a:rPr kumimoji="1" lang="ja-JP" altLang="en-US" sz="2800" dirty="0" smtClean="0"/>
+              <a:t>、確認</a:t>
+            </a:r>
+            <a:r>
+              <a:rPr kumimoji="1" lang="ja-JP" altLang="en-US" sz="2800" dirty="0" smtClean="0"/>
+              <a:t>作業を遂行できる。</a:t>
+            </a:r>
+            <a:endParaRPr kumimoji="1" lang="en-US" altLang="ja-JP" sz="2800" dirty="0" smtClean="0"/>
+          </a:p>
+          <a:p>
+            <a:pPr marL="514350" indent="-514350">
+              <a:buFont typeface="+mj-lt"/>
+              <a:buAutoNum type="arabicPeriod"/>
+            </a:pPr>
+            <a:r>
+              <a:rPr lang="ja-JP" altLang="en-US" sz="2800" dirty="0" smtClean="0"/>
+              <a:t>最先端技術の使用により、変化の予兆を人による確認より先にキャッチできる。</a:t>
+            </a:r>
+            <a:endParaRPr kumimoji="1" lang="en-US" altLang="ja-JP" sz="2800" dirty="0" smtClean="0"/>
+          </a:p>
+          <a:p>
+            <a:pPr marL="514350" indent="-514350">
+              <a:buFont typeface="+mj-lt"/>
+              <a:buAutoNum type="arabicPeriod"/>
+            </a:pPr>
+            <a:endParaRPr kumimoji="1" lang="ja-JP" altLang="en-US" sz="2800" dirty="0"/>
           </a:p>
         </p:txBody>
       </p:sp>
@@ -5747,6 +7754,31 @@
       </p:grpSpPr>
       <p:sp>
         <p:nvSpPr>
+          <p:cNvPr id="2" name="タイトル 1"/>
+          <p:cNvSpPr>
+            <a:spLocks noGrp="1"/>
+          </p:cNvSpPr>
+          <p:nvPr>
+            <p:ph type="title"/>
+          </p:nvPr>
+        </p:nvSpPr>
+        <p:spPr/>
+        <p:txBody>
+          <a:bodyPr>
+            <a:normAutofit fontScale="90000"/>
+          </a:bodyPr>
+          <a:lstStyle/>
+          <a:p>
+            <a:r>
+              <a:rPr lang="ja-JP" altLang="en-US" dirty="0" smtClean="0"/>
+              <a:t>できていない理由とさらなるメリット</a:t>
+            </a:r>
+            <a:endParaRPr kumimoji="1" lang="ja-JP" altLang="en-US" dirty="0"/>
+          </a:p>
+        </p:txBody>
+      </p:sp>
+      <p:sp>
+        <p:nvSpPr>
           <p:cNvPr id="3" name="コンテンツ プレースホルダ 2"/>
           <p:cNvSpPr>
             <a:spLocks noGrp="1"/>
@@ -5755,43 +7787,7 @@
             <p:ph idx="1"/>
           </p:nvPr>
         </p:nvSpPr>
-        <p:spPr>
-          <a:xfrm>
-            <a:off x="467544" y="908720"/>
-            <a:ext cx="3744416" cy="648072"/>
-          </a:xfrm>
-        </p:spPr>
-        <p:txBody>
-          <a:bodyPr/>
-          <a:lstStyle/>
-          <a:p>
-            <a:pPr>
-              <a:buNone/>
-            </a:pPr>
-            <a:r>
-              <a:rPr kumimoji="1" lang="ja-JP" altLang="en-US" dirty="0" smtClean="0"/>
-              <a:t>カワマタいる場合</a:t>
-            </a:r>
-            <a:endParaRPr kumimoji="1" lang="en-US" altLang="ja-JP" dirty="0" smtClean="0"/>
-          </a:p>
-        </p:txBody>
-      </p:sp>
-      <p:sp>
-        <p:nvSpPr>
-          <p:cNvPr id="4" name="タイトル 3"/>
-          <p:cNvSpPr>
-            <a:spLocks noGrp="1"/>
-          </p:cNvSpPr>
-          <p:nvPr>
-            <p:ph type="title"/>
-          </p:nvPr>
-        </p:nvSpPr>
-        <p:spPr>
-          <a:xfrm>
-            <a:off x="467544" y="0"/>
-            <a:ext cx="8229600" cy="1143000"/>
-          </a:xfrm>
-        </p:spPr>
+        <p:spPr/>
         <p:txBody>
           <a:bodyPr>
             <a:normAutofit/>
@@ -5799,629 +7795,53 @@
           <a:lstStyle/>
           <a:p>
             <a:r>
-              <a:rPr lang="ja-JP" altLang="en-US" dirty="0" smtClean="0"/>
-              <a:t>最新技術を使いたい場合の絵図</a:t>
-            </a:r>
-            <a:endParaRPr kumimoji="1" lang="ja-JP" altLang="en-US" dirty="0"/>
-          </a:p>
-        </p:txBody>
-      </p:sp>
-      <p:sp>
-        <p:nvSpPr>
-          <p:cNvPr id="5" name="正方形/長方形 4"/>
-          <p:cNvSpPr/>
-          <p:nvPr/>
-        </p:nvSpPr>
-        <p:spPr>
-          <a:xfrm>
-            <a:off x="611560" y="2060848"/>
-            <a:ext cx="576064" cy="4464496"/>
-          </a:xfrm>
-          <a:prstGeom prst="rect">
-            <a:avLst/>
-          </a:prstGeom>
-        </p:spPr>
-        <p:style>
-          <a:lnRef idx="2">
-            <a:schemeClr val="accent1">
-              <a:shade val="50000"/>
-            </a:schemeClr>
-          </a:lnRef>
-          <a:fillRef idx="1">
-            <a:schemeClr val="accent1"/>
-          </a:fillRef>
-          <a:effectRef idx="0">
-            <a:schemeClr val="accent1"/>
-          </a:effectRef>
-          <a:fontRef idx="minor">
-            <a:schemeClr val="lt1"/>
-          </a:fontRef>
-        </p:style>
-        <p:txBody>
-          <a:bodyPr rtlCol="0" anchor="ctr"/>
-          <a:lstStyle/>
-          <a:p>
-            <a:pPr algn="ctr"/>
-            <a:endParaRPr kumimoji="1" lang="ja-JP" altLang="en-US"/>
-          </a:p>
-        </p:txBody>
-      </p:sp>
-      <p:sp>
-        <p:nvSpPr>
-          <p:cNvPr id="6" name="正方形/長方形 5"/>
-          <p:cNvSpPr/>
-          <p:nvPr/>
-        </p:nvSpPr>
-        <p:spPr>
-          <a:xfrm>
-            <a:off x="8100392" y="2132856"/>
-            <a:ext cx="432048" cy="4464496"/>
-          </a:xfrm>
-          <a:prstGeom prst="rect">
-            <a:avLst/>
-          </a:prstGeom>
-        </p:spPr>
-        <p:style>
-          <a:lnRef idx="2">
-            <a:schemeClr val="accent1">
-              <a:shade val="50000"/>
-            </a:schemeClr>
-          </a:lnRef>
-          <a:fillRef idx="1">
-            <a:schemeClr val="accent1"/>
-          </a:fillRef>
-          <a:effectRef idx="0">
-            <a:schemeClr val="accent1"/>
-          </a:effectRef>
-          <a:fontRef idx="minor">
-            <a:schemeClr val="lt1"/>
-          </a:fontRef>
-        </p:style>
-        <p:txBody>
-          <a:bodyPr rtlCol="0" anchor="ctr"/>
-          <a:lstStyle/>
-          <a:p>
-            <a:pPr algn="ctr"/>
-            <a:endParaRPr kumimoji="1" lang="ja-JP" altLang="en-US"/>
-          </a:p>
-        </p:txBody>
-      </p:sp>
-      <p:sp>
-        <p:nvSpPr>
-          <p:cNvPr id="7" name="角丸四角形 6"/>
-          <p:cNvSpPr/>
-          <p:nvPr/>
-        </p:nvSpPr>
-        <p:spPr>
-          <a:xfrm>
-            <a:off x="179512" y="1412776"/>
-            <a:ext cx="1440160" cy="576064"/>
-          </a:xfrm>
-          <a:prstGeom prst="roundRect">
-            <a:avLst/>
-          </a:prstGeom>
-          <a:solidFill>
-            <a:schemeClr val="bg1"/>
-          </a:solidFill>
-          <a:ln>
-            <a:solidFill>
-              <a:srgbClr val="FF0000"/>
-            </a:solidFill>
-          </a:ln>
-        </p:spPr>
-        <p:style>
-          <a:lnRef idx="2">
-            <a:schemeClr val="accent1">
-              <a:shade val="50000"/>
-            </a:schemeClr>
-          </a:lnRef>
-          <a:fillRef idx="1">
-            <a:schemeClr val="accent1"/>
-          </a:fillRef>
-          <a:effectRef idx="0">
-            <a:schemeClr val="accent1"/>
-          </a:effectRef>
-          <a:fontRef idx="minor">
-            <a:schemeClr val="lt1"/>
-          </a:fontRef>
-        </p:style>
-        <p:txBody>
-          <a:bodyPr rtlCol="0" anchor="ctr"/>
-          <a:lstStyle/>
-          <a:p>
-            <a:pPr algn="ctr"/>
-            <a:r>
-              <a:rPr kumimoji="1" lang="ja-JP" altLang="en-US" dirty="0" smtClean="0">
-                <a:solidFill>
-                  <a:schemeClr val="tx1"/>
-                </a:solidFill>
-              </a:rPr>
-              <a:t>施設側</a:t>
-            </a:r>
-            <a:endParaRPr kumimoji="1" lang="ja-JP" altLang="en-US" dirty="0">
-              <a:solidFill>
-                <a:schemeClr val="tx1"/>
-              </a:solidFill>
-            </a:endParaRPr>
-          </a:p>
-        </p:txBody>
-      </p:sp>
-      <p:sp>
-        <p:nvSpPr>
-          <p:cNvPr id="8" name="角丸四角形 7"/>
-          <p:cNvSpPr/>
-          <p:nvPr/>
-        </p:nvSpPr>
-        <p:spPr>
-          <a:xfrm>
-            <a:off x="7596336" y="1484784"/>
-            <a:ext cx="1368152" cy="576064"/>
-          </a:xfrm>
-          <a:prstGeom prst="roundRect">
-            <a:avLst/>
-          </a:prstGeom>
-          <a:solidFill>
-            <a:schemeClr val="bg1"/>
-          </a:solidFill>
-          <a:ln>
-            <a:solidFill>
-              <a:srgbClr val="FF0000"/>
-            </a:solidFill>
-          </a:ln>
-        </p:spPr>
-        <p:style>
-          <a:lnRef idx="2">
-            <a:schemeClr val="accent1">
-              <a:shade val="50000"/>
-            </a:schemeClr>
-          </a:lnRef>
-          <a:fillRef idx="1">
-            <a:schemeClr val="accent1"/>
-          </a:fillRef>
-          <a:effectRef idx="0">
-            <a:schemeClr val="accent1"/>
-          </a:effectRef>
-          <a:fontRef idx="minor">
-            <a:schemeClr val="lt1"/>
-          </a:fontRef>
-        </p:style>
-        <p:txBody>
-          <a:bodyPr rtlCol="0" anchor="ctr"/>
-          <a:lstStyle/>
-          <a:p>
-            <a:pPr algn="ctr"/>
-            <a:r>
-              <a:rPr kumimoji="1" lang="ja-JP" altLang="en-US" dirty="0" smtClean="0">
-                <a:solidFill>
-                  <a:schemeClr val="tx1"/>
-                </a:solidFill>
-              </a:rPr>
-              <a:t>カワマタ</a:t>
-            </a:r>
-            <a:endParaRPr kumimoji="1" lang="ja-JP" altLang="en-US" dirty="0">
-              <a:solidFill>
-                <a:schemeClr val="tx1"/>
-              </a:solidFill>
-            </a:endParaRPr>
-          </a:p>
-        </p:txBody>
-      </p:sp>
-      <p:sp>
-        <p:nvSpPr>
-          <p:cNvPr id="9" name="右矢印 8"/>
-          <p:cNvSpPr/>
-          <p:nvPr/>
-        </p:nvSpPr>
-        <p:spPr>
-          <a:xfrm>
-            <a:off x="1763688" y="1700808"/>
-            <a:ext cx="5760640" cy="792088"/>
-          </a:xfrm>
-          <a:prstGeom prst="rightArrow">
-            <a:avLst/>
-          </a:prstGeom>
-          <a:solidFill>
-            <a:schemeClr val="accent5"/>
-          </a:solidFill>
-          <a:ln>
-            <a:solidFill>
-              <a:schemeClr val="tx1">
-                <a:lumMod val="75000"/>
-                <a:lumOff val="25000"/>
-              </a:schemeClr>
-            </a:solidFill>
-          </a:ln>
-        </p:spPr>
-        <p:style>
-          <a:lnRef idx="2">
-            <a:schemeClr val="accent1">
-              <a:shade val="50000"/>
-            </a:schemeClr>
-          </a:lnRef>
-          <a:fillRef idx="1">
-            <a:schemeClr val="accent1"/>
-          </a:fillRef>
-          <a:effectRef idx="0">
-            <a:schemeClr val="accent1"/>
-          </a:effectRef>
-          <a:fontRef idx="minor">
-            <a:schemeClr val="lt1"/>
-          </a:fontRef>
-        </p:style>
-        <p:txBody>
-          <a:bodyPr rtlCol="0" anchor="ctr"/>
-          <a:lstStyle/>
-          <a:p>
-            <a:pPr algn="ctr"/>
-            <a:r>
-              <a:rPr kumimoji="1" lang="en-US" altLang="ja-JP" dirty="0" smtClean="0"/>
-              <a:t>1.</a:t>
-            </a:r>
-            <a:r>
-              <a:rPr kumimoji="1" lang="ja-JP" altLang="en-US" dirty="0" smtClean="0"/>
-              <a:t>最新</a:t>
-            </a:r>
-            <a:r>
-              <a:rPr lang="ja-JP" altLang="en-US" dirty="0" smtClean="0"/>
-              <a:t>技術を使いたい</a:t>
-            </a:r>
-            <a:endParaRPr kumimoji="1" lang="ja-JP" altLang="en-US" dirty="0"/>
-          </a:p>
-        </p:txBody>
-      </p:sp>
-      <p:sp>
-        <p:nvSpPr>
-          <p:cNvPr id="12" name="左矢印 11"/>
-          <p:cNvSpPr/>
-          <p:nvPr/>
-        </p:nvSpPr>
-        <p:spPr>
-          <a:xfrm>
-            <a:off x="1619672" y="2348880"/>
-            <a:ext cx="5904656" cy="720080"/>
-          </a:xfrm>
-          <a:prstGeom prst="leftArrow">
-            <a:avLst/>
-          </a:prstGeom>
-          <a:solidFill>
-            <a:schemeClr val="accent2">
-              <a:lumMod val="60000"/>
-              <a:lumOff val="40000"/>
-            </a:schemeClr>
-          </a:solidFill>
-        </p:spPr>
-        <p:style>
-          <a:lnRef idx="2">
-            <a:schemeClr val="accent1">
-              <a:shade val="50000"/>
-            </a:schemeClr>
-          </a:lnRef>
-          <a:fillRef idx="1">
-            <a:schemeClr val="accent1"/>
-          </a:fillRef>
-          <a:effectRef idx="0">
-            <a:schemeClr val="accent1"/>
-          </a:effectRef>
-          <a:fontRef idx="minor">
-            <a:schemeClr val="lt1"/>
-          </a:fontRef>
-        </p:style>
-        <p:txBody>
-          <a:bodyPr rtlCol="0" anchor="ctr"/>
-          <a:lstStyle/>
-          <a:p>
-            <a:pPr algn="ctr"/>
-            <a:r>
-              <a:rPr kumimoji="1" lang="en-US" altLang="ja-JP" dirty="0" smtClean="0"/>
-              <a:t>2.</a:t>
-            </a:r>
-            <a:r>
-              <a:rPr kumimoji="1" lang="ja-JP" altLang="en-US" dirty="0" smtClean="0"/>
-              <a:t>何をどんなふうに？利用条件は？予算は？</a:t>
-            </a:r>
-            <a:endParaRPr kumimoji="1" lang="ja-JP" altLang="en-US" dirty="0"/>
-          </a:p>
-        </p:txBody>
-      </p:sp>
-      <p:sp>
-        <p:nvSpPr>
-          <p:cNvPr id="13" name="右矢印 12"/>
-          <p:cNvSpPr/>
-          <p:nvPr/>
-        </p:nvSpPr>
-        <p:spPr>
-          <a:xfrm>
-            <a:off x="1763688" y="2996952"/>
-            <a:ext cx="5760640" cy="792088"/>
-          </a:xfrm>
-          <a:prstGeom prst="rightArrow">
-            <a:avLst/>
-          </a:prstGeom>
-          <a:solidFill>
-            <a:schemeClr val="accent5"/>
-          </a:solidFill>
-          <a:ln>
-            <a:solidFill>
-              <a:schemeClr val="tx1">
-                <a:lumMod val="75000"/>
-                <a:lumOff val="25000"/>
-              </a:schemeClr>
-            </a:solidFill>
-          </a:ln>
-        </p:spPr>
-        <p:style>
-          <a:lnRef idx="2">
-            <a:schemeClr val="accent1">
-              <a:shade val="50000"/>
-            </a:schemeClr>
-          </a:lnRef>
-          <a:fillRef idx="1">
-            <a:schemeClr val="accent1"/>
-          </a:fillRef>
-          <a:effectRef idx="0">
-            <a:schemeClr val="accent1"/>
-          </a:effectRef>
-          <a:fontRef idx="minor">
-            <a:schemeClr val="lt1"/>
-          </a:fontRef>
-        </p:style>
-        <p:txBody>
-          <a:bodyPr rtlCol="0" anchor="ctr"/>
-          <a:lstStyle/>
-          <a:p>
-            <a:pPr algn="ctr"/>
-            <a:r>
-              <a:rPr kumimoji="1" lang="en-US" altLang="ja-JP" dirty="0" smtClean="0"/>
-              <a:t>3.(</a:t>
-            </a:r>
-            <a:r>
-              <a:rPr kumimoji="1" lang="ja-JP" altLang="en-US" dirty="0" smtClean="0"/>
-              <a:t>例えば</a:t>
-            </a:r>
-            <a:r>
-              <a:rPr kumimoji="1" lang="en-US" altLang="ja-JP" dirty="0" smtClean="0"/>
-              <a:t>)AI</a:t>
-            </a:r>
-            <a:r>
-              <a:rPr kumimoji="1" lang="ja-JP" altLang="en-US" dirty="0" smtClean="0"/>
-              <a:t>を使ってうまいこと適正値段で</a:t>
-            </a:r>
-            <a:endParaRPr kumimoji="1" lang="ja-JP" altLang="en-US" dirty="0"/>
-          </a:p>
-        </p:txBody>
-      </p:sp>
-      <p:sp>
-        <p:nvSpPr>
-          <p:cNvPr id="15" name="角丸四角形吹き出し 14"/>
-          <p:cNvSpPr/>
-          <p:nvPr/>
-        </p:nvSpPr>
-        <p:spPr>
-          <a:xfrm>
-            <a:off x="1835696" y="3789040"/>
-            <a:ext cx="5328592" cy="936104"/>
-          </a:xfrm>
-          <a:prstGeom prst="wedgeRoundRectCallout">
-            <a:avLst>
-              <a:gd name="adj1" fmla="val 61545"/>
-              <a:gd name="adj2" fmla="val 8900"/>
-              <a:gd name="adj3" fmla="val 16667"/>
-            </a:avLst>
-          </a:prstGeom>
-        </p:spPr>
-        <p:style>
-          <a:lnRef idx="2">
-            <a:schemeClr val="accent1">
-              <a:shade val="50000"/>
-            </a:schemeClr>
-          </a:lnRef>
-          <a:fillRef idx="1">
-            <a:schemeClr val="accent1"/>
-          </a:fillRef>
-          <a:effectRef idx="0">
-            <a:schemeClr val="accent1"/>
-          </a:effectRef>
-          <a:fontRef idx="minor">
-            <a:schemeClr val="lt1"/>
-          </a:fontRef>
-        </p:style>
-        <p:txBody>
-          <a:bodyPr rtlCol="0" anchor="ctr"/>
-          <a:lstStyle/>
-          <a:p>
-            <a:pPr algn="ctr"/>
-            <a:r>
-              <a:rPr kumimoji="1" lang="en-US" altLang="ja-JP" dirty="0" smtClean="0"/>
-              <a:t>4.</a:t>
-            </a:r>
-            <a:r>
-              <a:rPr kumimoji="1" lang="ja-JP" altLang="en-US" dirty="0" smtClean="0"/>
-              <a:t>この施設に本当に必要な機能は</a:t>
-            </a:r>
-            <a:r>
-              <a:rPr kumimoji="1" lang="en-US" altLang="ja-JP" dirty="0" smtClean="0"/>
-              <a:t>XX</a:t>
-            </a:r>
-            <a:r>
-              <a:rPr kumimoji="1" lang="ja-JP" altLang="en-US" dirty="0" smtClean="0"/>
-              <a:t>かな？いくつかのシステム会社にあたってみて、どれくらいでできるかの見積もりとっておこう。</a:t>
-            </a:r>
-            <a:endParaRPr kumimoji="1" lang="ja-JP" altLang="en-US" dirty="0"/>
-          </a:p>
-        </p:txBody>
-      </p:sp>
-      <p:sp>
-        <p:nvSpPr>
-          <p:cNvPr id="16" name="左矢印 15"/>
-          <p:cNvSpPr/>
-          <p:nvPr/>
-        </p:nvSpPr>
-        <p:spPr>
-          <a:xfrm>
-            <a:off x="1475656" y="5229200"/>
-            <a:ext cx="5904656" cy="864096"/>
-          </a:xfrm>
-          <a:prstGeom prst="leftArrow">
-            <a:avLst/>
-          </a:prstGeom>
-          <a:solidFill>
-            <a:schemeClr val="accent2">
-              <a:lumMod val="60000"/>
-              <a:lumOff val="40000"/>
-            </a:schemeClr>
-          </a:solidFill>
-        </p:spPr>
-        <p:style>
-          <a:lnRef idx="2">
-            <a:schemeClr val="accent1">
-              <a:shade val="50000"/>
-            </a:schemeClr>
-          </a:lnRef>
-          <a:fillRef idx="1">
-            <a:schemeClr val="accent1"/>
-          </a:fillRef>
-          <a:effectRef idx="0">
-            <a:schemeClr val="accent1"/>
-          </a:effectRef>
-          <a:fontRef idx="minor">
-            <a:schemeClr val="lt1"/>
-          </a:fontRef>
-        </p:style>
-        <p:txBody>
-          <a:bodyPr rtlCol="0" anchor="ctr"/>
-          <a:lstStyle/>
-          <a:p>
-            <a:pPr algn="ctr"/>
-            <a:r>
-              <a:rPr lang="en-US" altLang="ja-JP" dirty="0"/>
-              <a:t>7</a:t>
-            </a:r>
-            <a:r>
-              <a:rPr kumimoji="1" lang="en-US" altLang="ja-JP" dirty="0" smtClean="0"/>
-              <a:t>.</a:t>
-            </a:r>
-            <a:r>
-              <a:rPr kumimoji="1" lang="ja-JP" altLang="en-US" dirty="0" smtClean="0"/>
-              <a:t>まずは</a:t>
-            </a:r>
-            <a:r>
-              <a:rPr kumimoji="1" lang="en-US" altLang="ja-JP" dirty="0" smtClean="0"/>
-              <a:t>XX</a:t>
-            </a:r>
-            <a:r>
-              <a:rPr kumimoji="1" lang="ja-JP" altLang="en-US" dirty="0" smtClean="0"/>
-              <a:t>という機能でしたら、</a:t>
-            </a:r>
-            <a:r>
-              <a:rPr kumimoji="1" lang="en-US" altLang="ja-JP" dirty="0" smtClean="0"/>
-              <a:t>YY</a:t>
-            </a:r>
-            <a:r>
-              <a:rPr kumimoji="1" lang="ja-JP" altLang="en-US" dirty="0" smtClean="0"/>
-              <a:t>円くらいでできそうです。</a:t>
-            </a:r>
-            <a:endParaRPr kumimoji="1" lang="ja-JP" altLang="en-US" dirty="0"/>
-          </a:p>
-        </p:txBody>
-      </p:sp>
-      <p:sp>
-        <p:nvSpPr>
-          <p:cNvPr id="17" name="角丸四角形吹き出し 16"/>
-          <p:cNvSpPr/>
-          <p:nvPr/>
-        </p:nvSpPr>
-        <p:spPr>
-          <a:xfrm>
-            <a:off x="1763688" y="6093296"/>
-            <a:ext cx="5328592" cy="720080"/>
-          </a:xfrm>
-          <a:prstGeom prst="wedgeRoundRectCallout">
-            <a:avLst>
-              <a:gd name="adj1" fmla="val -58049"/>
-              <a:gd name="adj2" fmla="val 14911"/>
-              <a:gd name="adj3" fmla="val 16667"/>
-            </a:avLst>
-          </a:prstGeom>
-        </p:spPr>
-        <p:style>
-          <a:lnRef idx="2">
-            <a:schemeClr val="accent1">
-              <a:shade val="50000"/>
-            </a:schemeClr>
-          </a:lnRef>
-          <a:fillRef idx="1">
-            <a:schemeClr val="accent1"/>
-          </a:fillRef>
-          <a:effectRef idx="0">
-            <a:schemeClr val="accent1"/>
-          </a:effectRef>
-          <a:fontRef idx="minor">
-            <a:schemeClr val="lt1"/>
-          </a:fontRef>
-        </p:style>
-        <p:txBody>
-          <a:bodyPr rtlCol="0" anchor="ctr"/>
-          <a:lstStyle/>
-          <a:p>
-            <a:pPr algn="ctr"/>
-            <a:r>
-              <a:rPr kumimoji="1" lang="en-US" altLang="ja-JP" dirty="0" smtClean="0"/>
-              <a:t>8.</a:t>
-            </a:r>
-            <a:r>
-              <a:rPr lang="ja-JP" altLang="en-US" dirty="0" smtClean="0"/>
-              <a:t>意外と安くできるのか。この値段を受けて導入するか考えてみよう！</a:t>
-            </a:r>
-            <a:endParaRPr kumimoji="1" lang="ja-JP" altLang="en-US" dirty="0"/>
-          </a:p>
-        </p:txBody>
-      </p:sp>
-      <p:sp>
-        <p:nvSpPr>
-          <p:cNvPr id="19" name="下矢印 18"/>
-          <p:cNvSpPr/>
-          <p:nvPr/>
-        </p:nvSpPr>
-        <p:spPr>
-          <a:xfrm>
-            <a:off x="2339752" y="4797152"/>
-            <a:ext cx="4536504" cy="576064"/>
-          </a:xfrm>
-          <a:prstGeom prst="downArrow">
-            <a:avLst/>
-          </a:prstGeom>
-          <a:solidFill>
-            <a:schemeClr val="bg2">
-              <a:lumMod val="10000"/>
-            </a:schemeClr>
-          </a:solidFill>
-        </p:spPr>
-        <p:style>
-          <a:lnRef idx="2">
-            <a:schemeClr val="accent1">
-              <a:shade val="50000"/>
-            </a:schemeClr>
-          </a:lnRef>
-          <a:fillRef idx="1">
-            <a:schemeClr val="accent1"/>
-          </a:fillRef>
-          <a:effectRef idx="0">
-            <a:schemeClr val="accent1"/>
-          </a:effectRef>
-          <a:fontRef idx="minor">
-            <a:schemeClr val="lt1"/>
-          </a:fontRef>
-        </p:style>
-        <p:txBody>
-          <a:bodyPr rtlCol="0" anchor="ctr"/>
-          <a:lstStyle/>
-          <a:p>
-            <a:pPr algn="ctr"/>
-            <a:r>
-              <a:rPr kumimoji="1" lang="ja-JP" altLang="en-US" dirty="0" smtClean="0"/>
-              <a:t>見積後</a:t>
-            </a:r>
-            <a:endParaRPr kumimoji="1" lang="ja-JP" altLang="en-US" dirty="0"/>
+              <a:rPr lang="ja-JP" altLang="en-US" sz="2800" dirty="0" smtClean="0"/>
+              <a:t>現在の福祉施設で問題なことは、前頁で記載したようなことを取り入れられないことではなく、そのようなことをできることが分か</a:t>
+            </a:r>
+            <a:r>
+              <a:rPr lang="ja-JP" altLang="en-US" sz="2800" dirty="0"/>
+              <a:t>る人がいない</a:t>
+            </a:r>
+            <a:r>
+              <a:rPr lang="ja-JP" altLang="en-US" sz="2800" dirty="0" smtClean="0"/>
+              <a:t>こと。さらに相談できる相手がいないこと。</a:t>
+            </a:r>
+            <a:endParaRPr lang="en-US" altLang="ja-JP" sz="2800" dirty="0" smtClean="0"/>
+          </a:p>
+          <a:p>
+            <a:r>
+              <a:rPr lang="ja-JP" altLang="en-US" sz="2800" dirty="0" smtClean="0"/>
+              <a:t>機能</a:t>
+            </a:r>
+            <a:r>
+              <a:rPr lang="ja-JP" altLang="en-US" sz="2800" dirty="0" smtClean="0"/>
+              <a:t>の作成などまで行うかどうかはともかく、例えばパソコンの操作方法</a:t>
+            </a:r>
+            <a:r>
+              <a:rPr lang="en-US" altLang="ja-JP" sz="2800" dirty="0" smtClean="0"/>
+              <a:t>(</a:t>
+            </a:r>
+            <a:r>
+              <a:rPr lang="ja-JP" altLang="en-US" sz="2800" dirty="0" smtClean="0"/>
+              <a:t>職員・利用者両方</a:t>
+            </a:r>
+            <a:r>
+              <a:rPr lang="en-US" altLang="ja-JP" sz="2800" dirty="0" smtClean="0"/>
+              <a:t>)</a:t>
+            </a:r>
+            <a:r>
+              <a:rPr lang="ja-JP" altLang="en-US" sz="2800" dirty="0" smtClean="0"/>
+              <a:t>教室など、</a:t>
+            </a:r>
+            <a:r>
+              <a:rPr lang="en-US" altLang="ja-JP" sz="2800" dirty="0" smtClean="0"/>
+              <a:t>IT</a:t>
+            </a:r>
+            <a:r>
+              <a:rPr lang="ja-JP" altLang="en-US" sz="2800" dirty="0" smtClean="0"/>
+              <a:t>関係全般の知識啓蒙は需要があり、そのために投資しても、施設側に金額以上のメリットはあると思われる。</a:t>
+            </a:r>
+            <a:endParaRPr lang="en-US" altLang="ja-JP" sz="2800" dirty="0" smtClean="0"/>
           </a:p>
         </p:txBody>
       </p:sp>

--- a/資料/福祉ITコンサルの可能性について.pptx
+++ b/資料/福祉ITコンサルの可能性について.pptx
@@ -7,25 +7,26 @@
   <p:sldIdLst>
     <p:sldId id="256" r:id="rId2"/>
     <p:sldId id="257" r:id="rId3"/>
-    <p:sldId id="272" r:id="rId4"/>
-    <p:sldId id="273" r:id="rId5"/>
-    <p:sldId id="268" r:id="rId6"/>
-    <p:sldId id="274" r:id="rId7"/>
-    <p:sldId id="258" r:id="rId8"/>
-    <p:sldId id="259" r:id="rId9"/>
-    <p:sldId id="260" r:id="rId10"/>
-    <p:sldId id="275" r:id="rId11"/>
-    <p:sldId id="261" r:id="rId12"/>
-    <p:sldId id="262" r:id="rId13"/>
-    <p:sldId id="263" r:id="rId14"/>
-    <p:sldId id="265" r:id="rId15"/>
-    <p:sldId id="267" r:id="rId16"/>
-    <p:sldId id="276" r:id="rId17"/>
-    <p:sldId id="270" r:id="rId18"/>
-    <p:sldId id="264" r:id="rId19"/>
-    <p:sldId id="269" r:id="rId20"/>
-    <p:sldId id="271" r:id="rId21"/>
-    <p:sldId id="277" r:id="rId22"/>
+    <p:sldId id="278" r:id="rId4"/>
+    <p:sldId id="272" r:id="rId5"/>
+    <p:sldId id="273" r:id="rId6"/>
+    <p:sldId id="268" r:id="rId7"/>
+    <p:sldId id="274" r:id="rId8"/>
+    <p:sldId id="258" r:id="rId9"/>
+    <p:sldId id="259" r:id="rId10"/>
+    <p:sldId id="260" r:id="rId11"/>
+    <p:sldId id="275" r:id="rId12"/>
+    <p:sldId id="261" r:id="rId13"/>
+    <p:sldId id="262" r:id="rId14"/>
+    <p:sldId id="263" r:id="rId15"/>
+    <p:sldId id="265" r:id="rId16"/>
+    <p:sldId id="267" r:id="rId17"/>
+    <p:sldId id="276" r:id="rId18"/>
+    <p:sldId id="270" r:id="rId19"/>
+    <p:sldId id="264" r:id="rId20"/>
+    <p:sldId id="269" r:id="rId21"/>
+    <p:sldId id="271" r:id="rId22"/>
+    <p:sldId id="277" r:id="rId23"/>
   </p:sldIdLst>
   <p:sldSz cx="9144000" cy="6858000" type="screen4x3"/>
   <p:notesSz cx="6858000" cy="9144000"/>
@@ -309,7 +310,7 @@
             <a:fld id="{4214307A-2611-46AB-AAA1-4646070AE98B}" type="datetimeFigureOut">
               <a:rPr kumimoji="1" lang="ja-JP" altLang="en-US" smtClean="0"/>
               <a:pPr/>
-              <a:t>2017/7/10</a:t>
+              <a:t>2017/7/11</a:t>
             </a:fld>
             <a:endParaRPr kumimoji="1" lang="ja-JP" altLang="en-US"/>
           </a:p>
@@ -508,7 +509,7 @@
             <a:fld id="{4214307A-2611-46AB-AAA1-4646070AE98B}" type="datetimeFigureOut">
               <a:rPr kumimoji="1" lang="ja-JP" altLang="en-US" smtClean="0"/>
               <a:pPr/>
-              <a:t>2017/7/10</a:t>
+              <a:t>2017/7/11</a:t>
             </a:fld>
             <a:endParaRPr kumimoji="1" lang="ja-JP" altLang="en-US"/>
           </a:p>
@@ -717,7 +718,7 @@
             <a:fld id="{4214307A-2611-46AB-AAA1-4646070AE98B}" type="datetimeFigureOut">
               <a:rPr kumimoji="1" lang="ja-JP" altLang="en-US" smtClean="0"/>
               <a:pPr/>
-              <a:t>2017/7/10</a:t>
+              <a:t>2017/7/11</a:t>
             </a:fld>
             <a:endParaRPr kumimoji="1" lang="ja-JP" altLang="en-US"/>
           </a:p>
@@ -916,7 +917,7 @@
             <a:fld id="{4214307A-2611-46AB-AAA1-4646070AE98B}" type="datetimeFigureOut">
               <a:rPr kumimoji="1" lang="ja-JP" altLang="en-US" smtClean="0"/>
               <a:pPr/>
-              <a:t>2017/7/10</a:t>
+              <a:t>2017/7/11</a:t>
             </a:fld>
             <a:endParaRPr kumimoji="1" lang="ja-JP" altLang="en-US"/>
           </a:p>
@@ -1159,7 +1160,7 @@
             <a:fld id="{4214307A-2611-46AB-AAA1-4646070AE98B}" type="datetimeFigureOut">
               <a:rPr kumimoji="1" lang="ja-JP" altLang="en-US" smtClean="0"/>
               <a:pPr/>
-              <a:t>2017/7/10</a:t>
+              <a:t>2017/7/11</a:t>
             </a:fld>
             <a:endParaRPr kumimoji="1" lang="ja-JP" altLang="en-US"/>
           </a:p>
@@ -1508,7 +1509,7 @@
             <a:fld id="{4214307A-2611-46AB-AAA1-4646070AE98B}" type="datetimeFigureOut">
               <a:rPr kumimoji="1" lang="ja-JP" altLang="en-US" smtClean="0"/>
               <a:pPr/>
-              <a:t>2017/7/10</a:t>
+              <a:t>2017/7/11</a:t>
             </a:fld>
             <a:endParaRPr kumimoji="1" lang="ja-JP" altLang="en-US"/>
           </a:p>
@@ -1991,7 +1992,7 @@
             <a:fld id="{4214307A-2611-46AB-AAA1-4646070AE98B}" type="datetimeFigureOut">
               <a:rPr kumimoji="1" lang="ja-JP" altLang="en-US" smtClean="0"/>
               <a:pPr/>
-              <a:t>2017/7/10</a:t>
+              <a:t>2017/7/11</a:t>
             </a:fld>
             <a:endParaRPr kumimoji="1" lang="ja-JP" altLang="en-US"/>
           </a:p>
@@ -2106,7 +2107,7 @@
             <a:fld id="{4214307A-2611-46AB-AAA1-4646070AE98B}" type="datetimeFigureOut">
               <a:rPr kumimoji="1" lang="ja-JP" altLang="en-US" smtClean="0"/>
               <a:pPr/>
-              <a:t>2017/7/10</a:t>
+              <a:t>2017/7/11</a:t>
             </a:fld>
             <a:endParaRPr kumimoji="1" lang="ja-JP" altLang="en-US"/>
           </a:p>
@@ -2198,7 +2199,7 @@
             <a:fld id="{4214307A-2611-46AB-AAA1-4646070AE98B}" type="datetimeFigureOut">
               <a:rPr kumimoji="1" lang="ja-JP" altLang="en-US" smtClean="0"/>
               <a:pPr/>
-              <a:t>2017/7/10</a:t>
+              <a:t>2017/7/11</a:t>
             </a:fld>
             <a:endParaRPr kumimoji="1" lang="ja-JP" altLang="en-US"/>
           </a:p>
@@ -2504,7 +2505,7 @@
             <a:fld id="{4214307A-2611-46AB-AAA1-4646070AE98B}" type="datetimeFigureOut">
               <a:rPr kumimoji="1" lang="ja-JP" altLang="en-US" smtClean="0"/>
               <a:pPr/>
-              <a:t>2017/7/10</a:t>
+              <a:t>2017/7/11</a:t>
             </a:fld>
             <a:endParaRPr kumimoji="1" lang="ja-JP" altLang="en-US"/>
           </a:p>
@@ -2754,7 +2755,7 @@
             <a:fld id="{4214307A-2611-46AB-AAA1-4646070AE98B}" type="datetimeFigureOut">
               <a:rPr kumimoji="1" lang="ja-JP" altLang="en-US" smtClean="0"/>
               <a:pPr/>
-              <a:t>2017/7/10</a:t>
+              <a:t>2017/7/11</a:t>
             </a:fld>
             <a:endParaRPr kumimoji="1" lang="ja-JP" altLang="en-US"/>
           </a:p>
@@ -2996,7 +2997,7 @@
             <a:fld id="{4214307A-2611-46AB-AAA1-4646070AE98B}" type="datetimeFigureOut">
               <a:rPr kumimoji="1" lang="ja-JP" altLang="en-US" smtClean="0"/>
               <a:pPr/>
-              <a:t>2017/7/10</a:t>
+              <a:t>2017/7/11</a:t>
             </a:fld>
             <a:endParaRPr kumimoji="1" lang="ja-JP" altLang="en-US"/>
           </a:p>
@@ -3433,19 +3434,7 @@
             </a:r>
             <a:r>
               <a:rPr kumimoji="1" lang="ja-JP" altLang="en-US" dirty="0" smtClean="0"/>
-              <a:t>サービス導入のサポートを行い</a:t>
-            </a:r>
-            <a:r>
-              <a:rPr kumimoji="1" lang="ja-JP" altLang="en-US" dirty="0" smtClean="0"/>
-              <a:t>、人手</a:t>
-            </a:r>
-            <a:r>
-              <a:rPr kumimoji="1" lang="ja-JP" altLang="en-US" dirty="0" smtClean="0"/>
-              <a:t>不足解消へ</a:t>
-            </a:r>
-            <a:r>
-              <a:rPr kumimoji="1" lang="ja-JP" altLang="en-US" dirty="0" smtClean="0"/>
-              <a:t>の</a:t>
+              <a:t>サービス導入のサポートを行い、人手不足解消への</a:t>
             </a:r>
             <a:r>
               <a:rPr lang="ja-JP" altLang="en-US" dirty="0" smtClean="0"/>
@@ -3453,11 +3442,7 @@
             </a:r>
             <a:r>
               <a:rPr kumimoji="1" lang="ja-JP" altLang="en-US" dirty="0" smtClean="0"/>
-              <a:t>と</a:t>
-            </a:r>
-            <a:r>
-              <a:rPr kumimoji="1" lang="ja-JP" altLang="en-US" dirty="0" smtClean="0"/>
-              <a:t>するために</a:t>
+              <a:t>とするために</a:t>
             </a:r>
             <a:endParaRPr kumimoji="1" lang="ja-JP" altLang="en-US" dirty="0"/>
           </a:p>
@@ -3498,21 +3483,82 @@
             <p:ph type="title"/>
           </p:nvPr>
         </p:nvSpPr>
-        <p:spPr>
-          <a:xfrm>
-            <a:off x="467544" y="2420888"/>
-            <a:ext cx="8229600" cy="1143000"/>
-          </a:xfrm>
-        </p:spPr>
-        <p:txBody>
-          <a:bodyPr/>
-          <a:lstStyle/>
-          <a:p>
-            <a:r>
-              <a:rPr kumimoji="1" lang="ja-JP" altLang="en-US" b="1" dirty="0" smtClean="0"/>
-              <a:t>結論と売り込み</a:t>
-            </a:r>
-            <a:endParaRPr kumimoji="1" lang="ja-JP" altLang="en-US" b="1" dirty="0"/>
+        <p:spPr/>
+        <p:txBody>
+          <a:bodyPr>
+            <a:normAutofit fontScale="90000"/>
+          </a:bodyPr>
+          <a:lstStyle/>
+          <a:p>
+            <a:r>
+              <a:rPr lang="ja-JP" altLang="en-US" dirty="0" smtClean="0"/>
+              <a:t>できていない理由とさらなるメリット</a:t>
+            </a:r>
+            <a:endParaRPr kumimoji="1" lang="ja-JP" altLang="en-US" dirty="0"/>
+          </a:p>
+        </p:txBody>
+      </p:sp>
+      <p:sp>
+        <p:nvSpPr>
+          <p:cNvPr id="3" name="コンテンツ プレースホルダ 2"/>
+          <p:cNvSpPr>
+            <a:spLocks noGrp="1"/>
+          </p:cNvSpPr>
+          <p:nvPr>
+            <p:ph idx="1"/>
+          </p:nvPr>
+        </p:nvSpPr>
+        <p:spPr/>
+        <p:txBody>
+          <a:bodyPr>
+            <a:normAutofit/>
+          </a:bodyPr>
+          <a:lstStyle/>
+          <a:p>
+            <a:r>
+              <a:rPr lang="ja-JP" altLang="en-US" sz="2800" dirty="0" smtClean="0"/>
+              <a:t>現在の福祉施設で問題なことは、前頁で記載したようなことを取り入れられないことではなく、そのようなことをできることが分か</a:t>
+            </a:r>
+            <a:r>
+              <a:rPr lang="ja-JP" altLang="en-US" sz="2800" dirty="0"/>
+              <a:t>る人がいない</a:t>
+            </a:r>
+            <a:r>
+              <a:rPr lang="ja-JP" altLang="en-US" sz="2800" dirty="0" smtClean="0"/>
+              <a:t>こと。さらに相談できる相手がいないこと。</a:t>
+            </a:r>
+            <a:endParaRPr lang="en-US" altLang="ja-JP" sz="2800" dirty="0" smtClean="0"/>
+          </a:p>
+          <a:p>
+            <a:r>
+              <a:rPr lang="ja-JP" altLang="en-US" sz="2800" dirty="0" smtClean="0"/>
+              <a:t>機能の作成などまで行うかどうかはともかく、例えばパソコンの操作方法</a:t>
+            </a:r>
+            <a:r>
+              <a:rPr lang="en-US" altLang="ja-JP" sz="2800" dirty="0" smtClean="0"/>
+              <a:t>(</a:t>
+            </a:r>
+            <a:r>
+              <a:rPr lang="ja-JP" altLang="en-US" sz="2800" dirty="0" smtClean="0"/>
+              <a:t>職員・利用者両方</a:t>
+            </a:r>
+            <a:r>
+              <a:rPr lang="en-US" altLang="ja-JP" sz="2800" dirty="0" smtClean="0"/>
+              <a:t>)</a:t>
+            </a:r>
+            <a:r>
+              <a:rPr lang="ja-JP" altLang="en-US" sz="2800" dirty="0" smtClean="0"/>
+              <a:t>教室など、</a:t>
+            </a:r>
+            <a:r>
+              <a:rPr lang="en-US" altLang="ja-JP" sz="2800" dirty="0" smtClean="0"/>
+              <a:t>IT</a:t>
+            </a:r>
+            <a:r>
+              <a:rPr lang="ja-JP" altLang="en-US" sz="2800" dirty="0" smtClean="0"/>
+              <a:t>関係全般の知識啓蒙は需要があり、そのために投資しても、施設側に金額以上のメリットはあると思われる。</a:t>
+            </a:r>
+            <a:endParaRPr lang="en-US" altLang="ja-JP" sz="2800" dirty="0" smtClean="0"/>
           </a:p>
         </p:txBody>
       </p:sp>
@@ -3551,118 +3597,21 @@
             <p:ph type="title"/>
           </p:nvPr>
         </p:nvSpPr>
-        <p:spPr/>
+        <p:spPr>
+          <a:xfrm>
+            <a:off x="467544" y="2420888"/>
+            <a:ext cx="8229600" cy="1143000"/>
+          </a:xfrm>
+        </p:spPr>
         <p:txBody>
           <a:bodyPr/>
           <a:lstStyle/>
           <a:p>
             <a:r>
-              <a:rPr kumimoji="1" lang="ja-JP" altLang="en-US" dirty="0" smtClean="0"/>
-              <a:t>表向きの結論</a:t>
-            </a:r>
-            <a:endParaRPr kumimoji="1" lang="ja-JP" altLang="en-US" dirty="0"/>
-          </a:p>
-        </p:txBody>
-      </p:sp>
-      <p:sp>
-        <p:nvSpPr>
-          <p:cNvPr id="3" name="コンテンツ プレースホルダ 2"/>
-          <p:cNvSpPr>
-            <a:spLocks noGrp="1"/>
-          </p:cNvSpPr>
-          <p:nvPr>
-            <p:ph idx="1"/>
-          </p:nvPr>
-        </p:nvSpPr>
-        <p:spPr/>
-        <p:txBody>
-          <a:bodyPr>
-            <a:normAutofit lnSpcReduction="10000"/>
-          </a:bodyPr>
-          <a:lstStyle/>
-          <a:p>
-            <a:pPr>
-              <a:buNone/>
-            </a:pPr>
-            <a:r>
-              <a:rPr lang="ja-JP" altLang="en-US" dirty="0" smtClean="0"/>
-              <a:t>そうはいっても、突然</a:t>
-            </a:r>
-            <a:r>
-              <a:rPr lang="en-US" altLang="ja-JP" dirty="0" smtClean="0"/>
-              <a:t>1</a:t>
-            </a:r>
-            <a:r>
-              <a:rPr lang="ja-JP" altLang="en-US" dirty="0" smtClean="0"/>
-              <a:t>施設に一人、</a:t>
-            </a:r>
-            <a:r>
-              <a:rPr lang="en-US" altLang="ja-JP" dirty="0" smtClean="0"/>
-              <a:t>IT</a:t>
-            </a:r>
-            <a:r>
-              <a:rPr lang="ja-JP" altLang="en-US" dirty="0" smtClean="0"/>
-              <a:t>専用者を配置するのは難しいと思われる。</a:t>
-            </a:r>
-            <a:endParaRPr lang="en-US" altLang="ja-JP" dirty="0" smtClean="0"/>
-          </a:p>
-          <a:p>
-            <a:pPr>
-              <a:buNone/>
-            </a:pPr>
-            <a:r>
-              <a:rPr lang="ja-JP" altLang="en-US" dirty="0"/>
-              <a:t>そこ</a:t>
-            </a:r>
-            <a:r>
-              <a:rPr lang="ja-JP" altLang="en-US" dirty="0" smtClean="0"/>
-              <a:t>で、</a:t>
-            </a:r>
-            <a:r>
-              <a:rPr lang="en-US" altLang="ja-JP" dirty="0" smtClean="0"/>
-              <a:t>IT</a:t>
-            </a:r>
-            <a:r>
-              <a:rPr lang="ja-JP" altLang="en-US" dirty="0" smtClean="0"/>
-              <a:t>コンサルという形で常駐ではなく、しかし常に</a:t>
-            </a:r>
-            <a:r>
-              <a:rPr lang="ja-JP" altLang="en-US" dirty="0"/>
-              <a:t>相談</a:t>
-            </a:r>
-            <a:r>
-              <a:rPr lang="ja-JP" altLang="en-US" dirty="0" smtClean="0"/>
-              <a:t>できる相手を取り入れてどうか？</a:t>
-            </a:r>
-            <a:endParaRPr lang="en-US" altLang="ja-JP" dirty="0" smtClean="0"/>
-          </a:p>
-          <a:p>
-            <a:pPr>
-              <a:buNone/>
-            </a:pPr>
-            <a:r>
-              <a:rPr lang="ja-JP" altLang="en-US" dirty="0" smtClean="0"/>
-              <a:t>人員の不足の対応、さらに最新技術などの相談、提案などを受けることができることを考えると、決して</a:t>
-            </a:r>
-            <a:r>
-              <a:rPr lang="ja-JP" altLang="en-US" dirty="0"/>
-              <a:t>無駄では</a:t>
-            </a:r>
-            <a:r>
-              <a:rPr lang="ja-JP" altLang="en-US" dirty="0" smtClean="0"/>
-              <a:t>なく、高いだけの投資には</a:t>
-            </a:r>
-            <a:r>
-              <a:rPr lang="ja-JP" altLang="en-US" dirty="0" smtClean="0"/>
-              <a:t>ならないはず。</a:t>
-            </a:r>
-            <a:endParaRPr lang="ja-JP" altLang="en-US" dirty="0"/>
-          </a:p>
-          <a:p>
-            <a:pPr>
-              <a:buNone/>
-            </a:pPr>
-            <a:endParaRPr kumimoji="1" lang="ja-JP" altLang="en-US" dirty="0"/>
+              <a:rPr kumimoji="1" lang="ja-JP" altLang="en-US" b="1" dirty="0" smtClean="0"/>
+              <a:t>結論と売り込み</a:t>
+            </a:r>
+            <a:endParaRPr kumimoji="1" lang="ja-JP" altLang="en-US" b="1" dirty="0"/>
           </a:p>
         </p:txBody>
       </p:sp>
@@ -3701,136 +3650,118 @@
             <p:ph type="title"/>
           </p:nvPr>
         </p:nvSpPr>
-        <p:spPr>
-          <a:xfrm>
-            <a:off x="467544" y="0"/>
-            <a:ext cx="8229600" cy="1143000"/>
-          </a:xfrm>
-        </p:spPr>
+        <p:spPr/>
+        <p:txBody>
+          <a:bodyPr/>
+          <a:lstStyle/>
+          <a:p>
+            <a:r>
+              <a:rPr kumimoji="1" lang="ja-JP" altLang="en-US" dirty="0" smtClean="0"/>
+              <a:t>表向きの結論</a:t>
+            </a:r>
+            <a:endParaRPr kumimoji="1" lang="ja-JP" altLang="en-US" dirty="0"/>
+          </a:p>
+        </p:txBody>
+      </p:sp>
+      <p:sp>
+        <p:nvSpPr>
+          <p:cNvPr id="3" name="コンテンツ プレースホルダ 2"/>
+          <p:cNvSpPr>
+            <a:spLocks noGrp="1"/>
+          </p:cNvSpPr>
+          <p:nvPr>
+            <p:ph idx="1"/>
+          </p:nvPr>
+        </p:nvSpPr>
+        <p:spPr/>
         <p:txBody>
           <a:bodyPr>
-            <a:normAutofit fontScale="90000"/>
+            <a:normAutofit lnSpcReduction="10000"/>
           </a:bodyPr>
           <a:lstStyle/>
           <a:p>
+            <a:pPr>
+              <a:buNone/>
+            </a:pPr>
+            <a:r>
+              <a:rPr lang="ja-JP" altLang="en-US" dirty="0" smtClean="0"/>
+              <a:t>そうはいっても、突然</a:t>
+            </a:r>
+            <a:r>
+              <a:rPr lang="en-US" altLang="ja-JP" dirty="0" smtClean="0"/>
+              <a:t>1</a:t>
+            </a:r>
+            <a:r>
+              <a:rPr lang="ja-JP" altLang="en-US" dirty="0" smtClean="0"/>
+              <a:t>施設に一人、</a:t>
+            </a:r>
+            <a:r>
+              <a:rPr lang="en-US" altLang="ja-JP" dirty="0" smtClean="0"/>
+              <a:t>IT</a:t>
+            </a:r>
+            <a:r>
+              <a:rPr lang="ja-JP" altLang="en-US" dirty="0" smtClean="0"/>
+              <a:t>技術専任者</a:t>
+            </a:r>
+            <a:r>
+              <a:rPr lang="ja-JP" altLang="en-US" dirty="0" smtClean="0"/>
+              <a:t>を配置するのは難しいと思われる。</a:t>
+            </a:r>
+            <a:endParaRPr lang="en-US" altLang="ja-JP" dirty="0" smtClean="0"/>
+          </a:p>
+          <a:p>
+            <a:pPr>
+              <a:buNone/>
+            </a:pPr>
             <a:r>
               <a:rPr lang="ja-JP" altLang="en-US" dirty="0"/>
-              <a:t>コンサルとして</a:t>
-            </a:r>
-            <a:r>
-              <a:rPr kumimoji="1" lang="ja-JP" altLang="en-US" dirty="0" smtClean="0"/>
-              <a:t>カワマタを使うメリット</a:t>
-            </a:r>
+              <a:t>そこ</a:t>
+            </a:r>
+            <a:r>
+              <a:rPr lang="ja-JP" altLang="en-US" dirty="0" smtClean="0"/>
+              <a:t>で、</a:t>
+            </a:r>
+            <a:r>
+              <a:rPr lang="en-US" altLang="ja-JP" dirty="0" smtClean="0"/>
+              <a:t>IT</a:t>
+            </a:r>
+            <a:r>
+              <a:rPr lang="ja-JP" altLang="en-US" dirty="0" smtClean="0"/>
+              <a:t>コンサルという形で常駐ではなく、しかし常に</a:t>
+            </a:r>
+            <a:r>
+              <a:rPr lang="ja-JP" altLang="en-US" dirty="0"/>
+              <a:t>相談</a:t>
+            </a:r>
+            <a:r>
+              <a:rPr lang="ja-JP" altLang="en-US" dirty="0" smtClean="0"/>
+              <a:t>できる相手を取り入れてどうか？</a:t>
+            </a:r>
+            <a:endParaRPr lang="en-US" altLang="ja-JP" dirty="0" smtClean="0"/>
+          </a:p>
+          <a:p>
+            <a:pPr>
+              <a:buNone/>
+            </a:pPr>
+            <a:r>
+              <a:rPr lang="ja-JP" altLang="en-US" dirty="0" smtClean="0"/>
+              <a:t>人員の不足の対応、さらに最新技術などの相談、提案などを受けることができることを考えると、決して</a:t>
+            </a:r>
+            <a:r>
+              <a:rPr lang="ja-JP" altLang="en-US" dirty="0"/>
+              <a:t>無駄では</a:t>
+            </a:r>
+            <a:r>
+              <a:rPr lang="ja-JP" altLang="en-US" dirty="0" smtClean="0"/>
+              <a:t>なく、高いだけの投資にはならないはず。</a:t>
+            </a:r>
+            <a:endParaRPr lang="ja-JP" altLang="en-US" dirty="0"/>
+          </a:p>
+          <a:p>
+            <a:pPr>
+              <a:buNone/>
+            </a:pPr>
             <a:endParaRPr kumimoji="1" lang="ja-JP" altLang="en-US" dirty="0"/>
-          </a:p>
-        </p:txBody>
-      </p:sp>
-      <p:sp>
-        <p:nvSpPr>
-          <p:cNvPr id="3" name="コンテンツ プレースホルダ 2"/>
-          <p:cNvSpPr>
-            <a:spLocks noGrp="1"/>
-          </p:cNvSpPr>
-          <p:nvPr>
-            <p:ph idx="1"/>
-          </p:nvPr>
-        </p:nvSpPr>
-        <p:spPr>
-          <a:xfrm>
-            <a:off x="539552" y="1052736"/>
-            <a:ext cx="8229600" cy="5472608"/>
-          </a:xfrm>
-        </p:spPr>
-        <p:txBody>
-          <a:bodyPr>
-            <a:normAutofit/>
-          </a:bodyPr>
-          <a:lstStyle/>
-          <a:p>
-            <a:r>
-              <a:rPr lang="ja-JP" altLang="en-US" sz="2800" dirty="0"/>
-              <a:t>社会</a:t>
-            </a:r>
-            <a:r>
-              <a:rPr kumimoji="1" lang="ja-JP" altLang="en-US" sz="2800" dirty="0" smtClean="0"/>
-              <a:t>福祉への理解 </a:t>
-            </a:r>
-            <a:r>
-              <a:rPr kumimoji="1" lang="en-US" altLang="ja-JP" sz="2800" dirty="0" smtClean="0"/>
-              <a:t>– </a:t>
-            </a:r>
-            <a:r>
-              <a:rPr kumimoji="1" lang="ja-JP" altLang="en-US" sz="2800" dirty="0" smtClean="0"/>
-              <a:t>社会福祉専攻の学士を持っているので、最低限以上の知識があり</a:t>
-            </a:r>
-            <a:r>
-              <a:rPr kumimoji="1" lang="ja-JP" altLang="en-US" sz="2800" dirty="0" smtClean="0"/>
-              <a:t>、一般的な</a:t>
-            </a:r>
-            <a:r>
-              <a:rPr lang="en-US" altLang="ja-JP" sz="2800" dirty="0" smtClean="0"/>
-              <a:t>IT</a:t>
-            </a:r>
-            <a:r>
-              <a:rPr lang="ja-JP" altLang="en-US" sz="2800" dirty="0" smtClean="0"/>
-              <a:t>技術者に比べると、</a:t>
-            </a:r>
-            <a:r>
-              <a:rPr kumimoji="1" lang="ja-JP" altLang="en-US" sz="2800" dirty="0" smtClean="0"/>
-              <a:t>それぞれ</a:t>
-            </a:r>
-            <a:r>
-              <a:rPr kumimoji="1" lang="ja-JP" altLang="en-US" sz="2800" dirty="0" smtClean="0"/>
-              <a:t>の施設の問題に柔軟に対応できる。</a:t>
-            </a:r>
-            <a:endParaRPr kumimoji="1" lang="en-US" altLang="ja-JP" sz="2800" dirty="0" smtClean="0"/>
-          </a:p>
-          <a:p>
-            <a:r>
-              <a:rPr kumimoji="1" lang="en-US" altLang="ja-JP" sz="2800" dirty="0" smtClean="0"/>
-              <a:t>IT</a:t>
-            </a:r>
-            <a:r>
-              <a:rPr kumimoji="1" lang="ja-JP" altLang="en-US" sz="2800" dirty="0" smtClean="0"/>
-              <a:t>技術者としての豊富な経験 </a:t>
-            </a:r>
-            <a:r>
-              <a:rPr kumimoji="1" lang="en-US" altLang="ja-JP" sz="2800" dirty="0" smtClean="0"/>
-              <a:t>– </a:t>
-            </a:r>
-            <a:r>
-              <a:rPr kumimoji="1" lang="ja-JP" altLang="en-US" sz="2800" dirty="0" smtClean="0"/>
-              <a:t>これまで</a:t>
-            </a:r>
-            <a:r>
-              <a:rPr kumimoji="1" lang="en-US" altLang="ja-JP" sz="2800" dirty="0" smtClean="0"/>
-              <a:t>20</a:t>
-            </a:r>
-            <a:r>
-              <a:rPr lang="ja-JP" altLang="en-US" sz="2800" dirty="0" smtClean="0"/>
-              <a:t>以上の現場での</a:t>
-            </a:r>
-            <a:r>
-              <a:rPr kumimoji="1" lang="ja-JP" altLang="en-US" sz="2800" dirty="0" smtClean="0"/>
-              <a:t>経験が</a:t>
-            </a:r>
-            <a:r>
-              <a:rPr kumimoji="1" lang="ja-JP" altLang="en-US" sz="2800" dirty="0" smtClean="0"/>
-              <a:t>ある</a:t>
-            </a:r>
-            <a:r>
-              <a:rPr lang="ja-JP" altLang="en-US" sz="2800" dirty="0" smtClean="0"/>
-              <a:t>。金融</a:t>
-            </a:r>
-            <a:r>
-              <a:rPr lang="ja-JP" altLang="en-US" sz="2800" dirty="0" smtClean="0"/>
-              <a:t>・保険・医療分野といった難しいユーザーも経験しており、要求を汲み取り、問題の具体化、解決への提案までを行うのに十分な場数を超えてきた、確かな説得力がある</a:t>
-            </a:r>
-            <a:r>
-              <a:rPr lang="ja-JP" altLang="en-US" sz="2800" dirty="0" smtClean="0"/>
-              <a:t>。また、パソコンのトラブルサポートなども行ってきているため、詳しく無い相手への操作方法の指導なども行える。</a:t>
-            </a:r>
-            <a:endParaRPr kumimoji="1" lang="en-US" altLang="ja-JP" sz="2800" dirty="0" smtClean="0"/>
           </a:p>
         </p:txBody>
       </p:sp>
@@ -3843,6 +3774,154 @@
 </file>
 
 <file path=ppt/slides/slide13.xml><?xml version="1.0" encoding="utf-8"?>
+<p:sld xmlns:a="http://schemas.openxmlformats.org/drawingml/2006/main" xmlns:r="http://schemas.openxmlformats.org/officeDocument/2006/relationships" xmlns:p="http://schemas.openxmlformats.org/presentationml/2006/main">
+  <p:cSld>
+    <p:spTree>
+      <p:nvGrpSpPr>
+        <p:cNvPr id="1" name=""/>
+        <p:cNvGrpSpPr/>
+        <p:nvPr/>
+      </p:nvGrpSpPr>
+      <p:grpSpPr>
+        <a:xfrm>
+          <a:off x="0" y="0"/>
+          <a:ext cx="0" cy="0"/>
+          <a:chOff x="0" y="0"/>
+          <a:chExt cx="0" cy="0"/>
+        </a:xfrm>
+      </p:grpSpPr>
+      <p:sp>
+        <p:nvSpPr>
+          <p:cNvPr id="2" name="タイトル 1"/>
+          <p:cNvSpPr>
+            <a:spLocks noGrp="1"/>
+          </p:cNvSpPr>
+          <p:nvPr>
+            <p:ph type="title"/>
+          </p:nvPr>
+        </p:nvSpPr>
+        <p:spPr>
+          <a:xfrm>
+            <a:off x="467544" y="0"/>
+            <a:ext cx="8229600" cy="1143000"/>
+          </a:xfrm>
+        </p:spPr>
+        <p:txBody>
+          <a:bodyPr>
+            <a:normAutofit fontScale="90000"/>
+          </a:bodyPr>
+          <a:lstStyle/>
+          <a:p>
+            <a:r>
+              <a:rPr lang="ja-JP" altLang="en-US" dirty="0"/>
+              <a:t>コンサルとして</a:t>
+            </a:r>
+            <a:r>
+              <a:rPr kumimoji="1" lang="ja-JP" altLang="en-US" dirty="0" smtClean="0"/>
+              <a:t>カワマタを使うメリット</a:t>
+            </a:r>
+            <a:endParaRPr kumimoji="1" lang="ja-JP" altLang="en-US" dirty="0"/>
+          </a:p>
+        </p:txBody>
+      </p:sp>
+      <p:sp>
+        <p:nvSpPr>
+          <p:cNvPr id="3" name="コンテンツ プレースホルダ 2"/>
+          <p:cNvSpPr>
+            <a:spLocks noGrp="1"/>
+          </p:cNvSpPr>
+          <p:nvPr>
+            <p:ph idx="1"/>
+          </p:nvPr>
+        </p:nvSpPr>
+        <p:spPr>
+          <a:xfrm>
+            <a:off x="539552" y="1052736"/>
+            <a:ext cx="8229600" cy="5472608"/>
+          </a:xfrm>
+        </p:spPr>
+        <p:txBody>
+          <a:bodyPr>
+            <a:normAutofit/>
+          </a:bodyPr>
+          <a:lstStyle/>
+          <a:p>
+            <a:r>
+              <a:rPr lang="ja-JP" altLang="en-US" sz="2800" dirty="0"/>
+              <a:t>社会</a:t>
+            </a:r>
+            <a:r>
+              <a:rPr kumimoji="1" lang="ja-JP" altLang="en-US" sz="2800" dirty="0" smtClean="0"/>
+              <a:t>福祉への理解 </a:t>
+            </a:r>
+            <a:r>
+              <a:rPr kumimoji="1" lang="en-US" altLang="ja-JP" sz="2800" dirty="0" smtClean="0"/>
+              <a:t>– </a:t>
+            </a:r>
+            <a:r>
+              <a:rPr kumimoji="1" lang="ja-JP" altLang="en-US" sz="2800" dirty="0" smtClean="0"/>
+              <a:t>社会福祉専攻の学士を持っているので、最低限以上の知識があり、一般的な</a:t>
+            </a:r>
+            <a:r>
+              <a:rPr lang="en-US" altLang="ja-JP" sz="2800" dirty="0" smtClean="0"/>
+              <a:t>IT</a:t>
+            </a:r>
+            <a:r>
+              <a:rPr lang="ja-JP" altLang="en-US" sz="2800" dirty="0" smtClean="0"/>
+              <a:t>技術者に比べると、</a:t>
+            </a:r>
+            <a:r>
+              <a:rPr kumimoji="1" lang="ja-JP" altLang="en-US" sz="2800" dirty="0" smtClean="0"/>
+              <a:t>それぞれの施設の問題に柔軟に対応できる。</a:t>
+            </a:r>
+            <a:endParaRPr kumimoji="1" lang="en-US" altLang="ja-JP" sz="2800" dirty="0" smtClean="0"/>
+          </a:p>
+          <a:p>
+            <a:r>
+              <a:rPr kumimoji="1" lang="en-US" altLang="ja-JP" sz="2800" dirty="0" smtClean="0"/>
+              <a:t>IT</a:t>
+            </a:r>
+            <a:r>
+              <a:rPr kumimoji="1" lang="ja-JP" altLang="en-US" sz="2800" dirty="0" smtClean="0"/>
+              <a:t>技術者としての豊富な経験 </a:t>
+            </a:r>
+            <a:r>
+              <a:rPr kumimoji="1" lang="en-US" altLang="ja-JP" sz="2800" dirty="0" smtClean="0"/>
+              <a:t>– </a:t>
+            </a:r>
+            <a:r>
+              <a:rPr kumimoji="1" lang="ja-JP" altLang="en-US" sz="2800" dirty="0" smtClean="0"/>
+              <a:t>これまで</a:t>
+            </a:r>
+            <a:r>
+              <a:rPr kumimoji="1" lang="en-US" altLang="ja-JP" sz="2800" dirty="0" smtClean="0"/>
+              <a:t>20</a:t>
+            </a:r>
+            <a:r>
+              <a:rPr lang="ja-JP" altLang="en-US" sz="2800" dirty="0" smtClean="0"/>
+              <a:t>以上の現場での</a:t>
+            </a:r>
+            <a:r>
+              <a:rPr kumimoji="1" lang="ja-JP" altLang="en-US" sz="2800" dirty="0" smtClean="0"/>
+              <a:t>経験がある</a:t>
+            </a:r>
+            <a:r>
+              <a:rPr lang="ja-JP" altLang="en-US" sz="2800" dirty="0" smtClean="0"/>
+              <a:t>。金融・保険・医療分野といった難しいユーザーも経験しており、要求を汲み取り、問題の具体化、解決への提案までを行うのに十分な場数を超えてきた、確かな説得力がある。また、パソコンのトラブルサポートなども行ってきているため、詳しく無い相手への操作方法の指導なども行える。</a:t>
+            </a:r>
+            <a:endParaRPr kumimoji="1" lang="en-US" altLang="ja-JP" sz="2800" dirty="0" smtClean="0"/>
+          </a:p>
+        </p:txBody>
+      </p:sp>
+    </p:spTree>
+  </p:cSld>
+  <p:clrMapOvr>
+    <a:masterClrMapping/>
+  </p:clrMapOvr>
+</p:sld>
+</file>
+
+<file path=ppt/slides/slide14.xml><?xml version="1.0" encoding="utf-8"?>
 <p:sld xmlns:a="http://schemas.openxmlformats.org/drawingml/2006/main" xmlns:r="http://schemas.openxmlformats.org/officeDocument/2006/relationships" xmlns:p="http://schemas.openxmlformats.org/presentationml/2006/main">
   <p:cSld>
     <p:spTree>
@@ -4523,7 +4602,7 @@
 </p:sld>
 </file>
 
-<file path=ppt/slides/slide14.xml><?xml version="1.0" encoding="utf-8"?>
+<file path=ppt/slides/slide15.xml><?xml version="1.0" encoding="utf-8"?>
 <p:sld xmlns:a="http://schemas.openxmlformats.org/drawingml/2006/main" xmlns:r="http://schemas.openxmlformats.org/officeDocument/2006/relationships" xmlns:p="http://schemas.openxmlformats.org/presentationml/2006/main">
   <p:cSld>
     <p:spTree>
@@ -4906,11 +4985,7 @@
             <a:pPr algn="ctr"/>
             <a:r>
               <a:rPr kumimoji="1" lang="ja-JP" altLang="en-US" dirty="0" smtClean="0"/>
-              <a:t>何</a:t>
-            </a:r>
-            <a:r>
-              <a:rPr kumimoji="1" lang="ja-JP" altLang="en-US" dirty="0" smtClean="0"/>
-              <a:t>をどんなふうに？利用条件は？予算は？</a:t>
+              <a:t>何をどんなふうに？利用条件は？予算は？</a:t>
             </a:r>
             <a:endParaRPr kumimoji="1" lang="ja-JP" altLang="en-US" dirty="0"/>
           </a:p>
@@ -5025,11 +5100,7 @@
             <a:pPr algn="ctr"/>
             <a:r>
               <a:rPr kumimoji="1" lang="ja-JP" altLang="en-US" dirty="0" smtClean="0"/>
-              <a:t>この</a:t>
-            </a:r>
-            <a:r>
-              <a:rPr kumimoji="1" lang="ja-JP" altLang="en-US" dirty="0" smtClean="0"/>
-              <a:t>施設に本当に必要な機能は</a:t>
+              <a:t>この施設に本当に必要な機能は</a:t>
             </a:r>
             <a:r>
               <a:rPr kumimoji="1" lang="en-US" altLang="ja-JP" dirty="0" smtClean="0"/>
@@ -5087,11 +5158,7 @@
             <a:pPr algn="ctr"/>
             <a:r>
               <a:rPr kumimoji="1" lang="ja-JP" altLang="en-US" dirty="0" smtClean="0"/>
-              <a:t>まず</a:t>
-            </a:r>
-            <a:r>
-              <a:rPr kumimoji="1" lang="ja-JP" altLang="en-US" dirty="0" smtClean="0"/>
-              <a:t>は</a:t>
+              <a:t>まずは</a:t>
             </a:r>
             <a:r>
               <a:rPr kumimoji="1" lang="en-US" altLang="ja-JP" dirty="0" smtClean="0"/>
@@ -5155,11 +5222,7 @@
             <a:pPr algn="ctr"/>
             <a:r>
               <a:rPr lang="ja-JP" altLang="en-US" dirty="0" smtClean="0"/>
-              <a:t>意外</a:t>
-            </a:r>
-            <a:r>
-              <a:rPr lang="ja-JP" altLang="en-US" dirty="0" smtClean="0"/>
-              <a:t>と安くできるのか。この値段を受けて導入するか考えてみよう！</a:t>
+              <a:t>意外と安くできるのか。この値段を受けて導入するか考えてみよう！</a:t>
             </a:r>
             <a:endParaRPr kumimoji="1" lang="ja-JP" altLang="en-US" dirty="0"/>
           </a:p>
@@ -5222,7 +5285,7 @@
 </p:sld>
 </file>
 
-<file path=ppt/slides/slide15.xml><?xml version="1.0" encoding="utf-8"?>
+<file path=ppt/slides/slide16.xml><?xml version="1.0" encoding="utf-8"?>
 <p:sld xmlns:a="http://schemas.openxmlformats.org/drawingml/2006/main" xmlns:r="http://schemas.openxmlformats.org/officeDocument/2006/relationships" xmlns:p="http://schemas.openxmlformats.org/presentationml/2006/main">
   <p:cSld>
     <p:spTree>
@@ -5852,59 +5915,6 @@
 </p:sld>
 </file>
 
-<file path=ppt/slides/slide16.xml><?xml version="1.0" encoding="utf-8"?>
-<p:sld xmlns:a="http://schemas.openxmlformats.org/drawingml/2006/main" xmlns:r="http://schemas.openxmlformats.org/officeDocument/2006/relationships" xmlns:p="http://schemas.openxmlformats.org/presentationml/2006/main">
-  <p:cSld>
-    <p:spTree>
-      <p:nvGrpSpPr>
-        <p:cNvPr id="1" name=""/>
-        <p:cNvGrpSpPr/>
-        <p:nvPr/>
-      </p:nvGrpSpPr>
-      <p:grpSpPr>
-        <a:xfrm>
-          <a:off x="0" y="0"/>
-          <a:ext cx="0" cy="0"/>
-          <a:chOff x="0" y="0"/>
-          <a:chExt cx="0" cy="0"/>
-        </a:xfrm>
-      </p:grpSpPr>
-      <p:sp>
-        <p:nvSpPr>
-          <p:cNvPr id="2" name="タイトル 1"/>
-          <p:cNvSpPr>
-            <a:spLocks noGrp="1"/>
-          </p:cNvSpPr>
-          <p:nvPr>
-            <p:ph type="title"/>
-          </p:nvPr>
-        </p:nvSpPr>
-        <p:spPr>
-          <a:xfrm>
-            <a:off x="395536" y="2564904"/>
-            <a:ext cx="8229600" cy="1143000"/>
-          </a:xfrm>
-        </p:spPr>
-        <p:txBody>
-          <a:bodyPr/>
-          <a:lstStyle/>
-          <a:p>
-            <a:r>
-              <a:rPr kumimoji="1" lang="ja-JP" altLang="en-US" b="1" dirty="0" smtClean="0"/>
-              <a:t>価格設定</a:t>
-            </a:r>
-            <a:endParaRPr kumimoji="1" lang="ja-JP" altLang="en-US" b="1" dirty="0"/>
-          </a:p>
-        </p:txBody>
-      </p:sp>
-    </p:spTree>
-  </p:cSld>
-  <p:clrMapOvr>
-    <a:masterClrMapping/>
-  </p:clrMapOvr>
-</p:sld>
-</file>
-
 <file path=ppt/slides/slide17.xml><?xml version="1.0" encoding="utf-8"?>
 <p:sld xmlns:a="http://schemas.openxmlformats.org/drawingml/2006/main" xmlns:r="http://schemas.openxmlformats.org/officeDocument/2006/relationships" xmlns:p="http://schemas.openxmlformats.org/presentationml/2006/main">
   <p:cSld>
@@ -5934,7 +5944,7 @@
         </p:nvSpPr>
         <p:spPr>
           <a:xfrm>
-            <a:off x="395536" y="0"/>
+            <a:off x="395536" y="2564904"/>
             <a:ext cx="8229600" cy="1143000"/>
           </a:xfrm>
         </p:spPr>
@@ -5943,146 +5953,10 @@
           <a:lstStyle/>
           <a:p>
             <a:r>
-              <a:rPr kumimoji="1" lang="ja-JP" altLang="en-US" dirty="0" smtClean="0"/>
-              <a:t>価格案の前提</a:t>
-            </a:r>
-            <a:endParaRPr kumimoji="1" lang="ja-JP" altLang="en-US" dirty="0"/>
-          </a:p>
-        </p:txBody>
-      </p:sp>
-      <p:sp>
-        <p:nvSpPr>
-          <p:cNvPr id="3" name="コンテンツ プレースホルダ 2"/>
-          <p:cNvSpPr>
-            <a:spLocks noGrp="1"/>
-          </p:cNvSpPr>
-          <p:nvPr>
-            <p:ph idx="1"/>
-          </p:nvPr>
-        </p:nvSpPr>
-        <p:spPr>
-          <a:xfrm>
-            <a:off x="251520" y="1052736"/>
-            <a:ext cx="8568952" cy="5616624"/>
-          </a:xfrm>
-        </p:spPr>
-        <p:txBody>
-          <a:bodyPr>
-            <a:normAutofit lnSpcReduction="10000"/>
-          </a:bodyPr>
-          <a:lstStyle/>
-          <a:p>
-            <a:r>
-              <a:rPr kumimoji="1" lang="ja-JP" altLang="en-US" dirty="0" smtClean="0"/>
-              <a:t>基本料金は月ごと固定</a:t>
-            </a:r>
-            <a:endParaRPr kumimoji="1" lang="en-US" altLang="ja-JP" dirty="0" smtClean="0"/>
-          </a:p>
-          <a:p>
-            <a:r>
-              <a:rPr lang="ja-JP" altLang="en-US" dirty="0" smtClean="0"/>
-              <a:t>メールでの相談や訪問日に向けての認識あわせ、電話での軽微な確認などは基本料金に含む。</a:t>
-            </a:r>
-            <a:endParaRPr lang="en-US" altLang="ja-JP" dirty="0" smtClean="0"/>
-          </a:p>
-          <a:p>
-            <a:r>
-              <a:rPr kumimoji="1" lang="ja-JP" altLang="en-US" dirty="0" smtClean="0"/>
-              <a:t>訪問は開発を伴わない全ての訪問作業。</a:t>
-            </a:r>
-            <a:endParaRPr kumimoji="1" lang="en-US" altLang="ja-JP" dirty="0" smtClean="0"/>
-          </a:p>
-          <a:p>
-            <a:pPr>
-              <a:buNone/>
-            </a:pPr>
-            <a:r>
-              <a:rPr lang="en-US" altLang="ja-JP" dirty="0" smtClean="0"/>
-              <a:t>PC</a:t>
-            </a:r>
-            <a:r>
-              <a:rPr lang="ja-JP" altLang="en-US" dirty="0" smtClean="0"/>
-              <a:t>操作・</a:t>
-            </a:r>
-            <a:r>
-              <a:rPr lang="en-US" altLang="ja-JP" dirty="0" smtClean="0"/>
-              <a:t>PC</a:t>
-            </a:r>
-            <a:r>
-              <a:rPr lang="ja-JP" altLang="en-US" dirty="0" smtClean="0"/>
-              <a:t>教室・</a:t>
-            </a:r>
-            <a:r>
-              <a:rPr lang="en-US" altLang="ja-JP" dirty="0" smtClean="0"/>
-              <a:t>IT</a:t>
-            </a:r>
-            <a:r>
-              <a:rPr lang="ja-JP" altLang="en-US" dirty="0" smtClean="0"/>
-              <a:t>機器確認など</a:t>
-            </a:r>
-            <a:endParaRPr lang="en-US" altLang="ja-JP" dirty="0" smtClean="0"/>
-          </a:p>
-          <a:p>
-            <a:pPr>
-              <a:buNone/>
-            </a:pPr>
-            <a:r>
-              <a:rPr lang="ja-JP" altLang="en-US" dirty="0" smtClean="0"/>
-              <a:t>基本</a:t>
-            </a:r>
-            <a:r>
-              <a:rPr lang="en-US" altLang="ja-JP" dirty="0" smtClean="0"/>
-              <a:t>4</a:t>
-            </a:r>
-            <a:r>
-              <a:rPr lang="ja-JP" altLang="en-US" dirty="0" smtClean="0"/>
-              <a:t>時間で</a:t>
-            </a:r>
-            <a:r>
-              <a:rPr lang="en-US" altLang="ja-JP" dirty="0" smtClean="0"/>
-              <a:t>1</a:t>
-            </a:r>
-            <a:r>
-              <a:rPr lang="ja-JP" altLang="en-US" dirty="0" smtClean="0"/>
-              <a:t>日の場合は</a:t>
-            </a:r>
-            <a:r>
-              <a:rPr lang="en-US" altLang="ja-JP" dirty="0" smtClean="0"/>
-              <a:t>8</a:t>
-            </a:r>
-            <a:r>
-              <a:rPr lang="ja-JP" altLang="en-US" dirty="0" smtClean="0"/>
-              <a:t>時間。それ以上は時間計算で追加</a:t>
-            </a:r>
-            <a:endParaRPr lang="en-US" altLang="ja-JP" dirty="0" smtClean="0"/>
-          </a:p>
-          <a:p>
-            <a:pPr>
-              <a:buNone/>
-            </a:pPr>
-            <a:endParaRPr lang="en-US" altLang="ja-JP" dirty="0" smtClean="0"/>
-          </a:p>
-          <a:p>
-            <a:pPr>
-              <a:buNone/>
-            </a:pPr>
-            <a:r>
-              <a:rPr lang="ja-JP" altLang="en-US" dirty="0" smtClean="0"/>
-              <a:t>価格の根拠は通常の開発案件を行った場合の単金を目途に設定</a:t>
-            </a:r>
-            <a:endParaRPr lang="en-US" altLang="ja-JP" dirty="0" smtClean="0"/>
-          </a:p>
-          <a:p>
-            <a:pPr>
-              <a:buNone/>
-            </a:pPr>
-            <a:endParaRPr kumimoji="1" lang="en-US" altLang="ja-JP" dirty="0" smtClean="0"/>
-          </a:p>
-          <a:p>
-            <a:pPr>
-              <a:buNone/>
-            </a:pPr>
-            <a:endParaRPr kumimoji="1" lang="ja-JP" altLang="en-US" dirty="0"/>
+              <a:rPr kumimoji="1" lang="ja-JP" altLang="en-US" b="1" dirty="0" smtClean="0"/>
+              <a:t>価格設定</a:t>
+            </a:r>
+            <a:endParaRPr kumimoji="1" lang="ja-JP" altLang="en-US" b="1" dirty="0"/>
           </a:p>
         </p:txBody>
       </p:sp>
@@ -6123,8 +5997,8 @@
         </p:nvSpPr>
         <p:spPr>
           <a:xfrm>
-            <a:off x="179512" y="44624"/>
-            <a:ext cx="8784976" cy="1143000"/>
+            <a:off x="395536" y="0"/>
+            <a:ext cx="8229600" cy="1143000"/>
           </a:xfrm>
         </p:spPr>
         <p:txBody>
@@ -6132,16 +6006,8 @@
           <a:lstStyle/>
           <a:p>
             <a:r>
-              <a:rPr lang="ja-JP" altLang="en-US" dirty="0" smtClean="0"/>
-              <a:t>価格</a:t>
-            </a:r>
-            <a:r>
-              <a:rPr lang="ja-JP" altLang="en-US" dirty="0" smtClean="0"/>
-              <a:t>案</a:t>
-            </a:r>
-            <a:r>
-              <a:rPr lang="en-US" altLang="ja-JP" dirty="0" smtClean="0"/>
-              <a:t>A</a:t>
+              <a:rPr kumimoji="1" lang="ja-JP" altLang="en-US" dirty="0" smtClean="0"/>
+              <a:t>価格案の前提</a:t>
             </a:r>
             <a:endParaRPr kumimoji="1" lang="ja-JP" altLang="en-US" dirty="0"/>
           </a:p>
@@ -6159,93 +6025,97 @@
         </p:nvSpPr>
         <p:spPr>
           <a:xfrm>
-            <a:off x="251520" y="1124744"/>
-            <a:ext cx="8712968" cy="5328592"/>
+            <a:off x="251520" y="1052736"/>
+            <a:ext cx="8568952" cy="5616624"/>
           </a:xfrm>
         </p:spPr>
         <p:txBody>
-          <a:bodyPr/>
+          <a:bodyPr>
+            <a:normAutofit lnSpcReduction="10000"/>
+          </a:bodyPr>
           <a:lstStyle/>
           <a:p>
             <a:r>
               <a:rPr kumimoji="1" lang="ja-JP" altLang="en-US" dirty="0" smtClean="0"/>
-              <a:t>月額基本料金 </a:t>
-            </a:r>
-            <a:r>
-              <a:rPr kumimoji="1" lang="en-US" altLang="ja-JP" dirty="0" smtClean="0"/>
-              <a:t>– 400,000</a:t>
-            </a:r>
+              <a:t>基本料金は月ごと固定</a:t>
+            </a:r>
+            <a:endParaRPr kumimoji="1" lang="en-US" altLang="ja-JP" dirty="0" smtClean="0"/>
+          </a:p>
+          <a:p>
+            <a:r>
+              <a:rPr lang="ja-JP" altLang="en-US" dirty="0" smtClean="0"/>
+              <a:t>メールでの相談や訪問日に向けての認識あわせ、電話での軽微な確認などは基本料金に含む。</a:t>
+            </a:r>
+            <a:endParaRPr lang="en-US" altLang="ja-JP" dirty="0" smtClean="0"/>
+          </a:p>
+          <a:p>
             <a:r>
               <a:rPr kumimoji="1" lang="ja-JP" altLang="en-US" dirty="0" smtClean="0"/>
-              <a:t>円</a:t>
-            </a:r>
-            <a:r>
-              <a:rPr kumimoji="1" lang="en-US" altLang="ja-JP" dirty="0" smtClean="0"/>
-              <a:t>/</a:t>
-            </a:r>
-            <a:r>
-              <a:rPr kumimoji="1" lang="ja-JP" altLang="en-US" dirty="0" smtClean="0"/>
-              <a:t>月</a:t>
+              <a:t>訪問は開発を伴わない全ての訪問作業。</a:t>
             </a:r>
             <a:endParaRPr kumimoji="1" lang="en-US" altLang="ja-JP" dirty="0" smtClean="0"/>
           </a:p>
           <a:p>
+            <a:pPr>
+              <a:buNone/>
+            </a:pPr>
+            <a:r>
+              <a:rPr lang="en-US" altLang="ja-JP" dirty="0" smtClean="0"/>
+              <a:t>PC</a:t>
+            </a:r>
             <a:r>
               <a:rPr lang="ja-JP" altLang="en-US" dirty="0" smtClean="0"/>
-              <a:t>訪問料金 </a:t>
+              <a:t>操作・</a:t>
             </a:r>
             <a:r>
               <a:rPr lang="en-US" altLang="ja-JP" dirty="0" smtClean="0"/>
-              <a:t>–</a:t>
+              <a:t>PC</a:t>
+            </a:r>
+            <a:r>
+              <a:rPr lang="ja-JP" altLang="en-US" dirty="0" smtClean="0"/>
+              <a:t>教室・</a:t>
             </a:r>
             <a:r>
               <a:rPr lang="en-US" altLang="ja-JP" dirty="0" smtClean="0"/>
-              <a:t> </a:t>
+              <a:t>IT</a:t>
+            </a:r>
+            <a:r>
+              <a:rPr lang="ja-JP" altLang="en-US" dirty="0" smtClean="0"/>
+              <a:t>機器確認など</a:t>
+            </a:r>
+            <a:endParaRPr lang="en-US" altLang="ja-JP" dirty="0" smtClean="0"/>
+          </a:p>
+          <a:p>
+            <a:pPr>
+              <a:buNone/>
+            </a:pPr>
+            <a:r>
+              <a:rPr lang="ja-JP" altLang="en-US" dirty="0" smtClean="0"/>
+              <a:t>基本</a:t>
             </a:r>
             <a:r>
               <a:rPr lang="en-US" altLang="ja-JP" dirty="0" smtClean="0"/>
-              <a:t>15,000</a:t>
+              <a:t>4</a:t>
             </a:r>
             <a:r>
               <a:rPr lang="ja-JP" altLang="en-US" dirty="0" smtClean="0"/>
-              <a:t>円</a:t>
+              <a:t>時間で</a:t>
             </a:r>
             <a:r>
               <a:rPr lang="en-US" altLang="ja-JP" dirty="0" smtClean="0"/>
-              <a:t>/0.5</a:t>
+              <a:t>1</a:t>
             </a:r>
             <a:r>
               <a:rPr lang="ja-JP" altLang="en-US" dirty="0" smtClean="0"/>
-              <a:t>日</a:t>
-            </a:r>
-            <a:endParaRPr lang="en-US" altLang="ja-JP" dirty="0" smtClean="0"/>
-          </a:p>
-          <a:p>
+              <a:t>日の場合は</a:t>
+            </a:r>
+            <a:r>
+              <a:rPr lang="en-US" altLang="ja-JP" dirty="0" smtClean="0"/>
+              <a:t>8</a:t>
+            </a:r>
             <a:r>
               <a:rPr lang="ja-JP" altLang="en-US" dirty="0" smtClean="0"/>
-              <a:t>各種調査・開発料金 </a:t>
-            </a:r>
-            <a:r>
-              <a:rPr lang="en-US" altLang="ja-JP" dirty="0" smtClean="0"/>
-              <a:t>– </a:t>
-            </a:r>
-            <a:r>
-              <a:rPr lang="ja-JP" altLang="en-US" dirty="0" smtClean="0"/>
-              <a:t>都度見積り</a:t>
-            </a:r>
-            <a:endParaRPr lang="en-US" altLang="ja-JP" dirty="0" smtClean="0"/>
-          </a:p>
-          <a:p>
-            <a:pPr>
-              <a:buNone/>
-            </a:pPr>
-            <a:r>
-              <a:rPr lang="en-US" altLang="ja-JP" dirty="0" smtClean="0"/>
-              <a:t>※</a:t>
-            </a:r>
-            <a:r>
-              <a:rPr lang="ja-JP" altLang="en-US" dirty="0" smtClean="0"/>
-              <a:t>実費は別途</a:t>
+              <a:t>時間。それ以上は時間計算で追加</a:t>
             </a:r>
             <a:endParaRPr lang="en-US" altLang="ja-JP" dirty="0" smtClean="0"/>
           </a:p>
@@ -6261,7 +6131,7 @@
             </a:pPr>
             <a:r>
               <a:rPr lang="ja-JP" altLang="en-US" dirty="0" smtClean="0"/>
-              <a:t>★訪問が多くなると想定される施設のプラン</a:t>
+              <a:t>価格の根拠は通常の開発案件を行った場合の単金を目途に設定</a:t>
             </a:r>
             <a:endParaRPr lang="en-US" altLang="ja-JP" dirty="0" smtClean="0"/>
           </a:p>
@@ -6269,19 +6139,12 @@
             <a:pPr>
               <a:buNone/>
             </a:pPr>
-            <a:endParaRPr lang="en-US" altLang="ja-JP" dirty="0" smtClean="0"/>
+            <a:endParaRPr kumimoji="1" lang="en-US" altLang="ja-JP" dirty="0" smtClean="0"/>
           </a:p>
           <a:p>
             <a:pPr>
               <a:buNone/>
             </a:pPr>
-            <a:r>
-              <a:rPr lang="en-US" altLang="ja-JP" dirty="0" smtClean="0"/>
-              <a:t> </a:t>
-            </a:r>
-            <a:endParaRPr lang="en-US" altLang="ja-JP" dirty="0" smtClean="0"/>
-          </a:p>
-          <a:p>
             <a:endParaRPr kumimoji="1" lang="ja-JP" altLang="en-US" dirty="0"/>
           </a:p>
         </p:txBody>
@@ -6333,15 +6196,11 @@
           <a:p>
             <a:r>
               <a:rPr lang="ja-JP" altLang="en-US" dirty="0" smtClean="0"/>
-              <a:t>価格</a:t>
-            </a:r>
-            <a:r>
-              <a:rPr lang="ja-JP" altLang="en-US" dirty="0" smtClean="0"/>
-              <a:t>案</a:t>
+              <a:t>価格案</a:t>
             </a:r>
             <a:r>
               <a:rPr lang="en-US" altLang="ja-JP" dirty="0" smtClean="0"/>
-              <a:t>B</a:t>
+              <a:t>A</a:t>
             </a:r>
             <a:endParaRPr kumimoji="1" lang="ja-JP" altLang="en-US" dirty="0"/>
           </a:p>
@@ -6373,7 +6232,7 @@
             </a:r>
             <a:r>
               <a:rPr kumimoji="1" lang="en-US" altLang="ja-JP" dirty="0" smtClean="0"/>
-              <a:t>– 100,000</a:t>
+              <a:t>– 400,000</a:t>
             </a:r>
             <a:r>
               <a:rPr kumimoji="1" lang="ja-JP" altLang="en-US" dirty="0" smtClean="0"/>
@@ -6396,90 +6255,83 @@
             </a:r>
             <a:r>
               <a:rPr lang="en-US" altLang="ja-JP" dirty="0" smtClean="0"/>
-              <a:t>–</a:t>
-            </a:r>
+              <a:t>– 15,000</a:t>
+            </a:r>
+            <a:r>
+              <a:rPr lang="ja-JP" altLang="en-US" dirty="0" smtClean="0"/>
+              <a:t>円</a:t>
+            </a:r>
+            <a:r>
+              <a:rPr lang="en-US" altLang="ja-JP" dirty="0" smtClean="0"/>
+              <a:t>/0.5</a:t>
+            </a:r>
+            <a:r>
+              <a:rPr lang="ja-JP" altLang="en-US" dirty="0" smtClean="0"/>
+              <a:t>日</a:t>
+            </a:r>
+            <a:endParaRPr lang="en-US" altLang="ja-JP" dirty="0" smtClean="0"/>
+          </a:p>
+          <a:p>
+            <a:r>
+              <a:rPr lang="ja-JP" altLang="en-US" dirty="0" smtClean="0"/>
+              <a:t>各種調査・開発料金 </a:t>
+            </a:r>
+            <a:r>
+              <a:rPr lang="en-US" altLang="ja-JP" dirty="0" smtClean="0"/>
+              <a:t>– </a:t>
+            </a:r>
+            <a:r>
+              <a:rPr lang="ja-JP" altLang="en-US" dirty="0" smtClean="0"/>
+              <a:t>都度見積り</a:t>
+            </a:r>
+            <a:endParaRPr lang="en-US" altLang="ja-JP" dirty="0" smtClean="0"/>
+          </a:p>
+          <a:p>
+            <a:pPr>
+              <a:buNone/>
+            </a:pPr>
+            <a:r>
+              <a:rPr lang="en-US" altLang="ja-JP" dirty="0" smtClean="0"/>
+              <a:t>※</a:t>
+            </a:r>
+            <a:r>
+              <a:rPr lang="ja-JP" altLang="en-US" dirty="0" smtClean="0"/>
+              <a:t>実費は別途</a:t>
+            </a:r>
+            <a:endParaRPr lang="en-US" altLang="ja-JP" dirty="0" smtClean="0"/>
+          </a:p>
+          <a:p>
+            <a:pPr>
+              <a:buNone/>
+            </a:pPr>
+            <a:endParaRPr lang="en-US" altLang="ja-JP" dirty="0" smtClean="0"/>
+          </a:p>
+          <a:p>
+            <a:pPr>
+              <a:buNone/>
+            </a:pPr>
+            <a:r>
+              <a:rPr lang="ja-JP" altLang="en-US" dirty="0" smtClean="0"/>
+              <a:t>★訪問が多くなると想定される施設のプラン</a:t>
+            </a:r>
+            <a:endParaRPr lang="en-US" altLang="ja-JP" dirty="0" smtClean="0"/>
+          </a:p>
+          <a:p>
+            <a:pPr>
+              <a:buNone/>
+            </a:pPr>
+            <a:endParaRPr lang="en-US" altLang="ja-JP" dirty="0" smtClean="0"/>
+          </a:p>
+          <a:p>
+            <a:pPr>
+              <a:buNone/>
+            </a:pPr>
             <a:r>
               <a:rPr lang="en-US" altLang="ja-JP" dirty="0" smtClean="0"/>
               <a:t> </a:t>
             </a:r>
-            <a:r>
-              <a:rPr lang="en-US" altLang="ja-JP" dirty="0" smtClean="0"/>
-              <a:t>30,000</a:t>
-            </a:r>
-            <a:r>
-              <a:rPr lang="ja-JP" altLang="en-US" dirty="0" smtClean="0"/>
-              <a:t>円</a:t>
-            </a:r>
-            <a:r>
-              <a:rPr lang="en-US" altLang="ja-JP" dirty="0" smtClean="0"/>
-              <a:t>/</a:t>
-            </a:r>
-            <a:r>
-              <a:rPr lang="en-US" altLang="ja-JP" dirty="0" smtClean="0"/>
-              <a:t> 0.5</a:t>
-            </a:r>
-            <a:r>
-              <a:rPr lang="ja-JP" altLang="en-US" dirty="0" smtClean="0"/>
-              <a:t>日</a:t>
-            </a:r>
-            <a:endParaRPr lang="en-US" altLang="ja-JP" dirty="0" smtClean="0"/>
-          </a:p>
-          <a:p>
-            <a:r>
-              <a:rPr lang="ja-JP" altLang="en-US" dirty="0" smtClean="0"/>
-              <a:t>各種調査・開発料金 </a:t>
-            </a:r>
-            <a:r>
-              <a:rPr lang="en-US" altLang="ja-JP" dirty="0" smtClean="0"/>
-              <a:t>– </a:t>
-            </a:r>
-            <a:r>
-              <a:rPr lang="ja-JP" altLang="en-US" dirty="0" smtClean="0"/>
-              <a:t>都度</a:t>
-            </a:r>
-            <a:r>
-              <a:rPr lang="ja-JP" altLang="en-US" dirty="0" smtClean="0"/>
-              <a:t>見積り</a:t>
-            </a:r>
-            <a:endParaRPr lang="en-US" altLang="ja-JP" dirty="0" smtClean="0"/>
-          </a:p>
-          <a:p>
-            <a:pPr>
-              <a:buNone/>
-            </a:pPr>
-            <a:r>
-              <a:rPr lang="en-US" altLang="ja-JP" dirty="0" smtClean="0"/>
-              <a:t>※</a:t>
-            </a:r>
-            <a:r>
-              <a:rPr lang="ja-JP" altLang="en-US" dirty="0" smtClean="0"/>
-              <a:t>実費は別途</a:t>
-            </a:r>
-            <a:endParaRPr lang="en-US" altLang="ja-JP" dirty="0" smtClean="0"/>
-          </a:p>
-          <a:p>
-            <a:endParaRPr kumimoji="1" lang="en-US" altLang="ja-JP" dirty="0" smtClean="0"/>
-          </a:p>
-          <a:p>
-            <a:pPr>
-              <a:buNone/>
-            </a:pPr>
-            <a:r>
-              <a:rPr lang="ja-JP" altLang="en-US" dirty="0" smtClean="0"/>
-              <a:t>★訪問が少ないと思われる施設用のプラン</a:t>
-            </a:r>
-            <a:endParaRPr lang="en-US" altLang="ja-JP" dirty="0" smtClean="0"/>
-          </a:p>
-          <a:p>
-            <a:pPr>
-              <a:buNone/>
-            </a:pPr>
-            <a:endParaRPr lang="en-US" altLang="ja-JP" dirty="0" smtClean="0"/>
-          </a:p>
-          <a:p>
-            <a:pPr>
-              <a:buNone/>
-            </a:pPr>
+          </a:p>
+          <a:p>
             <a:endParaRPr kumimoji="1" lang="ja-JP" altLang="en-US" dirty="0"/>
           </a:p>
         </p:txBody>
@@ -6625,11 +6477,7 @@
             </a:r>
             <a:r>
               <a:rPr lang="ja-JP" altLang="en-US" dirty="0" smtClean="0"/>
-              <a:t>の活用をしていないとのことだった</a:t>
-            </a:r>
-            <a:r>
-              <a:rPr lang="ja-JP" altLang="en-US" dirty="0" smtClean="0"/>
-              <a:t>。</a:t>
+              <a:t>の活用をしていないとのことだった。</a:t>
             </a:r>
             <a:endParaRPr lang="en-US" altLang="ja-JP" dirty="0" smtClean="0"/>
           </a:p>
@@ -6673,37 +6521,10 @@
             <p:ph type="title"/>
           </p:nvPr>
         </p:nvSpPr>
-        <p:spPr/>
-        <p:txBody>
-          <a:bodyPr/>
-          <a:lstStyle/>
-          <a:p>
-            <a:r>
-              <a:rPr lang="ja-JP" altLang="en-US" dirty="0" smtClean="0"/>
-              <a:t>価格</a:t>
-            </a:r>
-            <a:r>
-              <a:rPr lang="ja-JP" altLang="en-US" dirty="0" smtClean="0"/>
-              <a:t>案捕捉</a:t>
-            </a:r>
-            <a:endParaRPr kumimoji="1" lang="ja-JP" altLang="en-US" dirty="0"/>
-          </a:p>
-        </p:txBody>
-      </p:sp>
-      <p:sp>
-        <p:nvSpPr>
-          <p:cNvPr id="3" name="コンテンツ プレースホルダ 2"/>
-          <p:cNvSpPr>
-            <a:spLocks noGrp="1"/>
-          </p:cNvSpPr>
-          <p:nvPr>
-            <p:ph idx="1"/>
-          </p:nvPr>
-        </p:nvSpPr>
         <p:spPr>
           <a:xfrm>
-            <a:off x="251520" y="1196752"/>
-            <a:ext cx="8640960" cy="5184576"/>
+            <a:off x="179512" y="44624"/>
+            <a:ext cx="8784976" cy="1143000"/>
           </a:xfrm>
         </p:spPr>
         <p:txBody>
@@ -6711,40 +6532,135 @@
           <a:lstStyle/>
           <a:p>
             <a:r>
+              <a:rPr lang="ja-JP" altLang="en-US" dirty="0" smtClean="0"/>
+              <a:t>価格案</a:t>
+            </a:r>
+            <a:r>
+              <a:rPr lang="en-US" altLang="ja-JP" dirty="0" smtClean="0"/>
+              <a:t>B</a:t>
+            </a:r>
+            <a:endParaRPr kumimoji="1" lang="ja-JP" altLang="en-US" dirty="0"/>
+          </a:p>
+        </p:txBody>
+      </p:sp>
+      <p:sp>
+        <p:nvSpPr>
+          <p:cNvPr id="3" name="コンテンツ プレースホルダ 2"/>
+          <p:cNvSpPr>
+            <a:spLocks noGrp="1"/>
+          </p:cNvSpPr>
+          <p:nvPr>
+            <p:ph idx="1"/>
+          </p:nvPr>
+        </p:nvSpPr>
+        <p:spPr>
+          <a:xfrm>
+            <a:off x="251520" y="1124744"/>
+            <a:ext cx="8712968" cy="5328592"/>
+          </a:xfrm>
+        </p:spPr>
+        <p:txBody>
+          <a:bodyPr/>
+          <a:lstStyle/>
+          <a:p>
+            <a:r>
               <a:rPr kumimoji="1" lang="ja-JP" altLang="en-US" dirty="0" smtClean="0"/>
-              <a:t>開発作業は別途見積り</a:t>
+              <a:t>月額基本料金 </a:t>
+            </a:r>
+            <a:r>
+              <a:rPr kumimoji="1" lang="en-US" altLang="ja-JP" dirty="0" smtClean="0"/>
+              <a:t>– 100,000</a:t>
+            </a:r>
+            <a:r>
+              <a:rPr kumimoji="1" lang="ja-JP" altLang="en-US" dirty="0" smtClean="0"/>
+              <a:t>円</a:t>
+            </a:r>
+            <a:r>
+              <a:rPr kumimoji="1" lang="en-US" altLang="ja-JP" dirty="0" smtClean="0"/>
+              <a:t>/</a:t>
+            </a:r>
+            <a:r>
+              <a:rPr kumimoji="1" lang="ja-JP" altLang="en-US" dirty="0" smtClean="0"/>
+              <a:t>月</a:t>
             </a:r>
             <a:endParaRPr kumimoji="1" lang="en-US" altLang="ja-JP" dirty="0" smtClean="0"/>
           </a:p>
           <a:p>
             <a:r>
               <a:rPr lang="ja-JP" altLang="en-US" dirty="0" smtClean="0"/>
-              <a:t>システム会社との打ち合わせ時の同席などは、訪問金額に含む</a:t>
+              <a:t>訪問料金 </a:t>
+            </a:r>
+            <a:r>
+              <a:rPr lang="en-US" altLang="ja-JP" dirty="0" smtClean="0"/>
+              <a:t>– 30,000</a:t>
+            </a:r>
+            <a:r>
+              <a:rPr lang="ja-JP" altLang="en-US" dirty="0" smtClean="0"/>
+              <a:t>円</a:t>
+            </a:r>
+            <a:r>
+              <a:rPr lang="en-US" altLang="ja-JP" dirty="0" smtClean="0"/>
+              <a:t>/ 0.5</a:t>
+            </a:r>
+            <a:r>
+              <a:rPr lang="ja-JP" altLang="en-US" dirty="0" smtClean="0"/>
+              <a:t>日</a:t>
             </a:r>
             <a:endParaRPr lang="en-US" altLang="ja-JP" dirty="0" smtClean="0"/>
           </a:p>
           <a:p>
             <a:r>
-              <a:rPr kumimoji="1" lang="ja-JP" altLang="en-US" dirty="0" smtClean="0"/>
-              <a:t>訪問を時間計算ではなく</a:t>
-            </a:r>
-            <a:r>
-              <a:rPr kumimoji="1" lang="en-US" altLang="ja-JP" dirty="0" smtClean="0"/>
-              <a:t>0.5</a:t>
-            </a:r>
-            <a:r>
-              <a:rPr kumimoji="1" lang="ja-JP" altLang="en-US" dirty="0" smtClean="0"/>
-              <a:t>日単位としたのは、僅かに往訪時間が延びる、などの場合でも</a:t>
+              <a:rPr lang="ja-JP" altLang="en-US" dirty="0" smtClean="0"/>
+              <a:t>各種調査・開発料金 </a:t>
             </a:r>
             <a:r>
               <a:rPr lang="en-US" altLang="ja-JP" dirty="0" smtClean="0"/>
-              <a:t>0.5</a:t>
+              <a:t>– </a:t>
             </a:r>
             <a:r>
               <a:rPr lang="ja-JP" altLang="en-US" dirty="0" smtClean="0"/>
-              <a:t>日の範囲内に含めるため。</a:t>
+              <a:t>都度見積り</a:t>
             </a:r>
             <a:endParaRPr lang="en-US" altLang="ja-JP" dirty="0" smtClean="0"/>
+          </a:p>
+          <a:p>
+            <a:pPr>
+              <a:buNone/>
+            </a:pPr>
+            <a:r>
+              <a:rPr lang="en-US" altLang="ja-JP" dirty="0" smtClean="0"/>
+              <a:t>※</a:t>
+            </a:r>
+            <a:r>
+              <a:rPr lang="ja-JP" altLang="en-US" dirty="0" smtClean="0"/>
+              <a:t>実費は別途</a:t>
+            </a:r>
+            <a:endParaRPr lang="en-US" altLang="ja-JP" dirty="0" smtClean="0"/>
+          </a:p>
+          <a:p>
+            <a:endParaRPr kumimoji="1" lang="en-US" altLang="ja-JP" dirty="0" smtClean="0"/>
+          </a:p>
+          <a:p>
+            <a:pPr>
+              <a:buNone/>
+            </a:pPr>
+            <a:r>
+              <a:rPr lang="ja-JP" altLang="en-US" dirty="0" smtClean="0"/>
+              <a:t>★訪問が少ないと思われる施設用のプラン</a:t>
+            </a:r>
+            <a:endParaRPr lang="en-US" altLang="ja-JP" dirty="0" smtClean="0"/>
+          </a:p>
+          <a:p>
+            <a:pPr>
+              <a:buNone/>
+            </a:pPr>
+            <a:endParaRPr lang="en-US" altLang="ja-JP" dirty="0" smtClean="0"/>
+          </a:p>
+          <a:p>
+            <a:pPr>
+              <a:buNone/>
+            </a:pPr>
+            <a:endParaRPr kumimoji="1" lang="ja-JP" altLang="en-US" dirty="0"/>
           </a:p>
         </p:txBody>
       </p:sp>
@@ -6789,6 +6705,112 @@
           <a:lstStyle/>
           <a:p>
             <a:r>
+              <a:rPr lang="ja-JP" altLang="en-US" dirty="0" smtClean="0"/>
+              <a:t>価格案捕捉</a:t>
+            </a:r>
+            <a:endParaRPr kumimoji="1" lang="ja-JP" altLang="en-US" dirty="0"/>
+          </a:p>
+        </p:txBody>
+      </p:sp>
+      <p:sp>
+        <p:nvSpPr>
+          <p:cNvPr id="3" name="コンテンツ プレースホルダ 2"/>
+          <p:cNvSpPr>
+            <a:spLocks noGrp="1"/>
+          </p:cNvSpPr>
+          <p:nvPr>
+            <p:ph idx="1"/>
+          </p:nvPr>
+        </p:nvSpPr>
+        <p:spPr>
+          <a:xfrm>
+            <a:off x="251520" y="1196752"/>
+            <a:ext cx="8640960" cy="5184576"/>
+          </a:xfrm>
+        </p:spPr>
+        <p:txBody>
+          <a:bodyPr/>
+          <a:lstStyle/>
+          <a:p>
+            <a:r>
+              <a:rPr kumimoji="1" lang="ja-JP" altLang="en-US" dirty="0" smtClean="0"/>
+              <a:t>開発作業は別途見積り</a:t>
+            </a:r>
+            <a:endParaRPr kumimoji="1" lang="en-US" altLang="ja-JP" dirty="0" smtClean="0"/>
+          </a:p>
+          <a:p>
+            <a:r>
+              <a:rPr lang="ja-JP" altLang="en-US" dirty="0" smtClean="0"/>
+              <a:t>システム会社との打ち合わせ時の同席などは、訪問金額に含む</a:t>
+            </a:r>
+            <a:endParaRPr lang="en-US" altLang="ja-JP" dirty="0" smtClean="0"/>
+          </a:p>
+          <a:p>
+            <a:r>
+              <a:rPr kumimoji="1" lang="ja-JP" altLang="en-US" dirty="0" smtClean="0"/>
+              <a:t>訪問を時間計算ではなく</a:t>
+            </a:r>
+            <a:r>
+              <a:rPr kumimoji="1" lang="en-US" altLang="ja-JP" dirty="0" smtClean="0"/>
+              <a:t>0.5</a:t>
+            </a:r>
+            <a:r>
+              <a:rPr kumimoji="1" lang="ja-JP" altLang="en-US" dirty="0" smtClean="0"/>
+              <a:t>日単位としたのは、僅かに往訪時間が延びる、などの場合でも</a:t>
+            </a:r>
+            <a:r>
+              <a:rPr lang="en-US" altLang="ja-JP" dirty="0" smtClean="0"/>
+              <a:t>0.5</a:t>
+            </a:r>
+            <a:r>
+              <a:rPr lang="ja-JP" altLang="en-US" dirty="0" smtClean="0"/>
+              <a:t>日の範囲内に含めるため。</a:t>
+            </a:r>
+            <a:endParaRPr lang="en-US" altLang="ja-JP" dirty="0" smtClean="0"/>
+          </a:p>
+        </p:txBody>
+      </p:sp>
+    </p:spTree>
+  </p:cSld>
+  <p:clrMapOvr>
+    <a:masterClrMapping/>
+  </p:clrMapOvr>
+</p:sld>
+</file>
+
+<file path=ppt/slides/slide22.xml><?xml version="1.0" encoding="utf-8"?>
+<p:sld xmlns:a="http://schemas.openxmlformats.org/drawingml/2006/main" xmlns:r="http://schemas.openxmlformats.org/officeDocument/2006/relationships" xmlns:p="http://schemas.openxmlformats.org/presentationml/2006/main">
+  <p:cSld>
+    <p:spTree>
+      <p:nvGrpSpPr>
+        <p:cNvPr id="1" name=""/>
+        <p:cNvGrpSpPr/>
+        <p:nvPr/>
+      </p:nvGrpSpPr>
+      <p:grpSpPr>
+        <a:xfrm>
+          <a:off x="0" y="0"/>
+          <a:ext cx="0" cy="0"/>
+          <a:chOff x="0" y="0"/>
+          <a:chExt cx="0" cy="0"/>
+        </a:xfrm>
+      </p:grpSpPr>
+      <p:sp>
+        <p:nvSpPr>
+          <p:cNvPr id="2" name="タイトル 1"/>
+          <p:cNvSpPr>
+            <a:spLocks noGrp="1"/>
+          </p:cNvSpPr>
+          <p:nvPr>
+            <p:ph type="title"/>
+          </p:nvPr>
+        </p:nvSpPr>
+        <p:spPr/>
+        <p:txBody>
+          <a:bodyPr/>
+          <a:lstStyle/>
+          <a:p>
+            <a:r>
               <a:rPr lang="ja-JP" altLang="en-US" b="1" dirty="0" smtClean="0"/>
               <a:t>資料ここまで</a:t>
             </a:r>
@@ -6838,13 +6860,9 @@
           <a:p>
             <a:r>
               <a:rPr lang="ja-JP" altLang="en-US" dirty="0" smtClean="0"/>
-              <a:t>大きな</a:t>
-            </a:r>
-            <a:r>
-              <a:rPr lang="ja-JP" altLang="en-US" dirty="0" smtClean="0"/>
-              <a:t>メリット</a:t>
-            </a:r>
-            <a:endParaRPr lang="ja-JP" altLang="en-US" dirty="0"/>
+              <a:t>セールスポイントまとめ</a:t>
+            </a:r>
+            <a:endParaRPr kumimoji="1" lang="ja-JP" altLang="en-US" dirty="0"/>
           </a:p>
         </p:txBody>
       </p:sp>
@@ -6858,40 +6876,10 @@
             <p:ph idx="1"/>
           </p:nvPr>
         </p:nvSpPr>
-        <p:spPr>
-          <a:xfrm>
-            <a:off x="457200" y="1268760"/>
-            <a:ext cx="8229600" cy="5184576"/>
-          </a:xfrm>
-        </p:spPr>
-        <p:txBody>
-          <a:bodyPr>
-            <a:normAutofit lnSpcReduction="10000"/>
-          </a:bodyPr>
-          <a:lstStyle/>
-          <a:p>
-            <a:r>
-              <a:rPr lang="ja-JP" altLang="en-US" dirty="0" smtClean="0"/>
-              <a:t>パソコン困りごと </a:t>
-            </a:r>
-            <a:r>
-              <a:rPr lang="en-US" altLang="ja-JP" dirty="0" smtClean="0"/>
-              <a:t>- </a:t>
-            </a:r>
-            <a:r>
-              <a:rPr lang="ja-JP" altLang="en-US" dirty="0" smtClean="0"/>
-              <a:t>現在</a:t>
-            </a:r>
-            <a:r>
-              <a:rPr lang="en-US" altLang="ja-JP" dirty="0" smtClean="0"/>
-              <a:t>PC</a:t>
-            </a:r>
-            <a:r>
-              <a:rPr lang="ja-JP" altLang="en-US" dirty="0" smtClean="0"/>
-              <a:t>で作業している中での困りごとの対応の相談・解決などを専任者を雇うこと無く行える。</a:t>
-            </a:r>
-            <a:endParaRPr lang="en-US" altLang="ja-JP" dirty="0" smtClean="0"/>
-          </a:p>
+        <p:spPr/>
+        <p:txBody>
+          <a:bodyPr/>
+          <a:lstStyle/>
           <a:p>
             <a:r>
               <a:rPr lang="en-US" altLang="ja-JP" dirty="0" smtClean="0"/>
@@ -6899,49 +6887,53 @@
             </a:r>
             <a:r>
               <a:rPr lang="ja-JP" altLang="en-US" dirty="0" smtClean="0"/>
-              <a:t>技術活用 </a:t>
-            </a:r>
-            <a:r>
-              <a:rPr lang="en-US" altLang="ja-JP" dirty="0" smtClean="0"/>
-              <a:t>- </a:t>
-            </a:r>
-            <a:r>
-              <a:rPr lang="ja-JP" altLang="en-US" dirty="0" smtClean="0"/>
-              <a:t>従来、負担となっている作業を簡単に行える機能の相談、提案などが受けられ、必要に応じて開発への段取りまで職員に負担無く行える。</a:t>
+              <a:t>に前向きという姿勢を示すことができる</a:t>
             </a:r>
             <a:endParaRPr lang="en-US" altLang="ja-JP" dirty="0" smtClean="0"/>
           </a:p>
           <a:p>
-            <a:pPr>
-              <a:buNone/>
-            </a:pPr>
-            <a:r>
-              <a:rPr lang="ja-JP" altLang="en-US" dirty="0" smtClean="0"/>
-              <a:t>⇒職員の事務作業などの負荷を軽減し、実作業へより集中できるようになる。</a:t>
-            </a:r>
-            <a:endParaRPr lang="en-US" altLang="ja-JP" dirty="0" smtClean="0"/>
-          </a:p>
-          <a:p>
-            <a:pPr>
-              <a:buNone/>
-            </a:pPr>
-            <a:r>
-              <a:rPr lang="ja-JP" altLang="en-US" dirty="0" smtClean="0"/>
-              <a:t>★</a:t>
-            </a:r>
-            <a:r>
-              <a:rPr lang="ja-JP" altLang="en-US" dirty="0" smtClean="0"/>
-              <a:t>人員の不足を</a:t>
-            </a:r>
             <a:r>
               <a:rPr lang="en-US" altLang="ja-JP" dirty="0" smtClean="0"/>
               <a:t>IT</a:t>
             </a:r>
             <a:r>
               <a:rPr lang="ja-JP" altLang="en-US" dirty="0" smtClean="0"/>
-              <a:t>技術で解消</a:t>
-            </a:r>
-            <a:endParaRPr lang="en-US" altLang="ja-JP" dirty="0" smtClean="0"/>
+              <a:t>技術専任者</a:t>
+            </a:r>
+            <a:r>
+              <a:rPr kumimoji="1" lang="ja-JP" altLang="en-US" dirty="0" smtClean="0"/>
+              <a:t>を</a:t>
+            </a:r>
+            <a:r>
+              <a:rPr lang="ja-JP" altLang="en-US" dirty="0" smtClean="0"/>
+              <a:t>常勤</a:t>
+            </a:r>
+            <a:r>
+              <a:rPr kumimoji="1" lang="ja-JP" altLang="en-US" dirty="0" smtClean="0"/>
+              <a:t>させるより安上がり</a:t>
+            </a:r>
+            <a:endParaRPr kumimoji="1" lang="en-US" altLang="ja-JP" dirty="0" smtClean="0"/>
+          </a:p>
+          <a:p>
+            <a:r>
+              <a:rPr lang="ja-JP" altLang="en-US" dirty="0" smtClean="0"/>
+              <a:t>とりあえず導入して、やはり不要と思ったときにも解約が簡単</a:t>
+            </a:r>
+            <a:r>
+              <a:rPr lang="en-US" altLang="ja-JP" dirty="0" smtClean="0"/>
+              <a:t>(</a:t>
+            </a:r>
+            <a:r>
+              <a:rPr lang="ja-JP" altLang="en-US" dirty="0" smtClean="0"/>
+              <a:t>契約延長しないのみ</a:t>
+            </a:r>
+            <a:r>
+              <a:rPr lang="en-US" altLang="ja-JP" dirty="0" smtClean="0"/>
+              <a:t>)</a:t>
+            </a:r>
+          </a:p>
+          <a:p>
+            <a:endParaRPr kumimoji="1" lang="ja-JP" altLang="en-US" dirty="0"/>
           </a:p>
         </p:txBody>
       </p:sp>
@@ -6980,25 +6972,125 @@
             <p:ph type="title"/>
           </p:nvPr>
         </p:nvSpPr>
+        <p:spPr/>
+        <p:txBody>
+          <a:bodyPr/>
+          <a:lstStyle/>
+          <a:p>
+            <a:r>
+              <a:rPr lang="ja-JP" altLang="en-US" dirty="0" smtClean="0"/>
+              <a:t>大きなメリット</a:t>
+            </a:r>
+            <a:endParaRPr lang="ja-JP" altLang="en-US" dirty="0"/>
+          </a:p>
+        </p:txBody>
+      </p:sp>
+      <p:sp>
+        <p:nvSpPr>
+          <p:cNvPr id="3" name="コンテンツ プレースホルダ 2"/>
+          <p:cNvSpPr>
+            <a:spLocks noGrp="1"/>
+          </p:cNvSpPr>
+          <p:nvPr>
+            <p:ph idx="1"/>
+          </p:nvPr>
+        </p:nvSpPr>
         <p:spPr>
           <a:xfrm>
-            <a:off x="395536" y="2564904"/>
-            <a:ext cx="8229600" cy="1143000"/>
+            <a:off x="457200" y="1268760"/>
+            <a:ext cx="8229600" cy="5184576"/>
           </a:xfrm>
         </p:spPr>
         <p:txBody>
-          <a:bodyPr/>
-          <a:lstStyle/>
-          <a:p>
-            <a:r>
-              <a:rPr lang="ja-JP" altLang="en-US" b="1" dirty="0" smtClean="0"/>
-              <a:t>パソコン</a:t>
-            </a:r>
-            <a:r>
-              <a:rPr kumimoji="1" lang="ja-JP" altLang="en-US" b="1" dirty="0" smtClean="0"/>
-              <a:t>困りごとについて</a:t>
-            </a:r>
-            <a:endParaRPr kumimoji="1" lang="ja-JP" altLang="en-US" b="1" dirty="0"/>
+          <a:bodyPr>
+            <a:normAutofit lnSpcReduction="10000"/>
+          </a:bodyPr>
+          <a:lstStyle/>
+          <a:p>
+            <a:r>
+              <a:rPr lang="ja-JP" altLang="en-US" dirty="0" smtClean="0"/>
+              <a:t>パソコン困りごと </a:t>
+            </a:r>
+            <a:r>
+              <a:rPr lang="en-US" altLang="ja-JP" dirty="0" smtClean="0"/>
+              <a:t>- </a:t>
+            </a:r>
+            <a:r>
+              <a:rPr lang="ja-JP" altLang="en-US" dirty="0" smtClean="0"/>
+              <a:t>現在</a:t>
+            </a:r>
+            <a:r>
+              <a:rPr lang="en-US" altLang="ja-JP" dirty="0" smtClean="0"/>
+              <a:t>PC</a:t>
+            </a:r>
+            <a:r>
+              <a:rPr lang="ja-JP" altLang="en-US" dirty="0" smtClean="0"/>
+              <a:t>で作業している中での困りごとの対応の相談・解決などを専任者を雇うこと無く行える</a:t>
+            </a:r>
+            <a:r>
+              <a:rPr lang="ja-JP" altLang="en-US" dirty="0" smtClean="0"/>
+              <a:t>。</a:t>
+            </a:r>
+            <a:endParaRPr lang="en-US" altLang="ja-JP" dirty="0" smtClean="0"/>
+          </a:p>
+          <a:p>
+            <a:pPr>
+              <a:buNone/>
+            </a:pPr>
+            <a:r>
+              <a:rPr lang="ja-JP" altLang="en-US" dirty="0" smtClean="0"/>
+              <a:t>⇒職員の事務作業などの負荷を軽減し、実作業へより集中できるようになる</a:t>
+            </a:r>
+            <a:r>
+              <a:rPr lang="ja-JP" altLang="en-US" dirty="0" smtClean="0"/>
+              <a:t>。</a:t>
+            </a:r>
+            <a:endParaRPr lang="en-US" altLang="ja-JP" dirty="0" smtClean="0"/>
+          </a:p>
+          <a:p>
+            <a:r>
+              <a:rPr lang="en-US" altLang="ja-JP" dirty="0" smtClean="0"/>
+              <a:t>IT</a:t>
+            </a:r>
+            <a:r>
+              <a:rPr lang="ja-JP" altLang="en-US" dirty="0" smtClean="0"/>
+              <a:t>技術活用 </a:t>
+            </a:r>
+            <a:r>
+              <a:rPr lang="en-US" altLang="ja-JP" dirty="0" smtClean="0"/>
+              <a:t>- </a:t>
+            </a:r>
+            <a:r>
+              <a:rPr lang="ja-JP" altLang="en-US" dirty="0" smtClean="0"/>
+              <a:t>従来、負担となっている作業を簡単に行える機能の相談、提案などが受けられ、必要に応じて開発への段取りまで職員に負担無く行える。</a:t>
+            </a:r>
+            <a:endParaRPr lang="en-US" altLang="ja-JP" dirty="0" smtClean="0"/>
+          </a:p>
+          <a:p>
+            <a:pPr>
+              <a:buNone/>
+            </a:pPr>
+            <a:r>
+              <a:rPr lang="ja-JP" altLang="en-US" dirty="0" smtClean="0"/>
+              <a:t>⇒</a:t>
+            </a:r>
+            <a:r>
+              <a:rPr lang="ja-JP" altLang="en-US" dirty="0" smtClean="0"/>
+              <a:t>人員</a:t>
+            </a:r>
+            <a:r>
+              <a:rPr lang="ja-JP" altLang="en-US" dirty="0" smtClean="0"/>
+              <a:t>の不足を</a:t>
+            </a:r>
+            <a:r>
+              <a:rPr lang="en-US" altLang="ja-JP" dirty="0" smtClean="0"/>
+              <a:t>IT</a:t>
+            </a:r>
+            <a:r>
+              <a:rPr lang="ja-JP" altLang="en-US" dirty="0" smtClean="0"/>
+              <a:t>技術で解消</a:t>
+            </a:r>
+            <a:endParaRPr lang="en-US" altLang="ja-JP" dirty="0" smtClean="0"/>
           </a:p>
         </p:txBody>
       </p:sp>
@@ -7039,218 +7131,23 @@
         </p:nvSpPr>
         <p:spPr>
           <a:xfrm>
-            <a:off x="251520" y="0"/>
-            <a:ext cx="8568952" cy="796950"/>
+            <a:off x="395536" y="2564904"/>
+            <a:ext cx="8229600" cy="1143000"/>
           </a:xfrm>
         </p:spPr>
         <p:txBody>
-          <a:bodyPr>
-            <a:normAutofit/>
-          </a:bodyPr>
-          <a:lstStyle/>
-          <a:p>
-            <a:r>
-              <a:rPr lang="ja-JP" altLang="en-US" sz="3600" dirty="0" smtClean="0"/>
-              <a:t>想定と回答</a:t>
-            </a:r>
-            <a:endParaRPr kumimoji="1" lang="ja-JP" altLang="en-US" sz="3600" dirty="0"/>
-          </a:p>
-        </p:txBody>
-      </p:sp>
-      <p:sp>
-        <p:nvSpPr>
-          <p:cNvPr id="3" name="コンテンツ プレースホルダ 2"/>
-          <p:cNvSpPr>
-            <a:spLocks noGrp="1"/>
-          </p:cNvSpPr>
-          <p:nvPr>
-            <p:ph idx="1"/>
-          </p:nvPr>
-        </p:nvSpPr>
-        <p:spPr>
-          <a:xfrm>
-            <a:off x="0" y="720080"/>
-            <a:ext cx="9144000" cy="6309320"/>
-          </a:xfrm>
-        </p:spPr>
-        <p:txBody>
-          <a:bodyPr>
-            <a:normAutofit fontScale="92500" lnSpcReduction="10000"/>
-          </a:bodyPr>
-          <a:lstStyle/>
-          <a:p>
-            <a:pPr>
-              <a:buNone/>
-            </a:pPr>
-            <a:r>
-              <a:rPr kumimoji="1" lang="en-US" altLang="ja-JP" sz="2400" dirty="0" smtClean="0"/>
-              <a:t>IT</a:t>
-            </a:r>
-            <a:r>
-              <a:rPr kumimoji="1" lang="ja-JP" altLang="en-US" sz="2400" dirty="0" smtClean="0"/>
-              <a:t>関連</a:t>
-            </a:r>
-            <a:r>
-              <a:rPr lang="ja-JP" altLang="en-US" sz="2400" dirty="0" smtClean="0"/>
-              <a:t>専用の職員を雇うほどでは無い。</a:t>
-            </a:r>
-            <a:endParaRPr lang="en-US" altLang="ja-JP" sz="2400" dirty="0" smtClean="0"/>
-          </a:p>
-          <a:p>
-            <a:pPr>
-              <a:buNone/>
-            </a:pPr>
-            <a:r>
-              <a:rPr lang="ja-JP" altLang="en-US" sz="2400" dirty="0" smtClean="0"/>
-              <a:t>ただ、パソコンを使用することが多くなって、対応に苦慮することがある。</a:t>
-            </a:r>
-            <a:endParaRPr lang="en-US" altLang="ja-JP" sz="2400" dirty="0" smtClean="0"/>
-          </a:p>
-          <a:p>
-            <a:pPr>
-              <a:buNone/>
-            </a:pPr>
-            <a:r>
-              <a:rPr lang="ja-JP" altLang="en-US" sz="2400" dirty="0" smtClean="0"/>
-              <a:t>⇒メール・電話での相談、状況に応じて直接訪問など、必要な時に対応を行えます。</a:t>
-            </a:r>
-            <a:endParaRPr lang="en-US" altLang="ja-JP" sz="2400" dirty="0" smtClean="0"/>
-          </a:p>
-          <a:p>
-            <a:pPr>
-              <a:buNone/>
-            </a:pPr>
-            <a:r>
-              <a:rPr lang="en-US" altLang="ja-JP" sz="2400" dirty="0" smtClean="0"/>
-              <a:t>(</a:t>
-            </a:r>
-            <a:r>
-              <a:rPr lang="ja-JP" altLang="en-US" sz="2400" dirty="0" smtClean="0"/>
-              <a:t>不要時は</a:t>
-            </a:r>
-            <a:r>
-              <a:rPr lang="en-US" altLang="ja-JP" sz="2400" dirty="0" smtClean="0"/>
-              <a:t>【</a:t>
-            </a:r>
-            <a:r>
-              <a:rPr lang="ja-JP" altLang="en-US" sz="2400" dirty="0" smtClean="0"/>
-              <a:t>契約解除</a:t>
-            </a:r>
-            <a:r>
-              <a:rPr lang="en-US" altLang="ja-JP" sz="2400" dirty="0" smtClean="0"/>
-              <a:t>】</a:t>
-            </a:r>
-            <a:r>
-              <a:rPr lang="ja-JP" altLang="en-US" sz="2400" dirty="0" smtClean="0"/>
-              <a:t>のため専任者を雇って</a:t>
-            </a:r>
-            <a:r>
-              <a:rPr lang="en-US" altLang="ja-JP" sz="2400" dirty="0" smtClean="0"/>
-              <a:t>【</a:t>
-            </a:r>
-            <a:r>
-              <a:rPr lang="ja-JP" altLang="en-US" sz="2400" dirty="0" smtClean="0"/>
-              <a:t>解雇</a:t>
-            </a:r>
-            <a:r>
-              <a:rPr lang="en-US" altLang="ja-JP" sz="2400" dirty="0" smtClean="0"/>
-              <a:t>】</a:t>
-            </a:r>
-            <a:r>
-              <a:rPr lang="ja-JP" altLang="en-US" sz="2400" dirty="0" smtClean="0"/>
-              <a:t>より気安く可能</a:t>
-            </a:r>
-            <a:r>
-              <a:rPr lang="en-US" altLang="ja-JP" sz="2400" dirty="0" smtClean="0"/>
-              <a:t>)</a:t>
-            </a:r>
-            <a:endParaRPr lang="en-US" altLang="ja-JP" sz="2400" dirty="0" smtClean="0"/>
-          </a:p>
-          <a:p>
-            <a:pPr>
-              <a:buNone/>
-            </a:pPr>
-            <a:endParaRPr lang="en-US" altLang="ja-JP" sz="2400" dirty="0" smtClean="0"/>
-          </a:p>
-          <a:p>
-            <a:pPr>
-              <a:buNone/>
-            </a:pPr>
-            <a:r>
-              <a:rPr lang="ja-JP" altLang="en-US" sz="2400" dirty="0" smtClean="0"/>
-              <a:t>難しいことではなく、単純にパソコンの使い方などを知れれば良い。</a:t>
-            </a:r>
-            <a:endParaRPr lang="en-US" altLang="ja-JP" sz="2400" dirty="0" smtClean="0"/>
-          </a:p>
-          <a:p>
-            <a:pPr>
-              <a:buNone/>
-            </a:pPr>
-            <a:r>
-              <a:rPr lang="ja-JP" altLang="en-US" sz="2400" dirty="0" smtClean="0"/>
-              <a:t>⇒パソコンで行いたいことを伺い、パソコン教室レベルの勉強会などを行えます。</a:t>
-            </a:r>
-            <a:endParaRPr lang="en-US" altLang="ja-JP" sz="2400" dirty="0" smtClean="0"/>
-          </a:p>
-          <a:p>
-            <a:pPr>
-              <a:buNone/>
-            </a:pPr>
-            <a:endParaRPr lang="en-US" altLang="ja-JP" sz="2400" dirty="0" smtClean="0"/>
-          </a:p>
-          <a:p>
-            <a:pPr>
-              <a:buNone/>
-            </a:pPr>
-            <a:r>
-              <a:rPr lang="ja-JP" altLang="en-US" sz="2400" dirty="0" smtClean="0"/>
-              <a:t>職員へ</a:t>
-            </a:r>
-            <a:r>
-              <a:rPr lang="en-US" altLang="ja-JP" sz="2400" dirty="0" smtClean="0"/>
-              <a:t>SNS</a:t>
-            </a:r>
-            <a:r>
-              <a:rPr lang="ja-JP" altLang="en-US" sz="2400" dirty="0" smtClean="0"/>
-              <a:t>などへの情報流出防止対応などを行いたい。</a:t>
-            </a:r>
-            <a:endParaRPr lang="en-US" altLang="ja-JP" sz="2400" dirty="0" smtClean="0"/>
-          </a:p>
-          <a:p>
-            <a:pPr>
-              <a:buNone/>
-            </a:pPr>
-            <a:r>
-              <a:rPr lang="ja-JP" altLang="en-US" sz="2400" dirty="0" smtClean="0"/>
-              <a:t>⇒金融・保険・通信などの業界経験で培った流出防止対応を、噛み砕いてご説明し、勉強会の開催や資料をお渡しいたします。</a:t>
-            </a:r>
-            <a:endParaRPr lang="en-US" altLang="ja-JP" sz="2400" dirty="0" smtClean="0"/>
-          </a:p>
-          <a:p>
-            <a:pPr>
-              <a:buNone/>
-            </a:pPr>
-            <a:endParaRPr lang="en-US" altLang="ja-JP" sz="2400" dirty="0" smtClean="0"/>
-          </a:p>
-          <a:p>
-            <a:pPr>
-              <a:buNone/>
-            </a:pPr>
-            <a:r>
-              <a:rPr lang="ja-JP" altLang="en-US" sz="2400" dirty="0" smtClean="0"/>
-              <a:t>最先端技術を使ってみたい。</a:t>
-            </a:r>
-            <a:endParaRPr lang="en-US" altLang="ja-JP" sz="2400" dirty="0" smtClean="0"/>
-          </a:p>
-          <a:p>
-            <a:pPr>
-              <a:buNone/>
-            </a:pPr>
-            <a:r>
-              <a:rPr lang="ja-JP" altLang="en-US" sz="2400" dirty="0" smtClean="0"/>
-              <a:t>⇒具体的に何を使いたいかをお聞きし、業務に即する形で実際どのように使用できるかを提案いたします。</a:t>
-            </a:r>
-            <a:endParaRPr lang="en-US" altLang="ja-JP" sz="2400" dirty="0" smtClean="0"/>
+          <a:bodyPr/>
+          <a:lstStyle/>
+          <a:p>
+            <a:r>
+              <a:rPr lang="ja-JP" altLang="en-US" b="1" dirty="0" smtClean="0"/>
+              <a:t>パソコン</a:t>
+            </a:r>
+            <a:r>
+              <a:rPr kumimoji="1" lang="ja-JP" altLang="en-US" b="1" dirty="0" smtClean="0"/>
+              <a:t>困りごとについて</a:t>
+            </a:r>
+            <a:endParaRPr kumimoji="1" lang="ja-JP" altLang="en-US" b="1" dirty="0"/>
           </a:p>
         </p:txBody>
       </p:sp>
@@ -7291,23 +7188,217 @@
         </p:nvSpPr>
         <p:spPr>
           <a:xfrm>
-            <a:off x="395536" y="2564904"/>
-            <a:ext cx="8229600" cy="1143000"/>
+            <a:off x="251520" y="0"/>
+            <a:ext cx="8568952" cy="796950"/>
           </a:xfrm>
         </p:spPr>
         <p:txBody>
-          <a:bodyPr/>
-          <a:lstStyle/>
-          <a:p>
-            <a:r>
-              <a:rPr kumimoji="1" lang="en-US" altLang="ja-JP" b="1" dirty="0" smtClean="0"/>
+          <a:bodyPr>
+            <a:normAutofit/>
+          </a:bodyPr>
+          <a:lstStyle/>
+          <a:p>
+            <a:r>
+              <a:rPr lang="ja-JP" altLang="en-US" sz="3600" dirty="0" smtClean="0"/>
+              <a:t>想定と回答</a:t>
+            </a:r>
+            <a:endParaRPr kumimoji="1" lang="ja-JP" altLang="en-US" sz="3600" dirty="0"/>
+          </a:p>
+        </p:txBody>
+      </p:sp>
+      <p:sp>
+        <p:nvSpPr>
+          <p:cNvPr id="3" name="コンテンツ プレースホルダ 2"/>
+          <p:cNvSpPr>
+            <a:spLocks noGrp="1"/>
+          </p:cNvSpPr>
+          <p:nvPr>
+            <p:ph idx="1"/>
+          </p:nvPr>
+        </p:nvSpPr>
+        <p:spPr>
+          <a:xfrm>
+            <a:off x="0" y="720080"/>
+            <a:ext cx="9144000" cy="6309320"/>
+          </a:xfrm>
+        </p:spPr>
+        <p:txBody>
+          <a:bodyPr>
+            <a:normAutofit fontScale="92500" lnSpcReduction="10000"/>
+          </a:bodyPr>
+          <a:lstStyle/>
+          <a:p>
+            <a:pPr>
+              <a:buNone/>
+            </a:pPr>
+            <a:r>
+              <a:rPr kumimoji="1" lang="en-US" altLang="ja-JP" sz="2400" dirty="0" smtClean="0"/>
               <a:t>IT</a:t>
             </a:r>
             <a:r>
-              <a:rPr kumimoji="1" lang="ja-JP" altLang="en-US" b="1" dirty="0" smtClean="0"/>
-              <a:t>技術活用について</a:t>
-            </a:r>
-            <a:endParaRPr kumimoji="1" lang="ja-JP" altLang="en-US" b="1" dirty="0"/>
+              <a:rPr kumimoji="1" lang="ja-JP" altLang="en-US" sz="2400" dirty="0" smtClean="0"/>
+              <a:t>関連</a:t>
+            </a:r>
+            <a:r>
+              <a:rPr lang="ja-JP" altLang="en-US" sz="2400" dirty="0" smtClean="0"/>
+              <a:t>専用の職員を雇うほどでは無い。</a:t>
+            </a:r>
+            <a:endParaRPr lang="en-US" altLang="ja-JP" sz="2400" dirty="0" smtClean="0"/>
+          </a:p>
+          <a:p>
+            <a:pPr>
+              <a:buNone/>
+            </a:pPr>
+            <a:r>
+              <a:rPr lang="ja-JP" altLang="en-US" sz="2400" dirty="0" smtClean="0"/>
+              <a:t>ただ、パソコンを使用することが多くなって、対応に苦慮することがある。</a:t>
+            </a:r>
+            <a:endParaRPr lang="en-US" altLang="ja-JP" sz="2400" dirty="0" smtClean="0"/>
+          </a:p>
+          <a:p>
+            <a:pPr>
+              <a:buNone/>
+            </a:pPr>
+            <a:r>
+              <a:rPr lang="ja-JP" altLang="en-US" sz="2400" dirty="0" smtClean="0"/>
+              <a:t>⇒メール・電話での相談、状況に応じて直接訪問など、必要な時に対応を行えます。</a:t>
+            </a:r>
+            <a:endParaRPr lang="en-US" altLang="ja-JP" sz="2400" dirty="0" smtClean="0"/>
+          </a:p>
+          <a:p>
+            <a:pPr>
+              <a:buNone/>
+            </a:pPr>
+            <a:r>
+              <a:rPr lang="en-US" altLang="ja-JP" sz="2400" dirty="0" smtClean="0"/>
+              <a:t>(</a:t>
+            </a:r>
+            <a:r>
+              <a:rPr lang="ja-JP" altLang="en-US" sz="2400" dirty="0" smtClean="0"/>
+              <a:t>不要時は</a:t>
+            </a:r>
+            <a:r>
+              <a:rPr lang="en-US" altLang="ja-JP" sz="2400" dirty="0" smtClean="0"/>
+              <a:t>【</a:t>
+            </a:r>
+            <a:r>
+              <a:rPr lang="ja-JP" altLang="en-US" sz="2400" dirty="0" smtClean="0"/>
+              <a:t>契約解除</a:t>
+            </a:r>
+            <a:r>
+              <a:rPr lang="en-US" altLang="ja-JP" sz="2400" dirty="0" smtClean="0"/>
+              <a:t>】</a:t>
+            </a:r>
+            <a:r>
+              <a:rPr lang="ja-JP" altLang="en-US" sz="2400" dirty="0" smtClean="0"/>
+              <a:t>のため専任者を雇って</a:t>
+            </a:r>
+            <a:r>
+              <a:rPr lang="en-US" altLang="ja-JP" sz="2400" dirty="0" smtClean="0"/>
+              <a:t>【</a:t>
+            </a:r>
+            <a:r>
+              <a:rPr lang="ja-JP" altLang="en-US" sz="2400" dirty="0" smtClean="0"/>
+              <a:t>解雇</a:t>
+            </a:r>
+            <a:r>
+              <a:rPr lang="en-US" altLang="ja-JP" sz="2400" dirty="0" smtClean="0"/>
+              <a:t>】</a:t>
+            </a:r>
+            <a:r>
+              <a:rPr lang="ja-JP" altLang="en-US" sz="2400" dirty="0" smtClean="0"/>
+              <a:t>より気安く可能</a:t>
+            </a:r>
+            <a:r>
+              <a:rPr lang="en-US" altLang="ja-JP" sz="2400" dirty="0" smtClean="0"/>
+              <a:t>)</a:t>
+            </a:r>
+          </a:p>
+          <a:p>
+            <a:pPr>
+              <a:buNone/>
+            </a:pPr>
+            <a:endParaRPr lang="en-US" altLang="ja-JP" sz="2400" dirty="0" smtClean="0"/>
+          </a:p>
+          <a:p>
+            <a:pPr>
+              <a:buNone/>
+            </a:pPr>
+            <a:r>
+              <a:rPr lang="ja-JP" altLang="en-US" sz="2400" dirty="0" smtClean="0"/>
+              <a:t>難しいことではなく、単純にパソコンの使い方などを知れれば良い。</a:t>
+            </a:r>
+            <a:endParaRPr lang="en-US" altLang="ja-JP" sz="2400" dirty="0" smtClean="0"/>
+          </a:p>
+          <a:p>
+            <a:pPr>
+              <a:buNone/>
+            </a:pPr>
+            <a:r>
+              <a:rPr lang="ja-JP" altLang="en-US" sz="2400" dirty="0" smtClean="0"/>
+              <a:t>⇒パソコンで行いたいことを伺い、パソコン教室レベルの勉強会などを行えます。</a:t>
+            </a:r>
+            <a:endParaRPr lang="en-US" altLang="ja-JP" sz="2400" dirty="0" smtClean="0"/>
+          </a:p>
+          <a:p>
+            <a:pPr>
+              <a:buNone/>
+            </a:pPr>
+            <a:endParaRPr lang="en-US" altLang="ja-JP" sz="2400" dirty="0" smtClean="0"/>
+          </a:p>
+          <a:p>
+            <a:pPr>
+              <a:buNone/>
+            </a:pPr>
+            <a:r>
+              <a:rPr lang="ja-JP" altLang="en-US" sz="2400" dirty="0" smtClean="0"/>
+              <a:t>職員へ</a:t>
+            </a:r>
+            <a:r>
+              <a:rPr lang="en-US" altLang="ja-JP" sz="2400" dirty="0" smtClean="0"/>
+              <a:t>SNS</a:t>
+            </a:r>
+            <a:r>
+              <a:rPr lang="ja-JP" altLang="en-US" sz="2400" dirty="0" smtClean="0"/>
+              <a:t>などへの情報流出防止対応などを行いたい。</a:t>
+            </a:r>
+            <a:endParaRPr lang="en-US" altLang="ja-JP" sz="2400" dirty="0" smtClean="0"/>
+          </a:p>
+          <a:p>
+            <a:pPr>
+              <a:buNone/>
+            </a:pPr>
+            <a:r>
+              <a:rPr lang="ja-JP" altLang="en-US" sz="2400" dirty="0" smtClean="0"/>
+              <a:t>⇒金融・保険・通信などの業界経験で培った流出防止対応を、噛み砕いてご説明し、勉強会の開催や資料をお渡しいたします。</a:t>
+            </a:r>
+            <a:endParaRPr lang="en-US" altLang="ja-JP" sz="2400" dirty="0" smtClean="0"/>
+          </a:p>
+          <a:p>
+            <a:pPr>
+              <a:buNone/>
+            </a:pPr>
+            <a:endParaRPr lang="en-US" altLang="ja-JP" sz="2400" dirty="0" smtClean="0"/>
+          </a:p>
+          <a:p>
+            <a:pPr>
+              <a:buNone/>
+            </a:pPr>
+            <a:r>
+              <a:rPr lang="ja-JP" altLang="en-US" sz="2400" dirty="0" smtClean="0"/>
+              <a:t>最先端技術を使ってみたい。</a:t>
+            </a:r>
+            <a:endParaRPr lang="en-US" altLang="ja-JP" sz="2400" dirty="0" smtClean="0"/>
+          </a:p>
+          <a:p>
+            <a:pPr>
+              <a:buNone/>
+            </a:pPr>
+            <a:r>
+              <a:rPr lang="ja-JP" altLang="en-US" sz="2400" dirty="0" smtClean="0"/>
+              <a:t>⇒具体的に何を使いたいかをお聞きし、業務に即する形で実際どのように使用できるかを提案いたします。</a:t>
+            </a:r>
+            <a:endParaRPr lang="en-US" altLang="ja-JP" sz="2400" dirty="0" smtClean="0"/>
           </a:p>
         </p:txBody>
       </p:sp>
@@ -7348,7 +7439,7 @@
         </p:nvSpPr>
         <p:spPr>
           <a:xfrm>
-            <a:off x="457200" y="116632"/>
+            <a:off x="395536" y="2564904"/>
             <a:ext cx="8229600" cy="1143000"/>
           </a:xfrm>
         </p:spPr>
@@ -7357,161 +7448,14 @@
           <a:lstStyle/>
           <a:p>
             <a:r>
-              <a:rPr lang="en-US" altLang="ja-JP" dirty="0" smtClean="0"/>
+              <a:rPr kumimoji="1" lang="en-US" altLang="ja-JP" b="1" dirty="0" smtClean="0"/>
               <a:t>IT</a:t>
             </a:r>
             <a:r>
-              <a:rPr lang="ja-JP" altLang="en-US" dirty="0" smtClean="0"/>
-              <a:t>技術</a:t>
-            </a:r>
-            <a:r>
-              <a:rPr lang="ja-JP" altLang="en-US" dirty="0" smtClean="0"/>
-              <a:t>に</a:t>
-            </a:r>
-            <a:r>
-              <a:rPr lang="ja-JP" altLang="en-US" dirty="0" smtClean="0"/>
-              <a:t>よる機能の活用先</a:t>
-            </a:r>
-            <a:endParaRPr kumimoji="1" lang="ja-JP" altLang="en-US" dirty="0"/>
-          </a:p>
-        </p:txBody>
-      </p:sp>
-      <p:sp>
-        <p:nvSpPr>
-          <p:cNvPr id="3" name="コンテンツ プレースホルダ 2"/>
-          <p:cNvSpPr>
-            <a:spLocks noGrp="1"/>
-          </p:cNvSpPr>
-          <p:nvPr>
-            <p:ph idx="1"/>
-          </p:nvPr>
-        </p:nvSpPr>
-        <p:spPr>
-          <a:xfrm>
-            <a:off x="457200" y="1196752"/>
-            <a:ext cx="8229600" cy="5256584"/>
-          </a:xfrm>
-        </p:spPr>
-        <p:txBody>
-          <a:bodyPr/>
-          <a:lstStyle/>
-          <a:p>
-            <a:r>
-              <a:rPr kumimoji="1" lang="ja-JP" altLang="en-US" dirty="0" smtClean="0"/>
-              <a:t>施設側</a:t>
-            </a:r>
-            <a:r>
-              <a:rPr kumimoji="1" lang="ja-JP" altLang="en-US" dirty="0" smtClean="0"/>
-              <a:t>はどんなところに</a:t>
-            </a:r>
-            <a:r>
-              <a:rPr kumimoji="1" lang="en-US" altLang="ja-JP" dirty="0" smtClean="0"/>
-              <a:t>IT</a:t>
-            </a:r>
-            <a:r>
-              <a:rPr kumimoji="1" lang="ja-JP" altLang="en-US" dirty="0" smtClean="0"/>
-              <a:t>サービスを取り入れられるだろうか？</a:t>
-            </a:r>
-            <a:endParaRPr kumimoji="1" lang="en-US" altLang="ja-JP" dirty="0" smtClean="0"/>
-          </a:p>
-          <a:p>
-            <a:pPr>
-              <a:buFont typeface="Wingdings" pitchFamily="2" charset="2"/>
-              <a:buChar char="p"/>
-            </a:pPr>
-            <a:r>
-              <a:rPr kumimoji="1" lang="ja-JP" altLang="en-US" dirty="0" smtClean="0"/>
-              <a:t>日報や申し送り資料の一元管理化</a:t>
-            </a:r>
-            <a:endParaRPr kumimoji="1" lang="en-US" altLang="ja-JP" dirty="0" smtClean="0"/>
-          </a:p>
-          <a:p>
-            <a:pPr>
-              <a:buFont typeface="Wingdings" pitchFamily="2" charset="2"/>
-              <a:buChar char="p"/>
-            </a:pPr>
-            <a:r>
-              <a:rPr lang="ja-JP" altLang="en-US" dirty="0" smtClean="0"/>
-              <a:t>在宅ケア者向けの</a:t>
-            </a:r>
-            <a:r>
-              <a:rPr lang="en-US" altLang="ja-JP" dirty="0" smtClean="0"/>
-              <a:t>Web</a:t>
-            </a:r>
-            <a:r>
-              <a:rPr lang="ja-JP" altLang="en-US" dirty="0" smtClean="0"/>
-              <a:t>カメラ導入や貸出</a:t>
-            </a:r>
-            <a:endParaRPr lang="en-US" altLang="ja-JP" dirty="0" smtClean="0"/>
-          </a:p>
-          <a:p>
-            <a:pPr>
-              <a:buFont typeface="Wingdings" pitchFamily="2" charset="2"/>
-              <a:buChar char="p"/>
-            </a:pPr>
-            <a:r>
-              <a:rPr kumimoji="1" lang="ja-JP" altLang="en-US" dirty="0" smtClean="0"/>
-              <a:t>利用者集合空間のカメラ映像から、挙動による状態変化確認</a:t>
-            </a:r>
-            <a:r>
-              <a:rPr kumimoji="1" lang="en-US" altLang="ja-JP" dirty="0" smtClean="0"/>
-              <a:t>(AI</a:t>
-            </a:r>
-            <a:r>
-              <a:rPr kumimoji="1" lang="ja-JP" altLang="en-US" dirty="0" smtClean="0"/>
-              <a:t>技術などにより</a:t>
-            </a:r>
-            <a:r>
-              <a:rPr kumimoji="1" lang="en-US" altLang="ja-JP" dirty="0" smtClean="0"/>
-              <a:t>)</a:t>
-            </a:r>
-          </a:p>
-          <a:p>
-            <a:pPr>
-              <a:buFont typeface="Wingdings" pitchFamily="2" charset="2"/>
-              <a:buChar char="p"/>
-            </a:pPr>
-            <a:r>
-              <a:rPr lang="ja-JP" altLang="en-US" dirty="0" smtClean="0"/>
-              <a:t>各居室の施錠確認など</a:t>
-            </a:r>
-            <a:endParaRPr lang="en-US" altLang="ja-JP" dirty="0" smtClean="0"/>
-          </a:p>
-          <a:p>
-            <a:pPr>
-              <a:buFont typeface="Wingdings" pitchFamily="2" charset="2"/>
-              <a:buChar char="p"/>
-            </a:pPr>
-            <a:r>
-              <a:rPr kumimoji="1" lang="ja-JP" altLang="en-US" dirty="0" smtClean="0"/>
-              <a:t>利用者家族への</a:t>
-            </a:r>
-            <a:r>
-              <a:rPr kumimoji="1" lang="ja-JP" altLang="en-US" dirty="0" smtClean="0"/>
-              <a:t>連絡先確認簡易化</a:t>
-            </a:r>
-            <a:endParaRPr kumimoji="1" lang="en-US" altLang="ja-JP" dirty="0" smtClean="0"/>
-          </a:p>
-          <a:p>
-            <a:pPr>
-              <a:buNone/>
-            </a:pPr>
-            <a:r>
-              <a:rPr lang="ja-JP" altLang="en-US" dirty="0" err="1" smtClean="0"/>
-              <a:t>．．．</a:t>
-            </a:r>
-            <a:r>
-              <a:rPr lang="ja-JP" altLang="en-US" dirty="0" smtClean="0"/>
-              <a:t>個別の施設を考えるともっとあるはず</a:t>
-            </a:r>
-            <a:endParaRPr kumimoji="1" lang="en-US" altLang="ja-JP" dirty="0" smtClean="0"/>
-          </a:p>
-          <a:p>
-            <a:pPr>
-              <a:buFont typeface="Wingdings" pitchFamily="2" charset="2"/>
-              <a:buChar char="p"/>
-            </a:pPr>
-            <a:endParaRPr kumimoji="1" lang="ja-JP" altLang="en-US" dirty="0"/>
+              <a:rPr kumimoji="1" lang="ja-JP" altLang="en-US" b="1" dirty="0" smtClean="0"/>
+              <a:t>技術活用について</a:t>
+            </a:r>
+            <a:endParaRPr kumimoji="1" lang="ja-JP" altLang="en-US" b="1" dirty="0"/>
           </a:p>
         </p:txBody>
       </p:sp>
@@ -7550,180 +7494,156 @@
             <p:ph type="title"/>
           </p:nvPr>
         </p:nvSpPr>
-        <p:spPr/>
+        <p:spPr>
+          <a:xfrm>
+            <a:off x="457200" y="116632"/>
+            <a:ext cx="8229600" cy="1143000"/>
+          </a:xfrm>
+        </p:spPr>
         <p:txBody>
           <a:bodyPr/>
           <a:lstStyle/>
           <a:p>
+            <a:r>
+              <a:rPr lang="en-US" altLang="ja-JP" dirty="0" smtClean="0"/>
+              <a:t>IT</a:t>
+            </a:r>
+            <a:r>
+              <a:rPr lang="ja-JP" altLang="en-US" dirty="0" smtClean="0"/>
+              <a:t>技術による機能の活用先</a:t>
+            </a:r>
+            <a:endParaRPr kumimoji="1" lang="ja-JP" altLang="en-US" dirty="0"/>
+          </a:p>
+        </p:txBody>
+      </p:sp>
+      <p:sp>
+        <p:nvSpPr>
+          <p:cNvPr id="3" name="コンテンツ プレースホルダ 2"/>
+          <p:cNvSpPr>
+            <a:spLocks noGrp="1"/>
+          </p:cNvSpPr>
+          <p:nvPr>
+            <p:ph idx="1"/>
+          </p:nvPr>
+        </p:nvSpPr>
+        <p:spPr>
+          <a:xfrm>
+            <a:off x="457200" y="1196752"/>
+            <a:ext cx="8229600" cy="5256584"/>
+          </a:xfrm>
+        </p:spPr>
+        <p:txBody>
+          <a:bodyPr/>
+          <a:lstStyle/>
+          <a:p>
+            <a:r>
+              <a:rPr kumimoji="1" lang="ja-JP" altLang="en-US" dirty="0" smtClean="0"/>
+              <a:t>施設側はどんなところに</a:t>
+            </a:r>
             <a:r>
               <a:rPr kumimoji="1" lang="en-US" altLang="ja-JP" dirty="0" smtClean="0"/>
               <a:t>IT</a:t>
             </a:r>
             <a:r>
               <a:rPr kumimoji="1" lang="ja-JP" altLang="en-US" dirty="0" smtClean="0"/>
-              <a:t>技術を取り入れた</a:t>
-            </a:r>
+              <a:t>サービスを取り入れられるだろうか？</a:t>
+            </a:r>
+            <a:endParaRPr kumimoji="1" lang="en-US" altLang="ja-JP" dirty="0" smtClean="0"/>
+          </a:p>
+          <a:p>
+            <a:pPr>
+              <a:buFont typeface="Wingdings" pitchFamily="2" charset="2"/>
+              <a:buChar char="p"/>
+            </a:pPr>
             <a:r>
               <a:rPr kumimoji="1" lang="ja-JP" altLang="en-US" dirty="0" smtClean="0"/>
-              <a:t>際のメリット</a:t>
-            </a:r>
+              <a:t>日報や申し送り資料の一元管理化</a:t>
+            </a:r>
+            <a:endParaRPr kumimoji="1" lang="en-US" altLang="ja-JP" dirty="0" smtClean="0"/>
+          </a:p>
+          <a:p>
+            <a:pPr>
+              <a:buFont typeface="Wingdings" pitchFamily="2" charset="2"/>
+              <a:buChar char="p"/>
+            </a:pPr>
+            <a:r>
+              <a:rPr lang="ja-JP" altLang="en-US" dirty="0" smtClean="0"/>
+              <a:t>在宅ケア者向けの</a:t>
+            </a:r>
+            <a:r>
+              <a:rPr lang="en-US" altLang="ja-JP" dirty="0" smtClean="0"/>
+              <a:t>Web</a:t>
+            </a:r>
+            <a:r>
+              <a:rPr lang="ja-JP" altLang="en-US" dirty="0" smtClean="0"/>
+              <a:t>カメラ導入や貸出</a:t>
+            </a:r>
+            <a:endParaRPr lang="en-US" altLang="ja-JP" dirty="0" smtClean="0"/>
+          </a:p>
+          <a:p>
+            <a:pPr>
+              <a:buFont typeface="Wingdings" pitchFamily="2" charset="2"/>
+              <a:buChar char="p"/>
+            </a:pPr>
+            <a:r>
+              <a:rPr kumimoji="1" lang="ja-JP" altLang="en-US" dirty="0" smtClean="0"/>
+              <a:t>利用者集合空間のカメラ映像から、挙動による状態変化確認</a:t>
+            </a:r>
+            <a:r>
+              <a:rPr kumimoji="1" lang="en-US" altLang="ja-JP" dirty="0" smtClean="0"/>
+              <a:t>(AI</a:t>
+            </a:r>
+            <a:r>
+              <a:rPr kumimoji="1" lang="ja-JP" altLang="en-US" dirty="0" smtClean="0"/>
+              <a:t>技術などにより</a:t>
+            </a:r>
+            <a:r>
+              <a:rPr kumimoji="1" lang="en-US" altLang="ja-JP" dirty="0" smtClean="0"/>
+              <a:t>)</a:t>
+            </a:r>
+          </a:p>
+          <a:p>
+            <a:pPr>
+              <a:buFont typeface="Wingdings" pitchFamily="2" charset="2"/>
+              <a:buChar char="p"/>
+            </a:pPr>
+            <a:r>
+              <a:rPr lang="ja-JP" altLang="en-US" dirty="0" smtClean="0"/>
+              <a:t>各居室の施錠確認など</a:t>
+            </a:r>
+            <a:endParaRPr lang="en-US" altLang="ja-JP" dirty="0" smtClean="0"/>
+          </a:p>
+          <a:p>
+            <a:pPr>
+              <a:buFont typeface="Wingdings" pitchFamily="2" charset="2"/>
+              <a:buChar char="p"/>
+            </a:pPr>
+            <a:r>
+              <a:rPr kumimoji="1" lang="ja-JP" altLang="en-US" dirty="0" smtClean="0"/>
+              <a:t>利用者家族への連絡先確認簡易化</a:t>
+            </a:r>
+            <a:endParaRPr kumimoji="1" lang="en-US" altLang="ja-JP" dirty="0" smtClean="0"/>
+          </a:p>
+          <a:p>
+            <a:pPr>
+              <a:buNone/>
+            </a:pPr>
+            <a:r>
+              <a:rPr lang="ja-JP" altLang="en-US" dirty="0" err="1" smtClean="0"/>
+              <a:t>．．．</a:t>
+            </a:r>
+            <a:r>
+              <a:rPr lang="ja-JP" altLang="en-US" dirty="0" smtClean="0"/>
+              <a:t>個別の施設を考えるともっとあるはず</a:t>
+            </a:r>
+            <a:endParaRPr kumimoji="1" lang="en-US" altLang="ja-JP" dirty="0" smtClean="0"/>
+          </a:p>
+          <a:p>
+            <a:pPr>
+              <a:buFont typeface="Wingdings" pitchFamily="2" charset="2"/>
+              <a:buChar char="p"/>
+            </a:pPr>
             <a:endParaRPr kumimoji="1" lang="ja-JP" altLang="en-US" dirty="0"/>
-          </a:p>
-        </p:txBody>
-      </p:sp>
-      <p:sp>
-        <p:nvSpPr>
-          <p:cNvPr id="3" name="コンテンツ プレースホルダ 2"/>
-          <p:cNvSpPr>
-            <a:spLocks noGrp="1"/>
-          </p:cNvSpPr>
-          <p:nvPr>
-            <p:ph idx="1"/>
-          </p:nvPr>
-        </p:nvSpPr>
-        <p:spPr>
-          <a:xfrm>
-            <a:off x="467544" y="1268760"/>
-            <a:ext cx="8229600" cy="5040560"/>
-          </a:xfrm>
-        </p:spPr>
-        <p:txBody>
-          <a:bodyPr/>
-          <a:lstStyle/>
-          <a:p>
-            <a:r>
-              <a:rPr kumimoji="1" lang="ja-JP" altLang="en-US" dirty="0" smtClean="0"/>
-              <a:t>大きく分けると、以下をあげ</a:t>
-            </a:r>
-            <a:r>
-              <a:rPr lang="ja-JP" altLang="en-US" dirty="0"/>
-              <a:t>られる</a:t>
-            </a:r>
-            <a:r>
-              <a:rPr kumimoji="1" lang="ja-JP" altLang="en-US" dirty="0" smtClean="0"/>
-              <a:t>。</a:t>
-            </a:r>
-            <a:endParaRPr kumimoji="1" lang="en-US" altLang="ja-JP" dirty="0" smtClean="0"/>
-          </a:p>
-          <a:p>
-            <a:pPr marL="514350" indent="-514350">
-              <a:buFont typeface="+mj-lt"/>
-              <a:buAutoNum type="arabicPeriod"/>
-            </a:pPr>
-            <a:r>
-              <a:rPr kumimoji="1" lang="ja-JP" altLang="en-US" sz="2800" dirty="0" smtClean="0"/>
-              <a:t>事務仕事</a:t>
-            </a:r>
-            <a:r>
-              <a:rPr lang="ja-JP" altLang="en-US" sz="2800" dirty="0"/>
-              <a:t>の</a:t>
-            </a:r>
-            <a:r>
-              <a:rPr lang="ja-JP" altLang="en-US" sz="2800" dirty="0" smtClean="0"/>
-              <a:t>簡略化 </a:t>
-            </a:r>
-            <a:r>
-              <a:rPr lang="en-US" altLang="ja-JP" sz="2800" dirty="0" smtClean="0"/>
-              <a:t>– </a:t>
-            </a:r>
-            <a:r>
-              <a:rPr lang="ja-JP" altLang="en-US" sz="2800" dirty="0" smtClean="0"/>
-              <a:t>日報の記載をフォーマットから記載できたり、利用者とその家族の連絡する時に、簡単に多くの連絡先</a:t>
-            </a:r>
-            <a:r>
-              <a:rPr lang="en-US" altLang="ja-JP" sz="2800" dirty="0" smtClean="0"/>
-              <a:t>(</a:t>
-            </a:r>
-            <a:r>
-              <a:rPr lang="ja-JP" altLang="en-US" sz="2800" dirty="0" smtClean="0"/>
-              <a:t>携帯電話・メール・</a:t>
-            </a:r>
-            <a:r>
-              <a:rPr lang="en-US" altLang="ja-JP" sz="2800" dirty="0" smtClean="0"/>
-              <a:t>line</a:t>
-            </a:r>
-            <a:r>
-              <a:rPr lang="ja-JP" altLang="en-US" sz="2800" dirty="0" smtClean="0"/>
-              <a:t>など</a:t>
-            </a:r>
-            <a:r>
-              <a:rPr lang="en-US" altLang="ja-JP" sz="2800" dirty="0" smtClean="0"/>
-              <a:t>)</a:t>
-            </a:r>
-            <a:r>
-              <a:rPr lang="ja-JP" altLang="en-US" sz="2800" dirty="0" smtClean="0"/>
-              <a:t>を一度に確認できる。</a:t>
-            </a:r>
-            <a:endParaRPr lang="en-US" altLang="ja-JP" sz="2800" dirty="0" smtClean="0"/>
-          </a:p>
-          <a:p>
-            <a:pPr marL="514350" indent="-514350">
-              <a:buFont typeface="+mj-lt"/>
-              <a:buAutoNum type="arabicPeriod"/>
-            </a:pPr>
-            <a:r>
-              <a:rPr kumimoji="1" lang="ja-JP" altLang="en-US" sz="2800" dirty="0" smtClean="0"/>
-              <a:t>確認作業等の負荷軽減 </a:t>
-            </a:r>
-            <a:r>
-              <a:rPr kumimoji="1" lang="en-US" altLang="ja-JP" sz="2800" dirty="0" smtClean="0"/>
-              <a:t>+ </a:t>
-            </a:r>
-            <a:r>
-              <a:rPr kumimoji="1" lang="ja-JP" altLang="en-US" sz="2800" dirty="0" smtClean="0"/>
-              <a:t>確実性の増加 </a:t>
-            </a:r>
-            <a:r>
-              <a:rPr kumimoji="1" lang="en-US" altLang="ja-JP" sz="2800" dirty="0" smtClean="0"/>
-              <a:t>– </a:t>
-            </a:r>
-            <a:r>
-              <a:rPr kumimoji="1" lang="ja-JP" altLang="en-US" sz="2800" dirty="0" smtClean="0"/>
-              <a:t>施錠の確認や、</a:t>
-            </a:r>
-            <a:r>
-              <a:rPr kumimoji="1" lang="en-US" altLang="ja-JP" sz="2800" dirty="0" smtClean="0"/>
-              <a:t>Web</a:t>
-            </a:r>
-            <a:r>
-              <a:rPr kumimoji="1" lang="ja-JP" altLang="en-US" sz="2800" dirty="0" smtClean="0"/>
-              <a:t>カメラの活用により、一目で職員が足を使</a:t>
-            </a:r>
-            <a:r>
-              <a:rPr lang="ja-JP" altLang="en-US" sz="2800" dirty="0"/>
-              <a:t>うより</a:t>
-            </a:r>
-            <a:r>
-              <a:rPr kumimoji="1" lang="ja-JP" altLang="en-US" sz="2800" dirty="0" smtClean="0"/>
-              <a:t>確実に</a:t>
-            </a:r>
-            <a:r>
-              <a:rPr kumimoji="1" lang="ja-JP" altLang="en-US" sz="2800" dirty="0" smtClean="0"/>
-              <a:t>、確認</a:t>
-            </a:r>
-            <a:r>
-              <a:rPr kumimoji="1" lang="ja-JP" altLang="en-US" sz="2800" dirty="0" smtClean="0"/>
-              <a:t>作業を遂行できる。</a:t>
-            </a:r>
-            <a:endParaRPr kumimoji="1" lang="en-US" altLang="ja-JP" sz="2800" dirty="0" smtClean="0"/>
-          </a:p>
-          <a:p>
-            <a:pPr marL="514350" indent="-514350">
-              <a:buFont typeface="+mj-lt"/>
-              <a:buAutoNum type="arabicPeriod"/>
-            </a:pPr>
-            <a:r>
-              <a:rPr lang="ja-JP" altLang="en-US" sz="2800" dirty="0" smtClean="0"/>
-              <a:t>最先端技術の使用により、変化の予兆を人による確認より先にキャッチできる。</a:t>
-            </a:r>
-            <a:endParaRPr kumimoji="1" lang="en-US" altLang="ja-JP" sz="2800" dirty="0" smtClean="0"/>
-          </a:p>
-          <a:p>
-            <a:pPr marL="514350" indent="-514350">
-              <a:buFont typeface="+mj-lt"/>
-              <a:buAutoNum type="arabicPeriod"/>
-            </a:pPr>
-            <a:endParaRPr kumimoji="1" lang="ja-JP" altLang="en-US" sz="2800" dirty="0"/>
           </a:p>
         </p:txBody>
       </p:sp>
@@ -7764,14 +7684,16 @@
         </p:nvSpPr>
         <p:spPr/>
         <p:txBody>
-          <a:bodyPr>
-            <a:normAutofit fontScale="90000"/>
-          </a:bodyPr>
-          <a:lstStyle/>
-          <a:p>
-            <a:r>
-              <a:rPr lang="ja-JP" altLang="en-US" dirty="0" smtClean="0"/>
-              <a:t>できていない理由とさらなるメリット</a:t>
+          <a:bodyPr/>
+          <a:lstStyle/>
+          <a:p>
+            <a:r>
+              <a:rPr kumimoji="1" lang="en-US" altLang="ja-JP" dirty="0" smtClean="0"/>
+              <a:t>IT</a:t>
+            </a:r>
+            <a:r>
+              <a:rPr kumimoji="1" lang="ja-JP" altLang="en-US" dirty="0" smtClean="0"/>
+              <a:t>技術を取り入れた際のメリット</a:t>
             </a:r>
             <a:endParaRPr kumimoji="1" lang="ja-JP" altLang="en-US" dirty="0"/>
           </a:p>
@@ -7787,35 +7709,54 @@
             <p:ph idx="1"/>
           </p:nvPr>
         </p:nvSpPr>
-        <p:spPr/>
-        <p:txBody>
-          <a:bodyPr>
-            <a:normAutofit/>
-          </a:bodyPr>
-          <a:lstStyle/>
-          <a:p>
+        <p:spPr>
+          <a:xfrm>
+            <a:off x="467544" y="1268760"/>
+            <a:ext cx="8229600" cy="5040560"/>
+          </a:xfrm>
+        </p:spPr>
+        <p:txBody>
+          <a:bodyPr/>
+          <a:lstStyle/>
+          <a:p>
+            <a:r>
+              <a:rPr kumimoji="1" lang="ja-JP" altLang="en-US" dirty="0" smtClean="0"/>
+              <a:t>大きく分けると、以下をあげ</a:t>
+            </a:r>
+            <a:r>
+              <a:rPr lang="ja-JP" altLang="en-US" dirty="0"/>
+              <a:t>られる</a:t>
+            </a:r>
+            <a:r>
+              <a:rPr kumimoji="1" lang="ja-JP" altLang="en-US" dirty="0" smtClean="0"/>
+              <a:t>。</a:t>
+            </a:r>
+            <a:endParaRPr kumimoji="1" lang="en-US" altLang="ja-JP" dirty="0" smtClean="0"/>
+          </a:p>
+          <a:p>
+            <a:pPr marL="514350" indent="-514350">
+              <a:buFont typeface="+mj-lt"/>
+              <a:buAutoNum type="arabicPeriod"/>
+            </a:pPr>
+            <a:r>
+              <a:rPr kumimoji="1" lang="ja-JP" altLang="en-US" sz="2800" dirty="0" smtClean="0"/>
+              <a:t>事務仕事</a:t>
+            </a:r>
+            <a:r>
+              <a:rPr lang="ja-JP" altLang="en-US" sz="2800" dirty="0"/>
+              <a:t>の</a:t>
+            </a:r>
             <a:r>
               <a:rPr lang="ja-JP" altLang="en-US" sz="2800" dirty="0" smtClean="0"/>
-              <a:t>現在の福祉施設で問題なことは、前頁で記載したようなことを取り入れられないことではなく、そのようなことをできることが分か</a:t>
-            </a:r>
-            <a:r>
-              <a:rPr lang="ja-JP" altLang="en-US" sz="2800" dirty="0"/>
-              <a:t>る人がいない</a:t>
+              <a:t>簡略化 </a:t>
+            </a:r>
+            <a:r>
+              <a:rPr lang="en-US" altLang="ja-JP" sz="2800" dirty="0" smtClean="0"/>
+              <a:t>– </a:t>
             </a:r>
             <a:r>
               <a:rPr lang="ja-JP" altLang="en-US" sz="2800" dirty="0" smtClean="0"/>
-              <a:t>こと。さらに相談できる相手がいないこと。</a:t>
-            </a:r>
-            <a:endParaRPr lang="en-US" altLang="ja-JP" sz="2800" dirty="0" smtClean="0"/>
-          </a:p>
-          <a:p>
-            <a:r>
-              <a:rPr lang="ja-JP" altLang="en-US" sz="2800" dirty="0" smtClean="0"/>
-              <a:t>機能</a:t>
-            </a:r>
-            <a:r>
-              <a:rPr lang="ja-JP" altLang="en-US" sz="2800" dirty="0" smtClean="0"/>
-              <a:t>の作成などまで行うかどうかはともかく、例えばパソコンの操作方法</a:t>
+              <a:t>日報の記載をフォーマットから記載できたり、利用者とその家族の連絡する時に、簡単に多くの連絡先</a:t>
             </a:r>
             <a:r>
               <a:rPr lang="en-US" altLang="ja-JP" sz="2800" dirty="0" smtClean="0"/>
@@ -7823,7 +7764,15 @@
             </a:r>
             <a:r>
               <a:rPr lang="ja-JP" altLang="en-US" sz="2800" dirty="0" smtClean="0"/>
-              <a:t>職員・利用者両方</a:t>
+              <a:t>携帯電話・メール・</a:t>
+            </a:r>
+            <a:r>
+              <a:rPr lang="en-US" altLang="ja-JP" sz="2800" dirty="0" smtClean="0"/>
+              <a:t>line</a:t>
+            </a:r>
+            <a:r>
+              <a:rPr lang="ja-JP" altLang="en-US" sz="2800" dirty="0" smtClean="0"/>
+              <a:t>など</a:t>
             </a:r>
             <a:r>
               <a:rPr lang="en-US" altLang="ja-JP" sz="2800" dirty="0" smtClean="0"/>
@@ -7831,17 +7780,70 @@
             </a:r>
             <a:r>
               <a:rPr lang="ja-JP" altLang="en-US" sz="2800" dirty="0" smtClean="0"/>
-              <a:t>教室など、</a:t>
-            </a:r>
-            <a:r>
-              <a:rPr lang="en-US" altLang="ja-JP" sz="2800" dirty="0" smtClean="0"/>
-              <a:t>IT</a:t>
-            </a:r>
+              <a:t>を一度に確認できる。</a:t>
+            </a:r>
+            <a:endParaRPr lang="en-US" altLang="ja-JP" sz="2800" dirty="0" smtClean="0"/>
+          </a:p>
+          <a:p>
+            <a:pPr marL="514350" indent="-514350">
+              <a:buFont typeface="+mj-lt"/>
+              <a:buAutoNum type="arabicPeriod"/>
+            </a:pPr>
+            <a:r>
+              <a:rPr kumimoji="1" lang="ja-JP" altLang="en-US" sz="2800" dirty="0" smtClean="0"/>
+              <a:t>確認作業等の負荷軽減 </a:t>
+            </a:r>
+            <a:r>
+              <a:rPr kumimoji="1" lang="en-US" altLang="ja-JP" sz="2800" dirty="0" smtClean="0"/>
+              <a:t>+ </a:t>
+            </a:r>
+            <a:r>
+              <a:rPr kumimoji="1" lang="ja-JP" altLang="en-US" sz="2800" dirty="0" smtClean="0"/>
+              <a:t>確実性の増加 </a:t>
+            </a:r>
+            <a:r>
+              <a:rPr kumimoji="1" lang="en-US" altLang="ja-JP" sz="2800" dirty="0" smtClean="0"/>
+              <a:t>– </a:t>
+            </a:r>
+            <a:r>
+              <a:rPr kumimoji="1" lang="ja-JP" altLang="en-US" sz="2800" dirty="0" smtClean="0"/>
+              <a:t>施錠の確認や、</a:t>
+            </a:r>
+            <a:r>
+              <a:rPr kumimoji="1" lang="en-US" altLang="ja-JP" sz="2800" dirty="0" smtClean="0"/>
+              <a:t>Web</a:t>
+            </a:r>
+            <a:r>
+              <a:rPr kumimoji="1" lang="ja-JP" altLang="en-US" sz="2800" dirty="0" smtClean="0"/>
+              <a:t>カメラの活用により、一目で職員が足を使</a:t>
+            </a:r>
+            <a:r>
+              <a:rPr lang="ja-JP" altLang="en-US" sz="2800" dirty="0"/>
+              <a:t>うより</a:t>
+            </a:r>
+            <a:r>
+              <a:rPr kumimoji="1" lang="ja-JP" altLang="en-US" sz="2800" dirty="0" smtClean="0"/>
+              <a:t>確実に、確認作業を遂行できる。</a:t>
+            </a:r>
+            <a:endParaRPr kumimoji="1" lang="en-US" altLang="ja-JP" sz="2800" dirty="0" smtClean="0"/>
+          </a:p>
+          <a:p>
+            <a:pPr marL="514350" indent="-514350">
+              <a:buFont typeface="+mj-lt"/>
+              <a:buAutoNum type="arabicPeriod"/>
+            </a:pPr>
             <a:r>
               <a:rPr lang="ja-JP" altLang="en-US" sz="2800" dirty="0" smtClean="0"/>
-              <a:t>関係全般の知識啓蒙は需要があり、そのために投資しても、施設側に金額以上のメリットはあると思われる。</a:t>
-            </a:r>
-            <a:endParaRPr lang="en-US" altLang="ja-JP" sz="2800" dirty="0" smtClean="0"/>
+              <a:t>最先端技術の使用により、変化の予兆を人による確認より先にキャッチできる。</a:t>
+            </a:r>
+            <a:endParaRPr kumimoji="1" lang="en-US" altLang="ja-JP" sz="2800" dirty="0" smtClean="0"/>
+          </a:p>
+          <a:p>
+            <a:pPr marL="514350" indent="-514350">
+              <a:buFont typeface="+mj-lt"/>
+              <a:buAutoNum type="arabicPeriod"/>
+            </a:pPr>
+            <a:endParaRPr kumimoji="1" lang="ja-JP" altLang="en-US" sz="2800" dirty="0"/>
           </a:p>
         </p:txBody>
       </p:sp>
